--- a/Padrão Observer - Design Pattern.pptx
+++ b/Padrão Observer - Design Pattern.pptx
@@ -5,26 +5,137 @@
     <p:sldMasterId id="2147483648" r:id="rId1"/>
   </p:sldMasterIdLst>
   <p:sldIdLst>
-    <p:sldId id="256" r:id="rId6"/>
-    <p:sldId id="257" r:id="rId7"/>
-    <p:sldId id="258" r:id="rId8"/>
-    <p:sldId id="259" r:id="rId9"/>
-    <p:sldId id="260" r:id="rId10"/>
-    <p:sldId id="261" r:id="rId11"/>
-    <p:sldId id="262" r:id="rId12"/>
-    <p:sldId id="263" r:id="rId13"/>
-    <p:sldId id="264" r:id="rId14"/>
-    <p:sldId id="265" r:id="rId15"/>
-    <p:sldId id="266" r:id="rId16"/>
-    <p:sldId id="267" r:id="rId17"/>
+    <p:sldId id="256" r:id="rId2"/>
+    <p:sldId id="257" r:id="rId3"/>
+    <p:sldId id="258" r:id="rId4"/>
+    <p:sldId id="259" r:id="rId5"/>
+    <p:sldId id="260" r:id="rId6"/>
+    <p:sldId id="261" r:id="rId7"/>
+    <p:sldId id="262" r:id="rId8"/>
+    <p:sldId id="263" r:id="rId9"/>
+    <p:sldId id="264" r:id="rId10"/>
+    <p:sldId id="265" r:id="rId11"/>
+    <p:sldId id="266" r:id="rId12"/>
+    <p:sldId id="267" r:id="rId13"/>
   </p:sldIdLst>
   <p:sldSz cx="18288000" cy="10287000"/>
   <p:notesSz cx="18288000" cy="10287000"/>
+  <p:defaultTextStyle>
+    <a:defPPr>
+      <a:defRPr lang="en-US"/>
+    </a:defPPr>
+    <a:lvl1pPr marL="0" algn="l" defTabSz="914400" rtl="0" eaLnBrk="1" latinLnBrk="0" hangingPunct="1">
+      <a:defRPr sz="1800" kern="1200">
+        <a:solidFill>
+          <a:schemeClr val="tx1"/>
+        </a:solidFill>
+        <a:latin typeface="+mn-lt"/>
+        <a:ea typeface="+mn-ea"/>
+        <a:cs typeface="+mn-cs"/>
+      </a:defRPr>
+    </a:lvl1pPr>
+    <a:lvl2pPr marL="457200" algn="l" defTabSz="914400" rtl="0" eaLnBrk="1" latinLnBrk="0" hangingPunct="1">
+      <a:defRPr sz="1800" kern="1200">
+        <a:solidFill>
+          <a:schemeClr val="tx1"/>
+        </a:solidFill>
+        <a:latin typeface="+mn-lt"/>
+        <a:ea typeface="+mn-ea"/>
+        <a:cs typeface="+mn-cs"/>
+      </a:defRPr>
+    </a:lvl2pPr>
+    <a:lvl3pPr marL="914400" algn="l" defTabSz="914400" rtl="0" eaLnBrk="1" latinLnBrk="0" hangingPunct="1">
+      <a:defRPr sz="1800" kern="1200">
+        <a:solidFill>
+          <a:schemeClr val="tx1"/>
+        </a:solidFill>
+        <a:latin typeface="+mn-lt"/>
+        <a:ea typeface="+mn-ea"/>
+        <a:cs typeface="+mn-cs"/>
+      </a:defRPr>
+    </a:lvl3pPr>
+    <a:lvl4pPr marL="1371600" algn="l" defTabSz="914400" rtl="0" eaLnBrk="1" latinLnBrk="0" hangingPunct="1">
+      <a:defRPr sz="1800" kern="1200">
+        <a:solidFill>
+          <a:schemeClr val="tx1"/>
+        </a:solidFill>
+        <a:latin typeface="+mn-lt"/>
+        <a:ea typeface="+mn-ea"/>
+        <a:cs typeface="+mn-cs"/>
+      </a:defRPr>
+    </a:lvl4pPr>
+    <a:lvl5pPr marL="1828800" algn="l" defTabSz="914400" rtl="0" eaLnBrk="1" latinLnBrk="0" hangingPunct="1">
+      <a:defRPr sz="1800" kern="1200">
+        <a:solidFill>
+          <a:schemeClr val="tx1"/>
+        </a:solidFill>
+        <a:latin typeface="+mn-lt"/>
+        <a:ea typeface="+mn-ea"/>
+        <a:cs typeface="+mn-cs"/>
+      </a:defRPr>
+    </a:lvl5pPr>
+    <a:lvl6pPr marL="2286000" algn="l" defTabSz="914400" rtl="0" eaLnBrk="1" latinLnBrk="0" hangingPunct="1">
+      <a:defRPr sz="1800" kern="1200">
+        <a:solidFill>
+          <a:schemeClr val="tx1"/>
+        </a:solidFill>
+        <a:latin typeface="+mn-lt"/>
+        <a:ea typeface="+mn-ea"/>
+        <a:cs typeface="+mn-cs"/>
+      </a:defRPr>
+    </a:lvl6pPr>
+    <a:lvl7pPr marL="2743200" algn="l" defTabSz="914400" rtl="0" eaLnBrk="1" latinLnBrk="0" hangingPunct="1">
+      <a:defRPr sz="1800" kern="1200">
+        <a:solidFill>
+          <a:schemeClr val="tx1"/>
+        </a:solidFill>
+        <a:latin typeface="+mn-lt"/>
+        <a:ea typeface="+mn-ea"/>
+        <a:cs typeface="+mn-cs"/>
+      </a:defRPr>
+    </a:lvl7pPr>
+    <a:lvl8pPr marL="3200400" algn="l" defTabSz="914400" rtl="0" eaLnBrk="1" latinLnBrk="0" hangingPunct="1">
+      <a:defRPr sz="1800" kern="1200">
+        <a:solidFill>
+          <a:schemeClr val="tx1"/>
+        </a:solidFill>
+        <a:latin typeface="+mn-lt"/>
+        <a:ea typeface="+mn-ea"/>
+        <a:cs typeface="+mn-cs"/>
+      </a:defRPr>
+    </a:lvl8pPr>
+    <a:lvl9pPr marL="3657600" algn="l" defTabSz="914400" rtl="0" eaLnBrk="1" latinLnBrk="0" hangingPunct="1">
+      <a:defRPr sz="1800" kern="1200">
+        <a:solidFill>
+          <a:schemeClr val="tx1"/>
+        </a:solidFill>
+        <a:latin typeface="+mn-lt"/>
+        <a:ea typeface="+mn-ea"/>
+        <a:cs typeface="+mn-cs"/>
+      </a:defRPr>
+    </a:lvl9pPr>
+  </p:defaultTextStyle>
+  <p:extLst>
+    <p:ext uri="{EFAFB233-063F-42B5-8137-9DF3F51BA10A}">
+      <p15:sldGuideLst xmlns:p15="http://schemas.microsoft.com/office/powerpoint/2012/main">
+        <p15:guide id="1" orient="horz" pos="2880">
+          <p15:clr>
+            <a:srgbClr val="A4A3A4"/>
+          </p15:clr>
+        </p15:guide>
+        <p15:guide id="2" pos="2160">
+          <p15:clr>
+            <a:srgbClr val="A4A3A4"/>
+          </p15:clr>
+        </p15:guide>
+      </p15:sldGuideLst>
+    </p:ext>
+  </p:extLst>
 </p:presentation>
 </file>
 
 <file path=ppt/slideLayouts/slideLayout1.xml><?xml version="1.0" encoding="utf-8"?>
-<p:sldLayout xmlns:a="http://schemas.openxmlformats.org/drawingml/2006/main" xmlns:r="http://schemas.openxmlformats.org/officeDocument/2006/relationships" xmlns:p="http://schemas.openxmlformats.org/presentationml/2006/main" preserve="1" type="obj" showMasterSp="0">
+<p:sldLayout xmlns:a="http://schemas.openxmlformats.org/drawingml/2006/main" xmlns:r="http://schemas.openxmlformats.org/officeDocument/2006/relationships" xmlns:p="http://schemas.openxmlformats.org/presentationml/2006/main" showMasterSp="0" type="obj" preserve="1">
   <p:cSld name="Title Slide">
     <p:bg>
       <p:bgPr>
@@ -93,7 +204,9 @@
         <p:txBody>
           <a:bodyPr wrap="square" lIns="0" tIns="0" rIns="0" bIns="0" rtlCol="0"/>
           <a:lstStyle/>
-          <a:p/>
+          <a:p>
+            <a:endParaRPr/>
+          </a:p>
         </p:txBody>
       </p:sp>
       <p:sp>
@@ -130,7 +243,9 @@
               </a:defRPr>
             </a:lvl1pPr>
           </a:lstStyle>
-          <a:p/>
+          <a:p>
+            <a:endParaRPr/>
+          </a:p>
         </p:txBody>
       </p:sp>
       <p:sp>
@@ -167,7 +282,9 @@
               </a:defRPr>
             </a:lvl1pPr>
           </a:lstStyle>
-          <a:p/>
+          <a:p>
+            <a:endParaRPr/>
+          </a:p>
         </p:txBody>
       </p:sp>
       <p:sp>
@@ -177,7 +294,7 @@
             <a:spLocks noGrp="1"/>
           </p:cNvSpPr>
           <p:nvPr>
-            <p:ph type="ftr" idx="5" sz="quarter"/>
+            <p:ph type="ftr" sz="quarter" idx="5"/>
           </p:nvPr>
         </p:nvSpPr>
         <p:spPr/>
@@ -194,7 +311,9 @@
               </a:defRPr>
             </a:lvl1pPr>
           </a:lstStyle>
-          <a:p/>
+          <a:p>
+            <a:endParaRPr/>
+          </a:p>
         </p:txBody>
       </p:sp>
       <p:sp>
@@ -204,7 +323,7 @@
             <a:spLocks noGrp="1"/>
           </p:cNvSpPr>
           <p:nvPr>
-            <p:ph type="dt" idx="6" sz="half"/>
+            <p:ph type="dt" sz="half" idx="6"/>
           </p:nvPr>
         </p:nvSpPr>
         <p:spPr/>
@@ -224,7 +343,9 @@
           <a:p>
             <a:fld id="{1D8BD707-D9CF-40AE-B4C6-C98DA3205C09}" type="datetimeFigureOut">
               <a:rPr lang="en-US"/>
+              <a:t>12/1/2022</a:t>
             </a:fld>
+            <a:endParaRPr lang="en-US"/>
           </a:p>
         </p:txBody>
       </p:sp>
@@ -235,7 +356,7 @@
             <a:spLocks noGrp="1"/>
           </p:cNvSpPr>
           <p:nvPr>
-            <p:ph type="sldNum" idx="7" sz="quarter"/>
+            <p:ph type="sldNum" sz="quarter" idx="7"/>
           </p:nvPr>
         </p:nvSpPr>
         <p:spPr/>
@@ -254,8 +375,9 @@
           </a:lstStyle>
           <a:p>
             <a:fld id="{B6F15528-21DE-4FAA-801E-634DDDAF4B2B}" type="slidenum">
-              <a:t>#</a:t>
+              <a:t>‹#›</a:t>
             </a:fld>
+            <a:endParaRPr/>
           </a:p>
         </p:txBody>
       </p:sp>
@@ -268,7 +390,7 @@
 </file>
 
 <file path=ppt/slideLayouts/slideLayout2.xml><?xml version="1.0" encoding="utf-8"?>
-<p:sldLayout xmlns:a="http://schemas.openxmlformats.org/drawingml/2006/main" xmlns:r="http://schemas.openxmlformats.org/officeDocument/2006/relationships" xmlns:p="http://schemas.openxmlformats.org/presentationml/2006/main" preserve="1" type="obj" showMasterSp="0">
+<p:sldLayout xmlns:a="http://schemas.openxmlformats.org/drawingml/2006/main" xmlns:r="http://schemas.openxmlformats.org/officeDocument/2006/relationships" xmlns:p="http://schemas.openxmlformats.org/presentationml/2006/main" showMasterSp="0" type="obj" preserve="1">
   <p:cSld name="Title and Content">
     <p:bg>
       <p:bgPr>
@@ -337,7 +459,9 @@
         <p:txBody>
           <a:bodyPr wrap="square" lIns="0" tIns="0" rIns="0" bIns="0" rtlCol="0"/>
           <a:lstStyle/>
-          <a:p/>
+          <a:p>
+            <a:endParaRPr/>
+          </a:p>
         </p:txBody>
       </p:sp>
       <p:sp>
@@ -364,7 +488,9 @@
               </a:defRPr>
             </a:lvl1pPr>
           </a:lstStyle>
-          <a:p/>
+          <a:p>
+            <a:endParaRPr/>
+          </a:p>
         </p:txBody>
       </p:sp>
       <p:sp>
@@ -391,7 +517,9 @@
               </a:defRPr>
             </a:lvl1pPr>
           </a:lstStyle>
-          <a:p/>
+          <a:p>
+            <a:endParaRPr/>
+          </a:p>
         </p:txBody>
       </p:sp>
       <p:sp>
@@ -401,7 +529,7 @@
             <a:spLocks noGrp="1"/>
           </p:cNvSpPr>
           <p:nvPr>
-            <p:ph type="ftr" idx="5" sz="quarter"/>
+            <p:ph type="ftr" sz="quarter" idx="5"/>
           </p:nvPr>
         </p:nvSpPr>
         <p:spPr/>
@@ -418,7 +546,9 @@
               </a:defRPr>
             </a:lvl1pPr>
           </a:lstStyle>
-          <a:p/>
+          <a:p>
+            <a:endParaRPr/>
+          </a:p>
         </p:txBody>
       </p:sp>
       <p:sp>
@@ -428,7 +558,7 @@
             <a:spLocks noGrp="1"/>
           </p:cNvSpPr>
           <p:nvPr>
-            <p:ph type="dt" idx="6" sz="half"/>
+            <p:ph type="dt" sz="half" idx="6"/>
           </p:nvPr>
         </p:nvSpPr>
         <p:spPr/>
@@ -448,7 +578,9 @@
           <a:p>
             <a:fld id="{1D8BD707-D9CF-40AE-B4C6-C98DA3205C09}" type="datetimeFigureOut">
               <a:rPr lang="en-US"/>
+              <a:t>12/1/2022</a:t>
             </a:fld>
+            <a:endParaRPr lang="en-US"/>
           </a:p>
         </p:txBody>
       </p:sp>
@@ -459,7 +591,7 @@
             <a:spLocks noGrp="1"/>
           </p:cNvSpPr>
           <p:nvPr>
-            <p:ph type="sldNum" idx="7" sz="quarter"/>
+            <p:ph type="sldNum" sz="quarter" idx="7"/>
           </p:nvPr>
         </p:nvSpPr>
         <p:spPr/>
@@ -478,8 +610,9 @@
           </a:lstStyle>
           <a:p>
             <a:fld id="{B6F15528-21DE-4FAA-801E-634DDDAF4B2B}" type="slidenum">
-              <a:t>#</a:t>
+              <a:t>‹#›</a:t>
             </a:fld>
+            <a:endParaRPr/>
           </a:p>
         </p:txBody>
       </p:sp>
@@ -492,7 +625,7 @@
 </file>
 
 <file path=ppt/slideLayouts/slideLayout3.xml><?xml version="1.0" encoding="utf-8"?>
-<p:sldLayout xmlns:a="http://schemas.openxmlformats.org/drawingml/2006/main" xmlns:r="http://schemas.openxmlformats.org/officeDocument/2006/relationships" xmlns:p="http://schemas.openxmlformats.org/presentationml/2006/main" preserve="1" type="obj">
+<p:sldLayout xmlns:a="http://schemas.openxmlformats.org/drawingml/2006/main" xmlns:r="http://schemas.openxmlformats.org/officeDocument/2006/relationships" xmlns:p="http://schemas.openxmlformats.org/presentationml/2006/main" type="obj" preserve="1">
   <p:cSld name="Two Content">
     <p:spTree>
       <p:nvGrpSpPr>
@@ -532,7 +665,9 @@
               </a:defRPr>
             </a:lvl1pPr>
           </a:lstStyle>
-          <a:p/>
+          <a:p>
+            <a:endParaRPr/>
+          </a:p>
         </p:txBody>
       </p:sp>
       <p:sp>
@@ -542,7 +677,7 @@
             <a:spLocks noGrp="1"/>
           </p:cNvSpPr>
           <p:nvPr>
-            <p:ph idx="2" sz="half"/>
+            <p:ph sz="half" idx="2"/>
           </p:nvPr>
         </p:nvSpPr>
         <p:spPr>
@@ -563,7 +698,9 @@
               <a:defRPr/>
             </a:lvl1pPr>
           </a:lstStyle>
-          <a:p/>
+          <a:p>
+            <a:endParaRPr/>
+          </a:p>
         </p:txBody>
       </p:sp>
       <p:sp>
@@ -573,7 +710,7 @@
             <a:spLocks noGrp="1"/>
           </p:cNvSpPr>
           <p:nvPr>
-            <p:ph idx="3" sz="half"/>
+            <p:ph sz="half" idx="3"/>
           </p:nvPr>
         </p:nvSpPr>
         <p:spPr>
@@ -594,7 +731,9 @@
               <a:defRPr/>
             </a:lvl1pPr>
           </a:lstStyle>
-          <a:p/>
+          <a:p>
+            <a:endParaRPr/>
+          </a:p>
         </p:txBody>
       </p:sp>
       <p:sp>
@@ -604,7 +743,7 @@
             <a:spLocks noGrp="1"/>
           </p:cNvSpPr>
           <p:nvPr>
-            <p:ph type="ftr" idx="5" sz="quarter"/>
+            <p:ph type="ftr" sz="quarter" idx="5"/>
           </p:nvPr>
         </p:nvSpPr>
         <p:spPr/>
@@ -621,7 +760,9 @@
               </a:defRPr>
             </a:lvl1pPr>
           </a:lstStyle>
-          <a:p/>
+          <a:p>
+            <a:endParaRPr/>
+          </a:p>
         </p:txBody>
       </p:sp>
       <p:sp>
@@ -631,7 +772,7 @@
             <a:spLocks noGrp="1"/>
           </p:cNvSpPr>
           <p:nvPr>
-            <p:ph type="dt" idx="6" sz="half"/>
+            <p:ph type="dt" sz="half" idx="6"/>
           </p:nvPr>
         </p:nvSpPr>
         <p:spPr/>
@@ -651,7 +792,9 @@
           <a:p>
             <a:fld id="{1D8BD707-D9CF-40AE-B4C6-C98DA3205C09}" type="datetimeFigureOut">
               <a:rPr lang="en-US"/>
+              <a:t>12/1/2022</a:t>
             </a:fld>
+            <a:endParaRPr lang="en-US"/>
           </a:p>
         </p:txBody>
       </p:sp>
@@ -662,7 +805,7 @@
             <a:spLocks noGrp="1"/>
           </p:cNvSpPr>
           <p:nvPr>
-            <p:ph type="sldNum" idx="7" sz="quarter"/>
+            <p:ph type="sldNum" sz="quarter" idx="7"/>
           </p:nvPr>
         </p:nvSpPr>
         <p:spPr/>
@@ -681,8 +824,9 @@
           </a:lstStyle>
           <a:p>
             <a:fld id="{B6F15528-21DE-4FAA-801E-634DDDAF4B2B}" type="slidenum">
-              <a:t>#</a:t>
+              <a:t>‹#›</a:t>
             </a:fld>
+            <a:endParaRPr/>
           </a:p>
         </p:txBody>
       </p:sp>
@@ -695,7 +839,7 @@
 </file>
 
 <file path=ppt/slideLayouts/slideLayout4.xml><?xml version="1.0" encoding="utf-8"?>
-<p:sldLayout xmlns:a="http://schemas.openxmlformats.org/drawingml/2006/main" xmlns:r="http://schemas.openxmlformats.org/officeDocument/2006/relationships" xmlns:p="http://schemas.openxmlformats.org/presentationml/2006/main" preserve="1" type="obj">
+<p:sldLayout xmlns:a="http://schemas.openxmlformats.org/drawingml/2006/main" xmlns:r="http://schemas.openxmlformats.org/officeDocument/2006/relationships" xmlns:p="http://schemas.openxmlformats.org/presentationml/2006/main" type="obj" preserve="1">
   <p:cSld name="Title Only">
     <p:spTree>
       <p:nvGrpSpPr>
@@ -735,7 +879,9 @@
               </a:defRPr>
             </a:lvl1pPr>
           </a:lstStyle>
-          <a:p/>
+          <a:p>
+            <a:endParaRPr/>
+          </a:p>
         </p:txBody>
       </p:sp>
       <p:sp>
@@ -745,7 +891,7 @@
             <a:spLocks noGrp="1"/>
           </p:cNvSpPr>
           <p:nvPr>
-            <p:ph type="ftr" idx="5" sz="quarter"/>
+            <p:ph type="ftr" sz="quarter" idx="5"/>
           </p:nvPr>
         </p:nvSpPr>
         <p:spPr/>
@@ -762,7 +908,9 @@
               </a:defRPr>
             </a:lvl1pPr>
           </a:lstStyle>
-          <a:p/>
+          <a:p>
+            <a:endParaRPr/>
+          </a:p>
         </p:txBody>
       </p:sp>
       <p:sp>
@@ -772,7 +920,7 @@
             <a:spLocks noGrp="1"/>
           </p:cNvSpPr>
           <p:nvPr>
-            <p:ph type="dt" idx="6" sz="half"/>
+            <p:ph type="dt" sz="half" idx="6"/>
           </p:nvPr>
         </p:nvSpPr>
         <p:spPr/>
@@ -792,7 +940,9 @@
           <a:p>
             <a:fld id="{1D8BD707-D9CF-40AE-B4C6-C98DA3205C09}" type="datetimeFigureOut">
               <a:rPr lang="en-US"/>
+              <a:t>12/1/2022</a:t>
             </a:fld>
+            <a:endParaRPr lang="en-US"/>
           </a:p>
         </p:txBody>
       </p:sp>
@@ -803,7 +953,7 @@
             <a:spLocks noGrp="1"/>
           </p:cNvSpPr>
           <p:nvPr>
-            <p:ph type="sldNum" idx="7" sz="quarter"/>
+            <p:ph type="sldNum" sz="quarter" idx="7"/>
           </p:nvPr>
         </p:nvSpPr>
         <p:spPr/>
@@ -822,8 +972,9 @@
           </a:lstStyle>
           <a:p>
             <a:fld id="{B6F15528-21DE-4FAA-801E-634DDDAF4B2B}" type="slidenum">
-              <a:t>#</a:t>
+              <a:t>‹#›</a:t>
             </a:fld>
+            <a:endParaRPr/>
           </a:p>
         </p:txBody>
       </p:sp>
@@ -836,7 +987,7 @@
 </file>
 
 <file path=ppt/slideLayouts/slideLayout5.xml><?xml version="1.0" encoding="utf-8"?>
-<p:sldLayout xmlns:a="http://schemas.openxmlformats.org/drawingml/2006/main" xmlns:r="http://schemas.openxmlformats.org/officeDocument/2006/relationships" xmlns:p="http://schemas.openxmlformats.org/presentationml/2006/main" preserve="1" type="obj" showMasterSp="0">
+<p:sldLayout xmlns:a="http://schemas.openxmlformats.org/drawingml/2006/main" xmlns:r="http://schemas.openxmlformats.org/officeDocument/2006/relationships" xmlns:p="http://schemas.openxmlformats.org/presentationml/2006/main" showMasterSp="0" type="obj" preserve="1">
   <p:cSld name="Blank">
     <p:bg>
       <p:bgPr>
@@ -905,7 +1056,9 @@
         <p:txBody>
           <a:bodyPr wrap="square" lIns="0" tIns="0" rIns="0" bIns="0" rtlCol="0"/>
           <a:lstStyle/>
-          <a:p/>
+          <a:p>
+            <a:endParaRPr/>
+          </a:p>
         </p:txBody>
       </p:sp>
       <p:sp>
@@ -1022,7 +1175,9 @@
         <p:txBody>
           <a:bodyPr wrap="square" lIns="0" tIns="0" rIns="0" bIns="0" rtlCol="0"/>
           <a:lstStyle/>
-          <a:p/>
+          <a:p>
+            <a:endParaRPr/>
+          </a:p>
         </p:txBody>
       </p:sp>
       <p:sp>
@@ -1067,7 +1222,9 @@
         <p:txBody>
           <a:bodyPr wrap="square" lIns="0" tIns="0" rIns="0" bIns="0" rtlCol="0"/>
           <a:lstStyle/>
-          <a:p/>
+          <a:p>
+            <a:endParaRPr/>
+          </a:p>
         </p:txBody>
       </p:sp>
       <p:pic>
@@ -1099,7 +1256,7 @@
             <a:spLocks noGrp="1"/>
           </p:cNvSpPr>
           <p:nvPr>
-            <p:ph type="ftr" idx="5" sz="quarter"/>
+            <p:ph type="ftr" sz="quarter" idx="5"/>
           </p:nvPr>
         </p:nvSpPr>
         <p:spPr/>
@@ -1116,7 +1273,9 @@
               </a:defRPr>
             </a:lvl1pPr>
           </a:lstStyle>
-          <a:p/>
+          <a:p>
+            <a:endParaRPr/>
+          </a:p>
         </p:txBody>
       </p:sp>
       <p:sp>
@@ -1126,7 +1285,7 @@
             <a:spLocks noGrp="1"/>
           </p:cNvSpPr>
           <p:nvPr>
-            <p:ph type="dt" idx="6" sz="half"/>
+            <p:ph type="dt" sz="half" idx="6"/>
           </p:nvPr>
         </p:nvSpPr>
         <p:spPr/>
@@ -1146,7 +1305,9 @@
           <a:p>
             <a:fld id="{1D8BD707-D9CF-40AE-B4C6-C98DA3205C09}" type="datetimeFigureOut">
               <a:rPr lang="en-US"/>
+              <a:t>12/1/2022</a:t>
             </a:fld>
+            <a:endParaRPr lang="en-US"/>
           </a:p>
         </p:txBody>
       </p:sp>
@@ -1157,7 +1318,7 @@
             <a:spLocks noGrp="1"/>
           </p:cNvSpPr>
           <p:nvPr>
-            <p:ph type="sldNum" idx="7" sz="quarter"/>
+            <p:ph type="sldNum" sz="quarter" idx="7"/>
           </p:nvPr>
         </p:nvSpPr>
         <p:spPr/>
@@ -1176,8 +1337,9 @@
           </a:lstStyle>
           <a:p>
             <a:fld id="{B6F15528-21DE-4FAA-801E-634DDDAF4B2B}" type="slidenum">
-              <a:t>#</a:t>
+              <a:t>‹#›</a:t>
             </a:fld>
+            <a:endParaRPr/>
           </a:p>
         </p:txBody>
       </p:sp>
@@ -1259,7 +1421,9 @@
         <p:txBody>
           <a:bodyPr wrap="square" lIns="0" tIns="0" rIns="0" bIns="0" rtlCol="0"/>
           <a:lstStyle/>
-          <a:p/>
+          <a:p>
+            <a:endParaRPr/>
+          </a:p>
         </p:txBody>
       </p:sp>
       <p:sp>
@@ -1296,7 +1460,9 @@
               </a:defRPr>
             </a:lvl1pPr>
           </a:lstStyle>
-          <a:p/>
+          <a:p>
+            <a:endParaRPr/>
+          </a:p>
         </p:txBody>
       </p:sp>
       <p:sp>
@@ -1333,7 +1499,9 @@
               </a:defRPr>
             </a:lvl1pPr>
           </a:lstStyle>
-          <a:p/>
+          <a:p>
+            <a:endParaRPr/>
+          </a:p>
         </p:txBody>
       </p:sp>
       <p:sp>
@@ -1343,7 +1511,7 @@
             <a:spLocks noGrp="1"/>
           </p:cNvSpPr>
           <p:nvPr>
-            <p:ph type="ftr" idx="5" sz="quarter"/>
+            <p:ph type="ftr" sz="quarter" idx="5"/>
           </p:nvPr>
         </p:nvSpPr>
         <p:spPr>
@@ -1370,7 +1538,9 @@
               </a:defRPr>
             </a:lvl1pPr>
           </a:lstStyle>
-          <a:p/>
+          <a:p>
+            <a:endParaRPr/>
+          </a:p>
         </p:txBody>
       </p:sp>
       <p:sp>
@@ -1380,7 +1550,7 @@
             <a:spLocks noGrp="1"/>
           </p:cNvSpPr>
           <p:nvPr>
-            <p:ph type="dt" idx="6" sz="half"/>
+            <p:ph type="dt" sz="half" idx="6"/>
           </p:nvPr>
         </p:nvSpPr>
         <p:spPr>
@@ -1410,7 +1580,9 @@
           <a:p>
             <a:fld id="{1D8BD707-D9CF-40AE-B4C6-C98DA3205C09}" type="datetimeFigureOut">
               <a:rPr lang="en-US"/>
+              <a:t>12/1/2022</a:t>
             </a:fld>
+            <a:endParaRPr lang="en-US"/>
           </a:p>
         </p:txBody>
       </p:sp>
@@ -1421,7 +1593,7 @@
             <a:spLocks noGrp="1"/>
           </p:cNvSpPr>
           <p:nvPr>
-            <p:ph type="sldNum" idx="7" sz="quarter"/>
+            <p:ph type="sldNum" sz="quarter" idx="7"/>
           </p:nvPr>
         </p:nvSpPr>
         <p:spPr>
@@ -1450,14 +1622,15 @@
           </a:lstStyle>
           <a:p>
             <a:fld id="{B6F15528-21DE-4FAA-801E-634DDDAF4B2B}" type="slidenum">
-              <a:t>#</a:t>
+              <a:t>‹#›</a:t>
             </a:fld>
+            <a:endParaRPr/>
           </a:p>
         </p:txBody>
       </p:sp>
     </p:spTree>
   </p:cSld>
-  <p:clrMap folHlink="folHlink" hlink="hlink" accent1="accent1" accent2="accent2" accent3="accent3" accent4="accent4" accent5="accent5" accent6="accent6" tx2="dk2" bg2="lt2" tx1="dk1" bg1="lt1"/>
+  <p:clrMap bg1="lt1" tx1="dk1" bg2="lt2" tx2="dk2" accent1="accent1" accent2="accent2" accent3="accent3" accent4="accent4" accent5="accent5" accent6="accent6" hlink="hlink" folHlink="folHlink"/>
   <p:sldLayoutIdLst>
     <p:sldLayoutId id="2147483661" r:id="rId1"/>
     <p:sldLayoutId id="2147483662" r:id="rId2"/>
@@ -1671,7 +1844,9 @@
         <p:txBody>
           <a:bodyPr wrap="square" lIns="0" tIns="0" rIns="0" bIns="0" rtlCol="0"/>
           <a:lstStyle/>
-          <a:p/>
+          <a:p>
+            <a:endParaRPr/>
+          </a:p>
         </p:txBody>
       </p:sp>
       <p:sp>
@@ -1685,10 +1860,12 @@
           </p:nvPr>
         </p:nvSpPr>
         <p:spPr>
-          <a:prstGeom prst="rect"/>
+          <a:prstGeom prst="rect">
+            <a:avLst/>
+          </a:prstGeom>
         </p:spPr>
         <p:txBody>
-          <a:bodyPr wrap="square" lIns="0" tIns="12700" rIns="0" bIns="0" rtlCol="0" vert="horz">
+          <a:bodyPr vert="horz" wrap="square" lIns="0" tIns="12700" rIns="0" bIns="0" rtlCol="0">
             <a:spAutoFit/>
           </a:bodyPr>
           <a:lstStyle/>
@@ -1702,63 +1879,63 @@
               </a:spcBef>
             </a:pPr>
             <a:r>
-              <a:rPr dirty="0" spc="-295"/>
+              <a:rPr spc="-295" dirty="0"/>
               <a:t>P</a:t>
             </a:r>
             <a:r>
-              <a:rPr dirty="0" spc="-310"/>
+              <a:rPr spc="-310" dirty="0"/>
               <a:t>a</a:t>
             </a:r>
             <a:r>
-              <a:rPr dirty="0" spc="315"/>
+              <a:rPr spc="315" dirty="0"/>
               <a:t>d</a:t>
             </a:r>
             <a:r>
-              <a:rPr dirty="0" spc="-430"/>
+              <a:rPr spc="-430" dirty="0"/>
               <a:t>r</a:t>
             </a:r>
             <a:r>
-              <a:rPr dirty="0" spc="-310"/>
+              <a:rPr spc="-310" dirty="0"/>
               <a:t>ã</a:t>
             </a:r>
             <a:r>
-              <a:rPr dirty="0" spc="-55"/>
+              <a:rPr spc="-55" dirty="0"/>
               <a:t>o</a:t>
             </a:r>
             <a:r>
-              <a:rPr dirty="0" spc="-1285"/>
-              <a:t> </a:t>
-            </a:r>
-            <a:r>
-              <a:rPr dirty="0" spc="55"/>
+              <a:rPr spc="-1285" dirty="0"/>
+              <a:t> </a:t>
+            </a:r>
+            <a:r>
+              <a:rPr spc="55" dirty="0"/>
               <a:t>O</a:t>
             </a:r>
             <a:r>
-              <a:rPr dirty="0" spc="275"/>
+              <a:rPr spc="275" dirty="0"/>
               <a:t>b</a:t>
             </a:r>
             <a:r>
-              <a:rPr dirty="0" spc="-45"/>
+              <a:rPr spc="-45" dirty="0"/>
               <a:t>s</a:t>
             </a:r>
             <a:r>
-              <a:rPr dirty="0" spc="-70"/>
+              <a:rPr spc="-70" dirty="0"/>
               <a:t>e</a:t>
             </a:r>
             <a:r>
-              <a:rPr dirty="0" spc="-430"/>
+              <a:rPr spc="-430" dirty="0"/>
               <a:t>r</a:t>
             </a:r>
             <a:r>
-              <a:rPr dirty="0" spc="75"/>
+              <a:rPr spc="75" dirty="0"/>
               <a:t>v</a:t>
             </a:r>
             <a:r>
-              <a:rPr dirty="0" spc="-70"/>
+              <a:rPr spc="-70" dirty="0"/>
               <a:t>e</a:t>
             </a:r>
             <a:r>
-              <a:rPr dirty="0" spc="-430"/>
+              <a:rPr spc="-430" dirty="0"/>
               <a:t>r</a:t>
             </a:r>
           </a:p>
@@ -1775,10 +1952,12 @@
           </p:nvPr>
         </p:nvSpPr>
         <p:spPr>
-          <a:prstGeom prst="rect"/>
+          <a:prstGeom prst="rect">
+            <a:avLst/>
+          </a:prstGeom>
         </p:spPr>
         <p:txBody>
-          <a:bodyPr wrap="square" lIns="0" tIns="12700" rIns="0" bIns="0" rtlCol="0" vert="horz">
+          <a:bodyPr vert="horz" wrap="square" lIns="0" tIns="12700" rIns="0" bIns="0" rtlCol="0">
             <a:spAutoFit/>
           </a:bodyPr>
           <a:lstStyle/>
@@ -1792,199 +1971,199 @@
               </a:spcBef>
             </a:pPr>
             <a:r>
-              <a:rPr dirty="0" spc="375"/>
+              <a:rPr spc="375" dirty="0"/>
               <a:t>M</a:t>
             </a:r>
             <a:r>
-              <a:rPr dirty="0" spc="15"/>
+              <a:rPr spc="15" dirty="0"/>
               <a:t>a</a:t>
             </a:r>
             <a:r>
-              <a:rPr dirty="0" spc="-90"/>
+              <a:rPr spc="-90" dirty="0"/>
               <a:t>t</a:t>
             </a:r>
             <a:r>
-              <a:rPr dirty="0" spc="135"/>
+              <a:rPr spc="135" dirty="0"/>
               <a:t>h</a:t>
             </a:r>
             <a:r>
-              <a:rPr dirty="0" spc="85"/>
+              <a:rPr spc="85" dirty="0"/>
               <a:t>e</a:t>
             </a:r>
             <a:r>
-              <a:rPr dirty="0" spc="130"/>
+              <a:rPr spc="130" dirty="0"/>
               <a:t>u</a:t>
             </a:r>
             <a:r>
-              <a:rPr dirty="0" spc="50"/>
+              <a:rPr spc="50" dirty="0"/>
               <a:t>s</a:t>
             </a:r>
             <a:r>
-              <a:rPr dirty="0" spc="-390"/>
-              <a:t> </a:t>
-            </a:r>
-            <a:r>
-              <a:rPr dirty="0" spc="95"/>
+              <a:rPr spc="-390" dirty="0"/>
+              <a:t> </a:t>
+            </a:r>
+            <a:r>
+              <a:rPr spc="95" dirty="0"/>
               <a:t>V</a:t>
             </a:r>
             <a:r>
-              <a:rPr dirty="0" spc="35"/>
+              <a:rPr spc="35" dirty="0"/>
               <a:t>i</a:t>
             </a:r>
             <a:r>
-              <a:rPr dirty="0" spc="15"/>
+              <a:rPr spc="15" dirty="0"/>
               <a:t>a</a:t>
             </a:r>
             <a:r>
-              <a:rPr dirty="0" spc="135"/>
+              <a:rPr spc="135" dirty="0"/>
               <a:t>nn</a:t>
             </a:r>
             <a:r>
-              <a:rPr dirty="0" spc="20"/>
+              <a:rPr spc="20" dirty="0"/>
               <a:t>a</a:t>
             </a:r>
             <a:r>
-              <a:rPr dirty="0" spc="-390"/>
-              <a:t> </a:t>
-            </a:r>
-            <a:r>
-              <a:rPr dirty="0" spc="195"/>
+              <a:rPr spc="-390" dirty="0"/>
+              <a:t> </a:t>
+            </a:r>
+            <a:r>
+              <a:rPr spc="195" dirty="0"/>
               <a:t>N</a:t>
             </a:r>
             <a:r>
-              <a:rPr dirty="0" spc="130"/>
+              <a:rPr spc="130" dirty="0"/>
               <a:t>u</a:t>
             </a:r>
             <a:r>
-              <a:rPr dirty="0" spc="135"/>
+              <a:rPr spc="135" dirty="0"/>
               <a:t>n</a:t>
             </a:r>
             <a:r>
-              <a:rPr dirty="0" spc="85"/>
+              <a:rPr spc="85" dirty="0"/>
               <a:t>e</a:t>
             </a:r>
             <a:r>
-              <a:rPr dirty="0" spc="40"/>
+              <a:rPr spc="40" dirty="0"/>
               <a:t>s  </a:t>
             </a:r>
             <a:r>
-              <a:rPr dirty="0" spc="165"/>
+              <a:rPr spc="165" dirty="0"/>
               <a:t>G</a:t>
             </a:r>
             <a:r>
-              <a:rPr dirty="0" spc="15"/>
+              <a:rPr spc="15" dirty="0"/>
               <a:t>a</a:t>
             </a:r>
             <a:r>
-              <a:rPr dirty="0" spc="225"/>
+              <a:rPr spc="225" dirty="0"/>
               <a:t>b</a:t>
             </a:r>
             <a:r>
-              <a:rPr dirty="0" spc="-125"/>
+              <a:rPr spc="-125" dirty="0"/>
               <a:t>r</a:t>
             </a:r>
             <a:r>
-              <a:rPr dirty="0" spc="35"/>
+              <a:rPr spc="35" dirty="0"/>
               <a:t>i</a:t>
             </a:r>
             <a:r>
-              <a:rPr dirty="0" spc="85"/>
+              <a:rPr spc="85" dirty="0"/>
               <a:t>e</a:t>
             </a:r>
             <a:r>
-              <a:rPr dirty="0" spc="70"/>
+              <a:rPr spc="70" dirty="0"/>
               <a:t>l</a:t>
             </a:r>
             <a:r>
-              <a:rPr dirty="0" spc="-390"/>
-              <a:t> </a:t>
-            </a:r>
-            <a:r>
-              <a:rPr dirty="0" spc="114"/>
+              <a:rPr spc="-390" dirty="0"/>
+              <a:t> </a:t>
+            </a:r>
+            <a:r>
+              <a:rPr spc="114" dirty="0"/>
               <a:t>D</a:t>
             </a:r>
             <a:r>
-              <a:rPr dirty="0" spc="90"/>
+              <a:rPr spc="90" dirty="0"/>
               <a:t>e</a:t>
             </a:r>
             <a:r>
-              <a:rPr dirty="0" spc="-390"/>
-              <a:t> </a:t>
-            </a:r>
-            <a:r>
-              <a:rPr dirty="0" spc="150"/>
+              <a:rPr spc="-390" dirty="0"/>
+              <a:t> </a:t>
+            </a:r>
+            <a:r>
+              <a:rPr spc="150" dirty="0"/>
               <a:t>A</a:t>
             </a:r>
             <a:r>
-              <a:rPr dirty="0" spc="70"/>
+              <a:rPr spc="70" dirty="0"/>
               <a:t>l</a:t>
             </a:r>
             <a:r>
-              <a:rPr dirty="0" spc="225"/>
+              <a:rPr spc="225" dirty="0"/>
               <a:t>b</a:t>
             </a:r>
             <a:r>
-              <a:rPr dirty="0" spc="130"/>
+              <a:rPr spc="130" dirty="0"/>
               <a:t>u</a:t>
             </a:r>
             <a:r>
-              <a:rPr dirty="0" spc="240"/>
+              <a:rPr spc="240" dirty="0"/>
               <a:t>q</a:t>
             </a:r>
             <a:r>
-              <a:rPr dirty="0" spc="130"/>
+              <a:rPr spc="130" dirty="0"/>
               <a:t>u</a:t>
             </a:r>
             <a:r>
-              <a:rPr dirty="0" spc="85"/>
+              <a:rPr spc="85" dirty="0"/>
               <a:t>e</a:t>
             </a:r>
             <a:r>
-              <a:rPr dirty="0" spc="-125"/>
+              <a:rPr spc="-125" dirty="0"/>
               <a:t>r</a:t>
             </a:r>
             <a:r>
-              <a:rPr dirty="0" spc="240"/>
+              <a:rPr spc="240" dirty="0"/>
               <a:t>q</a:t>
             </a:r>
             <a:r>
-              <a:rPr dirty="0" spc="130"/>
+              <a:rPr spc="130" dirty="0"/>
               <a:t>u</a:t>
             </a:r>
             <a:r>
-              <a:rPr dirty="0" spc="90"/>
+              <a:rPr spc="90" dirty="0"/>
               <a:t>e</a:t>
             </a:r>
             <a:r>
-              <a:rPr dirty="0" spc="-390"/>
-              <a:t> </a:t>
-            </a:r>
-            <a:r>
-              <a:rPr dirty="0" spc="145"/>
+              <a:rPr spc="-390" dirty="0"/>
+              <a:t> </a:t>
+            </a:r>
+            <a:r>
+              <a:rPr spc="145" dirty="0"/>
               <a:t>B</a:t>
             </a:r>
             <a:r>
-              <a:rPr dirty="0" spc="15"/>
+              <a:rPr spc="15" dirty="0"/>
               <a:t>a</a:t>
             </a:r>
             <a:r>
-              <a:rPr dirty="0" spc="45"/>
+              <a:rPr spc="45" dirty="0"/>
               <a:t>s</a:t>
             </a:r>
             <a:r>
-              <a:rPr dirty="0" spc="35"/>
+              <a:rPr spc="35" dirty="0"/>
               <a:t>i</a:t>
             </a:r>
             <a:r>
-              <a:rPr dirty="0" spc="70"/>
+              <a:rPr spc="70" dirty="0"/>
               <a:t>l</a:t>
             </a:r>
             <a:r>
-              <a:rPr dirty="0" spc="85"/>
+              <a:rPr spc="85" dirty="0"/>
               <a:t>e</a:t>
             </a:r>
             <a:r>
-              <a:rPr dirty="0" spc="135"/>
+              <a:rPr spc="135" dirty="0"/>
               <a:t>u</a:t>
             </a:r>
           </a:p>
@@ -2118,7 +2297,9 @@
           <p:txBody>
             <a:bodyPr wrap="square" lIns="0" tIns="0" rIns="0" bIns="0" rtlCol="0"/>
             <a:lstStyle/>
-            <a:p/>
+            <a:p>
+              <a:endParaRPr/>
+            </a:p>
           </p:txBody>
         </p:sp>
         <p:sp>
@@ -2163,7 +2344,9 @@
           <p:txBody>
             <a:bodyPr wrap="square" lIns="0" tIns="0" rIns="0" bIns="0" rtlCol="0"/>
             <a:lstStyle/>
-            <a:p/>
+            <a:p>
+              <a:endParaRPr/>
+            </a:p>
           </p:txBody>
         </p:sp>
       </p:grpSp>
@@ -2320,7 +2503,9 @@
           <p:txBody>
             <a:bodyPr wrap="square" lIns="0" tIns="0" rIns="0" bIns="0" rtlCol="0"/>
             <a:lstStyle/>
-            <a:p/>
+            <a:p>
+              <a:endParaRPr/>
+            </a:p>
           </p:txBody>
         </p:sp>
         <p:sp>
@@ -2365,7 +2550,9 @@
           <p:txBody>
             <a:bodyPr wrap="square" lIns="0" tIns="0" rIns="0" bIns="0" rtlCol="0"/>
             <a:lstStyle/>
-            <a:p/>
+            <a:p>
+              <a:endParaRPr/>
+            </a:p>
           </p:txBody>
         </p:sp>
         <p:pic>
@@ -2406,10 +2593,12 @@
             <a:off x="151892" y="211965"/>
             <a:ext cx="10787380" cy="985519"/>
           </a:xfrm>
-          <a:prstGeom prst="rect"/>
+          <a:prstGeom prst="rect">
+            <a:avLst/>
+          </a:prstGeom>
         </p:spPr>
         <p:txBody>
-          <a:bodyPr wrap="square" lIns="0" tIns="12700" rIns="0" bIns="0" rtlCol="0" vert="horz">
+          <a:bodyPr vert="horz" wrap="square" lIns="0" tIns="12700" rIns="0" bIns="0" rtlCol="0">
             <a:spAutoFit/>
           </a:bodyPr>
           <a:lstStyle/>
@@ -2423,103 +2612,99 @@
               </a:spcBef>
             </a:pPr>
             <a:r>
-              <a:rPr dirty="0" sz="6300" spc="65"/>
+              <a:rPr sz="6300" spc="65" dirty="0"/>
               <a:t>E</a:t>
             </a:r>
             <a:r>
-              <a:rPr dirty="0" sz="6300" spc="-265"/>
+              <a:rPr sz="6300" spc="-265" dirty="0"/>
               <a:t>x</a:t>
             </a:r>
             <a:r>
-              <a:rPr dirty="0" sz="6300" spc="-40"/>
+              <a:rPr sz="6300" spc="-40" dirty="0"/>
               <a:t>e</a:t>
             </a:r>
             <a:r>
-              <a:rPr dirty="0" sz="6300" spc="-100"/>
+              <a:rPr sz="6300" spc="-100" dirty="0"/>
               <a:t>m</a:t>
             </a:r>
             <a:r>
-              <a:rPr dirty="0" sz="6300" spc="160"/>
+              <a:rPr sz="6300" spc="160" dirty="0"/>
               <a:t>p</a:t>
             </a:r>
             <a:r>
-              <a:rPr dirty="0" sz="6300" spc="-70"/>
+              <a:rPr sz="6300" spc="-70" dirty="0"/>
               <a:t>l</a:t>
             </a:r>
             <a:r>
-              <a:rPr dirty="0" sz="6300" spc="-30"/>
+              <a:rPr sz="6300" spc="-30" dirty="0"/>
               <a:t>o</a:t>
             </a:r>
             <a:r>
-              <a:rPr dirty="0" sz="6300" spc="-675"/>
-              <a:t> </a:t>
-            </a:r>
-            <a:r>
-              <a:rPr dirty="0" sz="6300" spc="165"/>
+              <a:rPr sz="6300" spc="-675" dirty="0"/>
+              <a:t> </a:t>
+            </a:r>
+            <a:r>
+              <a:rPr sz="6300" spc="165" dirty="0"/>
               <a:t>d</a:t>
             </a:r>
             <a:r>
-              <a:rPr dirty="0" sz="6300" spc="-40"/>
+              <a:rPr sz="6300" spc="-40" dirty="0"/>
               <a:t>e</a:t>
             </a:r>
             <a:r>
-              <a:rPr dirty="0" sz="6300" spc="-675"/>
-              <a:t> </a:t>
-            </a:r>
-            <a:r>
-              <a:rPr dirty="0" sz="6300" spc="-80"/>
+              <a:rPr sz="6300" spc="-675" dirty="0"/>
+              <a:t> </a:t>
+            </a:r>
+            <a:r>
+              <a:rPr sz="6300" spc="-80" dirty="0"/>
               <a:t>u</a:t>
             </a:r>
             <a:r>
-              <a:rPr dirty="0" sz="6300" spc="-25"/>
+              <a:rPr sz="6300" spc="-25" dirty="0"/>
               <a:t>s</a:t>
             </a:r>
             <a:r>
-              <a:rPr dirty="0" sz="6300" spc="-30"/>
+              <a:rPr sz="6300" spc="-30" dirty="0"/>
               <a:t>o</a:t>
             </a:r>
             <a:r>
-              <a:rPr dirty="0" sz="6300" spc="-675"/>
-              <a:t> </a:t>
-            </a:r>
-            <a:r>
-              <a:rPr dirty="0" sz="6300" spc="285"/>
+              <a:rPr sz="6300" spc="-675" dirty="0"/>
+              <a:t> </a:t>
+            </a:r>
+            <a:r>
+              <a:rPr sz="6300" spc="285" dirty="0"/>
               <a:t>c</a:t>
             </a:r>
             <a:r>
-              <a:rPr dirty="0" sz="6300" spc="-70"/>
+              <a:rPr sz="6300" spc="-70" dirty="0"/>
               <a:t>l</a:t>
             </a:r>
             <a:r>
-              <a:rPr dirty="0" sz="6300" spc="-165"/>
+              <a:rPr sz="6300" spc="-165" dirty="0"/>
               <a:t>a</a:t>
             </a:r>
             <a:r>
-              <a:rPr dirty="0" sz="6300" spc="-25"/>
+              <a:rPr sz="6300" spc="-25" dirty="0"/>
               <a:t>ss</a:t>
             </a:r>
             <a:r>
-              <a:rPr dirty="0" sz="6300" spc="-40"/>
+              <a:rPr sz="6300" spc="-40" dirty="0"/>
               <a:t>e</a:t>
             </a:r>
             <a:r>
-              <a:rPr dirty="0" sz="6300" spc="-675"/>
-              <a:t> </a:t>
-            </a:r>
-            <a:r>
-              <a:rPr dirty="0" sz="6300" spc="100"/>
+              <a:rPr sz="6300" spc="-675" dirty="0"/>
+              <a:t> </a:t>
+            </a:r>
+            <a:r>
+              <a:rPr sz="6300" spc="100" dirty="0"/>
               <a:t>M</a:t>
             </a:r>
             <a:r>
-              <a:rPr dirty="0" sz="6300" spc="-165"/>
-              <a:t>a</a:t>
-            </a:r>
-            <a:r>
-              <a:rPr dirty="0" sz="6300" spc="-165"/>
-              <a:t>i</a:t>
-            </a:r>
-            <a:r>
-              <a:rPr dirty="0" sz="6300" spc="-60"/>
+              <a:rPr sz="6300" spc="-165" dirty="0"/>
+              <a:t>ai</a:t>
+            </a:r>
+            <a:r>
+              <a:rPr sz="6300" spc="-60" dirty="0"/>
               <a:t>n</a:t>
             </a:r>
             <a:endParaRPr sz="6300"/>
@@ -2679,7 +2864,9 @@
           <p:txBody>
             <a:bodyPr wrap="square" lIns="0" tIns="0" rIns="0" bIns="0" rtlCol="0"/>
             <a:lstStyle/>
-            <a:p/>
+            <a:p>
+              <a:endParaRPr/>
+            </a:p>
           </p:txBody>
         </p:sp>
         <p:sp>
@@ -2724,7 +2911,9 @@
           <p:txBody>
             <a:bodyPr wrap="square" lIns="0" tIns="0" rIns="0" bIns="0" rtlCol="0"/>
             <a:lstStyle/>
-            <a:p/>
+            <a:p>
+              <a:endParaRPr/>
+            </a:p>
           </p:txBody>
         </p:sp>
         <p:pic>
@@ -2765,10 +2954,12 @@
             <a:off x="151892" y="211960"/>
             <a:ext cx="6932295" cy="985519"/>
           </a:xfrm>
-          <a:prstGeom prst="rect"/>
+          <a:prstGeom prst="rect">
+            <a:avLst/>
+          </a:prstGeom>
         </p:spPr>
         <p:txBody>
-          <a:bodyPr wrap="square" lIns="0" tIns="12700" rIns="0" bIns="0" rtlCol="0" vert="horz">
+          <a:bodyPr vert="horz" wrap="square" lIns="0" tIns="12700" rIns="0" bIns="0" rtlCol="0">
             <a:spAutoFit/>
           </a:bodyPr>
           <a:lstStyle/>
@@ -2782,71 +2973,67 @@
               </a:spcBef>
             </a:pPr>
             <a:r>
-              <a:rPr dirty="0" sz="6300" spc="-110"/>
+              <a:rPr sz="6300" spc="-110" dirty="0"/>
               <a:t>S</a:t>
             </a:r>
             <a:r>
-              <a:rPr dirty="0" sz="6300" spc="-165"/>
+              <a:rPr sz="6300" spc="-165" dirty="0"/>
+              <a:t>aí</a:t>
+            </a:r>
+            <a:r>
+              <a:rPr sz="6300" spc="165" dirty="0"/>
+              <a:t>d</a:t>
+            </a:r>
+            <a:r>
+              <a:rPr sz="6300" spc="-165" dirty="0"/>
               <a:t>a</a:t>
             </a:r>
             <a:r>
-              <a:rPr dirty="0" sz="6300" spc="-165"/>
-              <a:t>í</a:t>
-            </a:r>
-            <a:r>
-              <a:rPr dirty="0" sz="6300" spc="165"/>
-              <a:t>d</a:t>
-            </a:r>
-            <a:r>
-              <a:rPr dirty="0" sz="6300" spc="-165"/>
+              <a:rPr sz="6300" spc="-675" dirty="0"/>
+              <a:t> </a:t>
+            </a:r>
+            <a:r>
+              <a:rPr sz="6300" spc="-60" dirty="0"/>
+              <a:t>n</a:t>
+            </a:r>
+            <a:r>
+              <a:rPr sz="6300" spc="-30" dirty="0"/>
+              <a:t>o</a:t>
+            </a:r>
+            <a:r>
+              <a:rPr sz="6300" spc="-675" dirty="0"/>
+              <a:t> </a:t>
+            </a:r>
+            <a:r>
+              <a:rPr sz="6300" spc="90" dirty="0"/>
+              <a:t>T</a:t>
+            </a:r>
+            <a:r>
+              <a:rPr sz="6300" spc="-40" dirty="0"/>
+              <a:t>e</a:t>
+            </a:r>
+            <a:r>
+              <a:rPr sz="6300" spc="-225" dirty="0"/>
+              <a:t>r</a:t>
+            </a:r>
+            <a:r>
+              <a:rPr sz="6300" spc="-100" dirty="0"/>
+              <a:t>m</a:t>
+            </a:r>
+            <a:r>
+              <a:rPr sz="6300" spc="-165" dirty="0"/>
+              <a:t>i</a:t>
+            </a:r>
+            <a:r>
+              <a:rPr sz="6300" spc="-60" dirty="0"/>
+              <a:t>n</a:t>
+            </a:r>
+            <a:r>
+              <a:rPr sz="6300" spc="-165" dirty="0"/>
               <a:t>a</a:t>
             </a:r>
             <a:r>
-              <a:rPr dirty="0" sz="6300" spc="-675"/>
-              <a:t> </a:t>
-            </a:r>
-            <a:r>
-              <a:rPr dirty="0" sz="6300" spc="-60"/>
-              <a:t>n</a:t>
-            </a:r>
-            <a:r>
-              <a:rPr dirty="0" sz="6300" spc="-30"/>
-              <a:t>o</a:t>
-            </a:r>
-            <a:r>
-              <a:rPr dirty="0" sz="6300" spc="-675"/>
-              <a:t> </a:t>
-            </a:r>
-            <a:r>
-              <a:rPr dirty="0" sz="6300" spc="90"/>
-              <a:t>T</a:t>
-            </a:r>
-            <a:r>
-              <a:rPr dirty="0" sz="6300" spc="-40"/>
-              <a:t>e</a:t>
-            </a:r>
-            <a:r>
-              <a:rPr dirty="0" sz="6300" spc="-225"/>
-              <a:t>r</a:t>
-            </a:r>
-            <a:r>
-              <a:rPr dirty="0" sz="6300" spc="-100"/>
-              <a:t>m</a:t>
-            </a:r>
-            <a:r>
-              <a:rPr dirty="0" sz="6300" spc="-165"/>
-              <a:t>i</a:t>
-            </a:r>
-            <a:r>
-              <a:rPr dirty="0" sz="6300" spc="-60"/>
-              <a:t>n</a:t>
-            </a:r>
-            <a:r>
-              <a:rPr dirty="0" sz="6300" spc="-165"/>
-              <a:t>a</a:t>
-            </a:r>
-            <a:r>
-              <a:rPr dirty="0" sz="6300" spc="-70"/>
+              <a:rPr sz="6300" spc="-70" dirty="0"/>
               <a:t>l</a:t>
             </a:r>
             <a:endParaRPr sz="6300"/>
@@ -2923,7 +3110,9 @@
         <p:txBody>
           <a:bodyPr wrap="square" lIns="0" tIns="0" rIns="0" bIns="0" rtlCol="0"/>
           <a:lstStyle/>
-          <a:p/>
+          <a:p>
+            <a:endParaRPr/>
+          </a:p>
         </p:txBody>
       </p:sp>
       <p:pic>
@@ -3008,7 +3197,7 @@
           </a:prstGeom>
         </p:spPr>
         <p:txBody>
-          <a:bodyPr wrap="square" lIns="0" tIns="12700" rIns="0" bIns="0" rtlCol="0" vert="horz">
+          <a:bodyPr vert="horz" wrap="square" lIns="0" tIns="12700" rIns="0" bIns="0" rtlCol="0">
             <a:spAutoFit/>
           </a:bodyPr>
           <a:lstStyle/>
@@ -3022,7 +3211,7 @@
               </a:spcBef>
             </a:pPr>
             <a:r>
-              <a:rPr dirty="0" sz="3500" spc="95">
+              <a:rPr sz="3500" spc="95" dirty="0">
                 <a:solidFill>
                   <a:srgbClr val="EFEFEF"/>
                 </a:solidFill>
@@ -3032,7 +3221,7 @@
               <a:t>Design </a:t>
             </a:r>
             <a:r>
-              <a:rPr dirty="0" sz="3500" spc="-40">
+              <a:rPr sz="3500" spc="-40" dirty="0">
                 <a:solidFill>
                   <a:srgbClr val="EFEFEF"/>
                 </a:solidFill>
@@ -3042,7 +3231,7 @@
               <a:t>Patterns: </a:t>
             </a:r>
             <a:r>
-              <a:rPr dirty="0" sz="3500" spc="50">
+              <a:rPr sz="3500" spc="50" dirty="0">
                 <a:solidFill>
                   <a:srgbClr val="EFEFEF"/>
                 </a:solidFill>
@@ -3052,7 +3241,7 @@
               <a:t>Elements </a:t>
             </a:r>
             <a:r>
-              <a:rPr dirty="0" sz="3500" spc="20">
+              <a:rPr sz="3500" spc="20" dirty="0">
                 <a:solidFill>
                   <a:srgbClr val="EFEFEF"/>
                 </a:solidFill>
@@ -3062,7 +3251,7 @@
               <a:t>of </a:t>
             </a:r>
             <a:r>
-              <a:rPr dirty="0" sz="3500" spc="70">
+              <a:rPr sz="3500" spc="70" dirty="0">
                 <a:solidFill>
                   <a:srgbClr val="EFEFEF"/>
                 </a:solidFill>
@@ -3072,7 +3261,7 @@
               <a:t>Reusable </a:t>
             </a:r>
             <a:r>
-              <a:rPr dirty="0" sz="3500" spc="30">
+              <a:rPr sz="3500" spc="30" dirty="0">
                 <a:solidFill>
                   <a:srgbClr val="EFEFEF"/>
                 </a:solidFill>
@@ -3082,7 +3271,7 @@
               <a:t>Object-Oriented </a:t>
             </a:r>
             <a:r>
-              <a:rPr dirty="0" sz="3500" spc="20">
+              <a:rPr sz="3500" spc="20" dirty="0">
                 <a:solidFill>
                   <a:srgbClr val="EFEFEF"/>
                 </a:solidFill>
@@ -3092,17 +3281,17 @@
               <a:t>Software </a:t>
             </a:r>
             <a:r>
-              <a:rPr dirty="0" sz="3500" spc="25">
-                <a:solidFill>
-                  <a:srgbClr val="EFEFEF"/>
-                </a:solidFill>
-                <a:latin typeface="Tahoma"/>
-                <a:cs typeface="Tahoma"/>
-              </a:rPr>
-              <a:t> </a:t>
-            </a:r>
-            <a:r>
-              <a:rPr dirty="0" sz="3500" spc="-5">
+              <a:rPr sz="3500" spc="25" dirty="0">
+                <a:solidFill>
+                  <a:srgbClr val="EFEFEF"/>
+                </a:solidFill>
+                <a:latin typeface="Tahoma"/>
+                <a:cs typeface="Tahoma"/>
+              </a:rPr>
+              <a:t> </a:t>
+            </a:r>
+            <a:r>
+              <a:rPr sz="3500" spc="-5" dirty="0">
                 <a:solidFill>
                   <a:srgbClr val="EFEFEF"/>
                 </a:solidFill>
@@ -3113,17 +3302,17 @@
               <a:t>https://www.devmedia.com.br/padrao-de-projeto-observer-em-java/26163 </a:t>
             </a:r>
             <a:r>
-              <a:rPr dirty="0" sz="3500" spc="-1080">
-                <a:solidFill>
-                  <a:srgbClr val="EFEFEF"/>
-                </a:solidFill>
-                <a:latin typeface="Tahoma"/>
-                <a:cs typeface="Tahoma"/>
-              </a:rPr>
-              <a:t> </a:t>
-            </a:r>
-            <a:r>
-              <a:rPr dirty="0" sz="3500" spc="-10">
+              <a:rPr sz="3500" spc="-1080" dirty="0">
+                <a:solidFill>
+                  <a:srgbClr val="EFEFEF"/>
+                </a:solidFill>
+                <a:latin typeface="Tahoma"/>
+                <a:cs typeface="Tahoma"/>
+              </a:rPr>
+              <a:t> </a:t>
+            </a:r>
+            <a:r>
+              <a:rPr sz="3500" spc="-10" dirty="0">
                 <a:solidFill>
                   <a:srgbClr val="EFEFEF"/>
                 </a:solidFill>
@@ -3253,7 +3442,9 @@
         <p:txBody>
           <a:bodyPr wrap="square" lIns="0" tIns="0" rIns="0" bIns="0" rtlCol="0"/>
           <a:lstStyle/>
-          <a:p/>
+          <a:p>
+            <a:endParaRPr/>
+          </a:p>
         </p:txBody>
       </p:sp>
       <p:sp>
@@ -3298,7 +3489,9 @@
         <p:txBody>
           <a:bodyPr wrap="square" lIns="0" tIns="0" rIns="0" bIns="0" rtlCol="0"/>
           <a:lstStyle/>
-          <a:p/>
+          <a:p>
+            <a:endParaRPr/>
+          </a:p>
         </p:txBody>
       </p:sp>
       <p:pic>
@@ -3338,10 +3531,12 @@
             <a:off x="1016000" y="377923"/>
             <a:ext cx="8576945" cy="1854200"/>
           </a:xfrm>
-          <a:prstGeom prst="rect"/>
+          <a:prstGeom prst="rect">
+            <a:avLst/>
+          </a:prstGeom>
         </p:spPr>
         <p:txBody>
-          <a:bodyPr wrap="square" lIns="0" tIns="12700" rIns="0" bIns="0" rtlCol="0" vert="horz">
+          <a:bodyPr vert="horz" wrap="square" lIns="0" tIns="12700" rIns="0" bIns="0" rtlCol="0">
             <a:spAutoFit/>
           </a:bodyPr>
           <a:lstStyle/>
@@ -3355,52 +3550,48 @@
               </a:spcBef>
             </a:pPr>
             <a:r>
-              <a:rPr dirty="0" spc="-220"/>
+              <a:rPr spc="-220" dirty="0"/>
               <a:t>B</a:t>
             </a:r>
             <a:r>
-              <a:rPr dirty="0" spc="-310"/>
+              <a:rPr spc="-310" dirty="0"/>
               <a:t>i</a:t>
             </a:r>
             <a:r>
-              <a:rPr dirty="0" spc="275"/>
+              <a:rPr spc="275" dirty="0"/>
               <a:t>b</a:t>
             </a:r>
             <a:r>
-              <a:rPr dirty="0" spc="-130"/>
+              <a:rPr spc="-130" dirty="0"/>
               <a:t>l</a:t>
             </a:r>
             <a:r>
-              <a:rPr dirty="0" spc="-310"/>
+              <a:rPr spc="-310" dirty="0"/>
               <a:t>i</a:t>
             </a:r>
             <a:r>
-              <a:rPr dirty="0" spc="-55"/>
+              <a:rPr spc="-55" dirty="0"/>
               <a:t>o</a:t>
             </a:r>
             <a:r>
-              <a:rPr dirty="0" spc="315"/>
+              <a:rPr spc="315" dirty="0"/>
               <a:t>g</a:t>
             </a:r>
             <a:r>
-              <a:rPr dirty="0" spc="-430"/>
+              <a:rPr spc="-430" dirty="0"/>
               <a:t>r</a:t>
             </a:r>
             <a:r>
-              <a:rPr dirty="0" spc="-310"/>
+              <a:rPr spc="-310" dirty="0"/>
               <a:t>a</a:t>
             </a:r>
             <a:r>
-              <a:rPr dirty="0" spc="-320"/>
+              <a:rPr spc="-320" dirty="0"/>
               <a:t>f</a:t>
             </a:r>
             <a:r>
-              <a:rPr dirty="0" spc="-310"/>
-              <a:t>i</a:t>
-            </a:r>
-            <a:r>
-              <a:rPr dirty="0" spc="-310"/>
-              <a:t>a</a:t>
+              <a:rPr spc="-310" dirty="0"/>
+              <a:t>ia</a:t>
             </a:r>
           </a:p>
         </p:txBody>
@@ -3413,15 +3604,15 @@
         </p:nvSpPr>
         <p:spPr>
           <a:xfrm>
-            <a:off x="6796563" y="6033562"/>
-            <a:ext cx="10454640" cy="1868170"/>
+            <a:off x="6796563" y="6229560"/>
+            <a:ext cx="10454640" cy="2068830"/>
           </a:xfrm>
           <a:prstGeom prst="rect">
             <a:avLst/>
           </a:prstGeom>
         </p:spPr>
         <p:txBody>
-          <a:bodyPr wrap="square" lIns="0" tIns="334645" rIns="0" bIns="0" rtlCol="0" vert="horz">
+          <a:bodyPr vert="horz" wrap="square" lIns="0" tIns="138430" rIns="0" bIns="0" rtlCol="0">
             <a:spAutoFit/>
           </a:bodyPr>
           <a:lstStyle/>
@@ -3431,41 +3622,67 @@
                 <a:spcPct val="100000"/>
               </a:lnSpc>
               <a:spcBef>
-                <a:spcPts val="2635"/>
+                <a:spcPts val="1090"/>
               </a:spcBef>
             </a:pPr>
             <a:r>
-              <a:rPr dirty="0" sz="5000" spc="-130" b="1">
+              <a:rPr sz="5000" b="1" spc="-120" dirty="0">
                 <a:solidFill>
                   <a:srgbClr val="3775FF"/>
                 </a:solidFill>
                 <a:latin typeface="Tahoma"/>
                 <a:cs typeface="Tahoma"/>
               </a:rPr>
-              <a:t>Repositório:</a:t>
-            </a:r>
-            <a:endParaRPr sz="5000">
+              <a:t>Repositórios:</a:t>
+            </a:r>
+            <a:endParaRPr sz="5000" dirty="0">
               <a:latin typeface="Tahoma"/>
               <a:cs typeface="Tahoma"/>
             </a:endParaRPr>
           </a:p>
           <a:p>
-            <a:pPr marL="12700">
+            <a:pPr marL="12700" marR="5080">
               <a:lnSpc>
                 <a:spcPct val="100000"/>
               </a:lnSpc>
               <a:spcBef>
-                <a:spcPts val="1775"/>
+                <a:spcPts val="695"/>
               </a:spcBef>
             </a:pPr>
             <a:r>
-              <a:rPr dirty="0" sz="3500" spc="-125" b="1">
-                <a:latin typeface="Tahoma"/>
-                <a:cs typeface="Tahoma"/>
-              </a:rPr>
-              <a:t>https://github.com/GabrielAL4/observer-pattern</a:t>
-            </a:r>
-            <a:endParaRPr sz="3500">
+              <a:rPr lang="en-US" sz="3500" b="1" spc="-125" dirty="0">
+                <a:solidFill>
+                  <a:schemeClr val="bg1"/>
+                </a:solidFill>
+                <a:latin typeface="Tahoma"/>
+                <a:cs typeface="Tahoma"/>
+              </a:rPr>
+              <a:t>https://github.com/GabrielAL4/observer-pattern </a:t>
+            </a:r>
+            <a:r>
+              <a:rPr lang="en-US" sz="3500" b="1" spc="-1015" dirty="0">
+                <a:solidFill>
+                  <a:schemeClr val="bg1"/>
+                </a:solidFill>
+                <a:latin typeface="Tahoma"/>
+                <a:cs typeface="Tahoma"/>
+              </a:rPr>
+              <a:t> </a:t>
+            </a:r>
+            <a:r>
+              <a:rPr lang="en-US" sz="3500" b="1" spc="-125" dirty="0">
+                <a:solidFill>
+                  <a:schemeClr val="bg1"/>
+                </a:solidFill>
+                <a:latin typeface="Tahoma"/>
+                <a:cs typeface="Tahoma"/>
+              </a:rPr>
+              <a:t>https://github.com/Tue20022/observer-pattern</a:t>
+            </a:r>
+            <a:endParaRPr lang="en-US" sz="3500" dirty="0">
+              <a:solidFill>
+                <a:schemeClr val="bg1"/>
+              </a:solidFill>
               <a:latin typeface="Tahoma"/>
               <a:cs typeface="Tahoma"/>
             </a:endParaRPr>
@@ -3513,7 +3730,7 @@
           </a:prstGeom>
         </p:spPr>
         <p:txBody>
-          <a:bodyPr wrap="square" lIns="0" tIns="12065" rIns="0" bIns="0" rtlCol="0" vert="horz">
+          <a:bodyPr vert="horz" wrap="square" lIns="0" tIns="12065" rIns="0" bIns="0" rtlCol="0">
             <a:spAutoFit/>
           </a:bodyPr>
           <a:lstStyle/>
@@ -3527,7 +3744,7 @@
               </a:spcBef>
             </a:pPr>
             <a:r>
-              <a:rPr dirty="0" sz="3500" spc="90">
+              <a:rPr sz="3500" spc="90" dirty="0">
                 <a:solidFill>
                   <a:srgbClr val="EFEFEF"/>
                 </a:solidFill>
@@ -3537,17 +3754,17 @@
               <a:t>É</a:t>
             </a:r>
             <a:r>
-              <a:rPr dirty="0" sz="3500" spc="-340">
-                <a:solidFill>
-                  <a:srgbClr val="EFEFEF"/>
-                </a:solidFill>
-                <a:latin typeface="Tahoma"/>
-                <a:cs typeface="Tahoma"/>
-              </a:rPr>
-              <a:t> </a:t>
-            </a:r>
-            <a:r>
-              <a:rPr dirty="0" sz="3500" spc="114">
+              <a:rPr sz="3500" spc="-340" dirty="0">
+                <a:solidFill>
+                  <a:srgbClr val="EFEFEF"/>
+                </a:solidFill>
+                <a:latin typeface="Tahoma"/>
+                <a:cs typeface="Tahoma"/>
+              </a:rPr>
+              <a:t> </a:t>
+            </a:r>
+            <a:r>
+              <a:rPr sz="3500" spc="114" dirty="0">
                 <a:solidFill>
                   <a:srgbClr val="EFEFEF"/>
                 </a:solidFill>
@@ -3557,7 +3774,7 @@
               <a:t>u</a:t>
             </a:r>
             <a:r>
-              <a:rPr dirty="0" sz="3500" spc="50">
+              <a:rPr sz="3500" spc="50" dirty="0">
                 <a:solidFill>
                   <a:srgbClr val="EFEFEF"/>
                 </a:solidFill>
@@ -3567,17 +3784,17 @@
               <a:t>m</a:t>
             </a:r>
             <a:r>
-              <a:rPr dirty="0" sz="3500" spc="-340">
-                <a:solidFill>
-                  <a:srgbClr val="EFEFEF"/>
-                </a:solidFill>
-                <a:latin typeface="Tahoma"/>
-                <a:cs typeface="Tahoma"/>
-              </a:rPr>
-              <a:t> </a:t>
-            </a:r>
-            <a:r>
-              <a:rPr dirty="0" sz="3500" spc="195">
+              <a:rPr sz="3500" spc="-340" dirty="0">
+                <a:solidFill>
+                  <a:srgbClr val="EFEFEF"/>
+                </a:solidFill>
+                <a:latin typeface="Tahoma"/>
+                <a:cs typeface="Tahoma"/>
+              </a:rPr>
+              <a:t> </a:t>
+            </a:r>
+            <a:r>
+              <a:rPr sz="3500" spc="195" dirty="0">
                 <a:solidFill>
                   <a:srgbClr val="EFEFEF"/>
                 </a:solidFill>
@@ -3587,7 +3804,7 @@
               <a:t>p</a:t>
             </a:r>
             <a:r>
-              <a:rPr dirty="0" sz="3500" spc="15">
+              <a:rPr sz="3500" spc="15" dirty="0">
                 <a:solidFill>
                   <a:srgbClr val="EFEFEF"/>
                 </a:solidFill>
@@ -3597,7 +3814,7 @@
               <a:t>a</a:t>
             </a:r>
             <a:r>
-              <a:rPr dirty="0" sz="3500" spc="210">
+              <a:rPr sz="3500" spc="210" dirty="0">
                 <a:solidFill>
                   <a:srgbClr val="EFEFEF"/>
                 </a:solidFill>
@@ -3607,7 +3824,7 @@
               <a:t>d</a:t>
             </a:r>
             <a:r>
-              <a:rPr dirty="0" sz="3500" spc="-114">
+              <a:rPr sz="3500" spc="-114" dirty="0">
                 <a:solidFill>
                   <a:srgbClr val="EFEFEF"/>
                 </a:solidFill>
@@ -3617,7 +3834,7 @@
               <a:t>r</a:t>
             </a:r>
             <a:r>
-              <a:rPr dirty="0" sz="3500" spc="15">
+              <a:rPr sz="3500" spc="15" dirty="0">
                 <a:solidFill>
                   <a:srgbClr val="EFEFEF"/>
                 </a:solidFill>
@@ -3627,7 +3844,7 @@
               <a:t>ã</a:t>
             </a:r>
             <a:r>
-              <a:rPr dirty="0" sz="3500" spc="150">
+              <a:rPr sz="3500" spc="150" dirty="0">
                 <a:solidFill>
                   <a:srgbClr val="EFEFEF"/>
                 </a:solidFill>
@@ -3637,17 +3854,17 @@
               <a:t>o</a:t>
             </a:r>
             <a:r>
-              <a:rPr dirty="0" sz="3500" spc="-340">
-                <a:solidFill>
-                  <a:srgbClr val="EFEFEF"/>
-                </a:solidFill>
-                <a:latin typeface="Tahoma"/>
-                <a:cs typeface="Tahoma"/>
-              </a:rPr>
-              <a:t> </a:t>
-            </a:r>
-            <a:r>
-              <a:rPr dirty="0" sz="3500" spc="210">
+              <a:rPr sz="3500" spc="-340" dirty="0">
+                <a:solidFill>
+                  <a:srgbClr val="EFEFEF"/>
+                </a:solidFill>
+                <a:latin typeface="Tahoma"/>
+                <a:cs typeface="Tahoma"/>
+              </a:rPr>
+              <a:t> </a:t>
+            </a:r>
+            <a:r>
+              <a:rPr sz="3500" spc="210" dirty="0">
                 <a:solidFill>
                   <a:srgbClr val="EFEFEF"/>
                 </a:solidFill>
@@ -3657,7 +3874,7 @@
               <a:t>q</a:t>
             </a:r>
             <a:r>
-              <a:rPr dirty="0" sz="3500" spc="114">
+              <a:rPr sz="3500" spc="114" dirty="0">
                 <a:solidFill>
                   <a:srgbClr val="EFEFEF"/>
                 </a:solidFill>
@@ -3667,7 +3884,7 @@
               <a:t>u</a:t>
             </a:r>
             <a:r>
-              <a:rPr dirty="0" sz="3500" spc="75">
+              <a:rPr sz="3500" spc="75" dirty="0">
                 <a:solidFill>
                   <a:srgbClr val="EFEFEF"/>
                 </a:solidFill>
@@ -3677,17 +3894,17 @@
               <a:t>e</a:t>
             </a:r>
             <a:r>
-              <a:rPr dirty="0" sz="3500" spc="-340">
-                <a:solidFill>
-                  <a:srgbClr val="EFEFEF"/>
-                </a:solidFill>
-                <a:latin typeface="Tahoma"/>
-                <a:cs typeface="Tahoma"/>
-              </a:rPr>
-              <a:t> </a:t>
-            </a:r>
-            <a:r>
-              <a:rPr dirty="0" sz="3500" spc="210">
+              <a:rPr sz="3500" spc="-340" dirty="0">
+                <a:solidFill>
+                  <a:srgbClr val="EFEFEF"/>
+                </a:solidFill>
+                <a:latin typeface="Tahoma"/>
+                <a:cs typeface="Tahoma"/>
+              </a:rPr>
+              <a:t> </a:t>
+            </a:r>
+            <a:r>
+              <a:rPr sz="3500" spc="210" dirty="0">
                 <a:solidFill>
                   <a:srgbClr val="EFEFEF"/>
                 </a:solidFill>
@@ -3697,7 +3914,7 @@
               <a:t>d</a:t>
             </a:r>
             <a:r>
-              <a:rPr dirty="0" sz="3500" spc="70">
+              <a:rPr sz="3500" spc="70" dirty="0">
                 <a:solidFill>
                   <a:srgbClr val="EFEFEF"/>
                 </a:solidFill>
@@ -3707,7 +3924,7 @@
               <a:t>e</a:t>
             </a:r>
             <a:r>
-              <a:rPr dirty="0" sz="3500" spc="-105">
+              <a:rPr sz="3500" spc="-105" dirty="0">
                 <a:solidFill>
                   <a:srgbClr val="EFEFEF"/>
                 </a:solidFill>
@@ -3717,7 +3934,7 @@
               <a:t>f</a:t>
             </a:r>
             <a:r>
-              <a:rPr dirty="0" sz="3500" spc="25">
+              <a:rPr sz="3500" spc="25" dirty="0">
                 <a:solidFill>
                   <a:srgbClr val="EFEFEF"/>
                 </a:solidFill>
@@ -3727,7 +3944,7 @@
               <a:t>i</a:t>
             </a:r>
             <a:r>
-              <a:rPr dirty="0" sz="3500" spc="114">
+              <a:rPr sz="3500" spc="114" dirty="0">
                 <a:solidFill>
                   <a:srgbClr val="EFEFEF"/>
                 </a:solidFill>
@@ -3737,7 +3954,7 @@
               <a:t>n</a:t>
             </a:r>
             <a:r>
-              <a:rPr dirty="0" sz="3500" spc="75">
+              <a:rPr sz="3500" spc="75" dirty="0">
                 <a:solidFill>
                   <a:srgbClr val="EFEFEF"/>
                 </a:solidFill>
@@ -3747,17 +3964,17 @@
               <a:t>e</a:t>
             </a:r>
             <a:r>
-              <a:rPr dirty="0" sz="3500" spc="-340">
-                <a:solidFill>
-                  <a:srgbClr val="EFEFEF"/>
-                </a:solidFill>
-                <a:latin typeface="Tahoma"/>
-                <a:cs typeface="Tahoma"/>
-              </a:rPr>
-              <a:t> </a:t>
-            </a:r>
-            <a:r>
-              <a:rPr dirty="0" sz="3500" spc="114">
+              <a:rPr sz="3500" spc="-340" dirty="0">
+                <a:solidFill>
+                  <a:srgbClr val="EFEFEF"/>
+                </a:solidFill>
+                <a:latin typeface="Tahoma"/>
+                <a:cs typeface="Tahoma"/>
+              </a:rPr>
+              <a:t> </a:t>
+            </a:r>
+            <a:r>
+              <a:rPr sz="3500" spc="114" dirty="0">
                 <a:solidFill>
                   <a:srgbClr val="EFEFEF"/>
                 </a:solidFill>
@@ -3767,7 +3984,7 @@
               <a:t>u</a:t>
             </a:r>
             <a:r>
-              <a:rPr dirty="0" sz="3500" spc="45">
+              <a:rPr sz="3500" spc="45" dirty="0">
                 <a:solidFill>
                   <a:srgbClr val="EFEFEF"/>
                 </a:solidFill>
@@ -3777,7 +3994,7 @@
               <a:t>m</a:t>
             </a:r>
             <a:r>
-              <a:rPr dirty="0" sz="3500" spc="20">
+              <a:rPr sz="3500" spc="20" dirty="0">
                 <a:solidFill>
                   <a:srgbClr val="EFEFEF"/>
                 </a:solidFill>
@@ -3787,17 +4004,17 @@
               <a:t>a</a:t>
             </a:r>
             <a:r>
-              <a:rPr dirty="0" sz="3500" spc="-340">
-                <a:solidFill>
-                  <a:srgbClr val="EFEFEF"/>
-                </a:solidFill>
-                <a:latin typeface="Tahoma"/>
-                <a:cs typeface="Tahoma"/>
-              </a:rPr>
-              <a:t> </a:t>
-            </a:r>
-            <a:r>
-              <a:rPr dirty="0" sz="3500" spc="229">
+              <a:rPr sz="3500" spc="-340" dirty="0">
+                <a:solidFill>
+                  <a:srgbClr val="EFEFEF"/>
+                </a:solidFill>
+                <a:latin typeface="Tahoma"/>
+                <a:cs typeface="Tahoma"/>
+              </a:rPr>
+              <a:t> </a:t>
+            </a:r>
+            <a:r>
+              <a:rPr sz="3500" spc="229" dirty="0">
                 <a:solidFill>
                   <a:srgbClr val="EFEFEF"/>
                 </a:solidFill>
@@ -3807,7 +4024,7 @@
               <a:t>c</a:t>
             </a:r>
             <a:r>
-              <a:rPr dirty="0" sz="3500" spc="15">
+              <a:rPr sz="3500" spc="15" dirty="0">
                 <a:solidFill>
                   <a:srgbClr val="EFEFEF"/>
                 </a:solidFill>
@@ -3817,7 +4034,7 @@
               <a:t>a</a:t>
             </a:r>
             <a:r>
-              <a:rPr dirty="0" sz="3500" spc="210">
+              <a:rPr sz="3500" spc="210" dirty="0">
                 <a:solidFill>
                   <a:srgbClr val="EFEFEF"/>
                 </a:solidFill>
@@ -3827,7 +4044,7 @@
               <a:t>d</a:t>
             </a:r>
             <a:r>
-              <a:rPr dirty="0" sz="3500" spc="70">
+              <a:rPr sz="3500" spc="70" dirty="0">
                 <a:solidFill>
                   <a:srgbClr val="EFEFEF"/>
                 </a:solidFill>
@@ -3837,7 +4054,7 @@
               <a:t>e</a:t>
             </a:r>
             <a:r>
-              <a:rPr dirty="0" sz="3500" spc="25">
+              <a:rPr sz="3500" spc="25" dirty="0">
                 <a:solidFill>
                   <a:srgbClr val="EFEFEF"/>
                 </a:solidFill>
@@ -3847,7 +4064,7 @@
               <a:t>i</a:t>
             </a:r>
             <a:r>
-              <a:rPr dirty="0" sz="3500" spc="20">
+              <a:rPr sz="3500" spc="20" dirty="0">
                 <a:solidFill>
                   <a:srgbClr val="EFEFEF"/>
                 </a:solidFill>
@@ -3857,17 +4074,17 @@
               <a:t>a</a:t>
             </a:r>
             <a:r>
-              <a:rPr dirty="0" sz="3500" spc="-340">
-                <a:solidFill>
-                  <a:srgbClr val="EFEFEF"/>
-                </a:solidFill>
-                <a:latin typeface="Tahoma"/>
-                <a:cs typeface="Tahoma"/>
-              </a:rPr>
-              <a:t> </a:t>
-            </a:r>
-            <a:r>
-              <a:rPr dirty="0" sz="3500" spc="210">
+              <a:rPr sz="3500" spc="-340" dirty="0">
+                <a:solidFill>
+                  <a:srgbClr val="EFEFEF"/>
+                </a:solidFill>
+                <a:latin typeface="Tahoma"/>
+                <a:cs typeface="Tahoma"/>
+              </a:rPr>
+              <a:t> </a:t>
+            </a:r>
+            <a:r>
+              <a:rPr sz="3500" spc="210" dirty="0">
                 <a:solidFill>
                   <a:srgbClr val="EFEFEF"/>
                 </a:solidFill>
@@ -3877,7 +4094,7 @@
               <a:t>d</a:t>
             </a:r>
             <a:r>
-              <a:rPr dirty="0" sz="3500" spc="55">
+              <a:rPr sz="3500" spc="55" dirty="0">
                 <a:solidFill>
                   <a:srgbClr val="EFEFEF"/>
                 </a:solidFill>
@@ -3887,7 +4104,7 @@
               <a:t>e  </a:t>
             </a:r>
             <a:r>
-              <a:rPr dirty="0" sz="3500" spc="210">
+              <a:rPr sz="3500" spc="210" dirty="0">
                 <a:solidFill>
                   <a:srgbClr val="EFEFEF"/>
                 </a:solidFill>
@@ -3897,7 +4114,7 @@
               <a:t>d</a:t>
             </a:r>
             <a:r>
-              <a:rPr dirty="0" sz="3500" spc="70">
+              <a:rPr sz="3500" spc="70" dirty="0">
                 <a:solidFill>
                   <a:srgbClr val="EFEFEF"/>
                 </a:solidFill>
@@ -3907,7 +4124,7 @@
               <a:t>e</a:t>
             </a:r>
             <a:r>
-              <a:rPr dirty="0" sz="3500" spc="195">
+              <a:rPr sz="3500" spc="195" dirty="0">
                 <a:solidFill>
                   <a:srgbClr val="EFEFEF"/>
                 </a:solidFill>
@@ -3917,7 +4134,7 @@
               <a:t>p</a:t>
             </a:r>
             <a:r>
-              <a:rPr dirty="0" sz="3500" spc="70">
+              <a:rPr sz="3500" spc="70" dirty="0">
                 <a:solidFill>
                   <a:srgbClr val="EFEFEF"/>
                 </a:solidFill>
@@ -3927,7 +4144,7 @@
               <a:t>e</a:t>
             </a:r>
             <a:r>
-              <a:rPr dirty="0" sz="3500" spc="114">
+              <a:rPr sz="3500" spc="114" dirty="0">
                 <a:solidFill>
                   <a:srgbClr val="EFEFEF"/>
                 </a:solidFill>
@@ -3937,7 +4154,7 @@
               <a:t>n</a:t>
             </a:r>
             <a:r>
-              <a:rPr dirty="0" sz="3500" spc="210">
+              <a:rPr sz="3500" spc="210" dirty="0">
                 <a:solidFill>
                   <a:srgbClr val="EFEFEF"/>
                 </a:solidFill>
@@ -3947,7 +4164,7 @@
               <a:t>d</a:t>
             </a:r>
             <a:r>
-              <a:rPr dirty="0" sz="3500" spc="70">
+              <a:rPr sz="3500" spc="70" dirty="0">
                 <a:solidFill>
                   <a:srgbClr val="EFEFEF"/>
                 </a:solidFill>
@@ -3957,7 +4174,7 @@
               <a:t>ê</a:t>
             </a:r>
             <a:r>
-              <a:rPr dirty="0" sz="3500" spc="114">
+              <a:rPr sz="3500" spc="114" dirty="0">
                 <a:solidFill>
                   <a:srgbClr val="EFEFEF"/>
                 </a:solidFill>
@@ -3967,7 +4184,7 @@
               <a:t>n</a:t>
             </a:r>
             <a:r>
-              <a:rPr dirty="0" sz="3500" spc="229">
+              <a:rPr sz="3500" spc="229" dirty="0">
                 <a:solidFill>
                   <a:srgbClr val="EFEFEF"/>
                 </a:solidFill>
@@ -3977,7 +4194,7 @@
               <a:t>c</a:t>
             </a:r>
             <a:r>
-              <a:rPr dirty="0" sz="3500" spc="25">
+              <a:rPr sz="3500" spc="25" dirty="0">
                 <a:solidFill>
                   <a:srgbClr val="EFEFEF"/>
                 </a:solidFill>
@@ -3987,7 +4204,7 @@
               <a:t>i</a:t>
             </a:r>
             <a:r>
-              <a:rPr dirty="0" sz="3500" spc="20">
+              <a:rPr sz="3500" spc="20" dirty="0">
                 <a:solidFill>
                   <a:srgbClr val="EFEFEF"/>
                 </a:solidFill>
@@ -3997,17 +4214,17 @@
               <a:t>a</a:t>
             </a:r>
             <a:r>
-              <a:rPr dirty="0" sz="3500" spc="-340">
-                <a:solidFill>
-                  <a:srgbClr val="EFEFEF"/>
-                </a:solidFill>
-                <a:latin typeface="Tahoma"/>
-                <a:cs typeface="Tahoma"/>
-              </a:rPr>
-              <a:t> </a:t>
-            </a:r>
-            <a:r>
-              <a:rPr dirty="0" sz="3500" spc="210">
+              <a:rPr sz="3500" spc="-340" dirty="0">
+                <a:solidFill>
+                  <a:srgbClr val="EFEFEF"/>
+                </a:solidFill>
+                <a:latin typeface="Tahoma"/>
+                <a:cs typeface="Tahoma"/>
+              </a:rPr>
+              <a:t> </a:t>
+            </a:r>
+            <a:r>
+              <a:rPr sz="3500" spc="210" dirty="0">
                 <a:solidFill>
                   <a:srgbClr val="EFEFEF"/>
                 </a:solidFill>
@@ -4017,7 +4234,7 @@
               <a:t>d</a:t>
             </a:r>
             <a:r>
-              <a:rPr dirty="0" sz="3500" spc="75">
+              <a:rPr sz="3500" spc="75" dirty="0">
                 <a:solidFill>
                   <a:srgbClr val="EFEFEF"/>
                 </a:solidFill>
@@ -4027,17 +4244,17 @@
               <a:t>e</a:t>
             </a:r>
             <a:r>
-              <a:rPr dirty="0" sz="3500" spc="-340">
-                <a:solidFill>
-                  <a:srgbClr val="EFEFEF"/>
-                </a:solidFill>
-                <a:latin typeface="Tahoma"/>
-                <a:cs typeface="Tahoma"/>
-              </a:rPr>
-              <a:t> </a:t>
-            </a:r>
-            <a:r>
-              <a:rPr dirty="0" sz="3500" spc="114">
+              <a:rPr sz="3500" spc="-340" dirty="0">
+                <a:solidFill>
+                  <a:srgbClr val="EFEFEF"/>
+                </a:solidFill>
+                <a:latin typeface="Tahoma"/>
+                <a:cs typeface="Tahoma"/>
+              </a:rPr>
+              <a:t> </a:t>
+            </a:r>
+            <a:r>
+              <a:rPr sz="3500" spc="114" dirty="0">
                 <a:solidFill>
                   <a:srgbClr val="EFEFEF"/>
                 </a:solidFill>
@@ -4047,7 +4264,7 @@
               <a:t>u</a:t>
             </a:r>
             <a:r>
-              <a:rPr dirty="0" sz="3500" spc="50">
+              <a:rPr sz="3500" spc="50" dirty="0">
                 <a:solidFill>
                   <a:srgbClr val="EFEFEF"/>
                 </a:solidFill>
@@ -4057,17 +4274,17 @@
               <a:t>m</a:t>
             </a:r>
             <a:r>
-              <a:rPr dirty="0" sz="3500" spc="-340">
-                <a:solidFill>
-                  <a:srgbClr val="EFEFEF"/>
-                </a:solidFill>
-                <a:latin typeface="Tahoma"/>
-                <a:cs typeface="Tahoma"/>
-              </a:rPr>
-              <a:t> </a:t>
-            </a:r>
-            <a:r>
-              <a:rPr dirty="0" sz="3500" spc="195">
+              <a:rPr sz="3500" spc="-340" dirty="0">
+                <a:solidFill>
+                  <a:srgbClr val="EFEFEF"/>
+                </a:solidFill>
+                <a:latin typeface="Tahoma"/>
+                <a:cs typeface="Tahoma"/>
+              </a:rPr>
+              <a:t> </a:t>
+            </a:r>
+            <a:r>
+              <a:rPr sz="3500" spc="195" dirty="0">
                 <a:solidFill>
                   <a:srgbClr val="EFEFEF"/>
                 </a:solidFill>
@@ -4077,7 +4294,7 @@
               <a:t>p</a:t>
             </a:r>
             <a:r>
-              <a:rPr dirty="0" sz="3500" spc="-114">
+              <a:rPr sz="3500" spc="-114" dirty="0">
                 <a:solidFill>
                   <a:srgbClr val="EFEFEF"/>
                 </a:solidFill>
@@ -4087,7 +4304,7 @@
               <a:t>r</a:t>
             </a:r>
             <a:r>
-              <a:rPr dirty="0" sz="3500" spc="20">
+              <a:rPr sz="3500" spc="20" dirty="0">
                 <a:solidFill>
                   <a:srgbClr val="EFEFEF"/>
                 </a:solidFill>
@@ -4097,17 +4314,17 @@
               <a:t>a</a:t>
             </a:r>
             <a:r>
-              <a:rPr dirty="0" sz="3500" spc="-340">
-                <a:solidFill>
-                  <a:srgbClr val="EFEFEF"/>
-                </a:solidFill>
-                <a:latin typeface="Tahoma"/>
-                <a:cs typeface="Tahoma"/>
-              </a:rPr>
-              <a:t> </a:t>
-            </a:r>
-            <a:r>
-              <a:rPr dirty="0" sz="3500" spc="45">
+              <a:rPr sz="3500" spc="-340" dirty="0">
+                <a:solidFill>
+                  <a:srgbClr val="EFEFEF"/>
+                </a:solidFill>
+                <a:latin typeface="Tahoma"/>
+                <a:cs typeface="Tahoma"/>
+              </a:rPr>
+              <a:t> </a:t>
+            </a:r>
+            <a:r>
+              <a:rPr sz="3500" spc="45" dirty="0">
                 <a:solidFill>
                   <a:srgbClr val="EFEFEF"/>
                 </a:solidFill>
@@ -4117,7 +4334,7 @@
               <a:t>m</a:t>
             </a:r>
             <a:r>
-              <a:rPr dirty="0" sz="3500" spc="114">
+              <a:rPr sz="3500" spc="114" dirty="0">
                 <a:solidFill>
                   <a:srgbClr val="EFEFEF"/>
                 </a:solidFill>
@@ -4127,7 +4344,7 @@
               <a:t>u</a:t>
             </a:r>
             <a:r>
-              <a:rPr dirty="0" sz="3500" spc="25">
+              <a:rPr sz="3500" spc="25" dirty="0">
                 <a:solidFill>
                   <a:srgbClr val="EFEFEF"/>
                 </a:solidFill>
@@ -4137,7 +4354,7 @@
               <a:t>i</a:t>
             </a:r>
             <a:r>
-              <a:rPr dirty="0" sz="3500" spc="-85">
+              <a:rPr sz="3500" spc="-85" dirty="0">
                 <a:solidFill>
                   <a:srgbClr val="EFEFEF"/>
                 </a:solidFill>
@@ -4147,7 +4364,7 @@
               <a:t>t</a:t>
             </a:r>
             <a:r>
-              <a:rPr dirty="0" sz="3500" spc="145">
+              <a:rPr sz="3500" spc="145" dirty="0">
                 <a:solidFill>
                   <a:srgbClr val="EFEFEF"/>
                 </a:solidFill>
@@ -4157,7 +4374,7 @@
               <a:t>o</a:t>
             </a:r>
             <a:r>
-              <a:rPr dirty="0" sz="3500" spc="40">
+              <a:rPr sz="3500" spc="40" dirty="0">
                 <a:solidFill>
                   <a:srgbClr val="EFEFEF"/>
                 </a:solidFill>
@@ -4167,17 +4384,17 @@
               <a:t>s</a:t>
             </a:r>
             <a:r>
-              <a:rPr dirty="0" sz="3500" spc="-340">
-                <a:solidFill>
-                  <a:srgbClr val="EFEFEF"/>
-                </a:solidFill>
-                <a:latin typeface="Tahoma"/>
-                <a:cs typeface="Tahoma"/>
-              </a:rPr>
-              <a:t> </a:t>
-            </a:r>
-            <a:r>
-              <a:rPr dirty="0" sz="3500" spc="210">
+              <a:rPr sz="3500" spc="-340" dirty="0">
+                <a:solidFill>
+                  <a:srgbClr val="EFEFEF"/>
+                </a:solidFill>
+                <a:latin typeface="Tahoma"/>
+                <a:cs typeface="Tahoma"/>
+              </a:rPr>
+              <a:t> </a:t>
+            </a:r>
+            <a:r>
+              <a:rPr sz="3500" spc="210" dirty="0">
                 <a:solidFill>
                   <a:srgbClr val="EFEFEF"/>
                 </a:solidFill>
@@ -4187,7 +4404,7 @@
               <a:t>d</a:t>
             </a:r>
             <a:r>
-              <a:rPr dirty="0" sz="3500" spc="75">
+              <a:rPr sz="3500" spc="75" dirty="0">
                 <a:solidFill>
                   <a:srgbClr val="EFEFEF"/>
                 </a:solidFill>
@@ -4197,17 +4414,17 @@
               <a:t>e</a:t>
             </a:r>
             <a:r>
-              <a:rPr dirty="0" sz="3500" spc="-340">
-                <a:solidFill>
-                  <a:srgbClr val="EFEFEF"/>
-                </a:solidFill>
-                <a:latin typeface="Tahoma"/>
-                <a:cs typeface="Tahoma"/>
-              </a:rPr>
-              <a:t> </a:t>
-            </a:r>
-            <a:r>
-              <a:rPr dirty="0" sz="3500" spc="-105">
+              <a:rPr sz="3500" spc="-340" dirty="0">
+                <a:solidFill>
+                  <a:srgbClr val="EFEFEF"/>
+                </a:solidFill>
+                <a:latin typeface="Tahoma"/>
+                <a:cs typeface="Tahoma"/>
+              </a:rPr>
+              <a:t> </a:t>
+            </a:r>
+            <a:r>
+              <a:rPr sz="3500" spc="-105" dirty="0">
                 <a:solidFill>
                   <a:srgbClr val="EFEFEF"/>
                 </a:solidFill>
@@ -4217,7 +4434,7 @@
               <a:t>f</a:t>
             </a:r>
             <a:r>
-              <a:rPr dirty="0" sz="3500" spc="145">
+              <a:rPr sz="3500" spc="145" dirty="0">
                 <a:solidFill>
                   <a:srgbClr val="EFEFEF"/>
                 </a:solidFill>
@@ -4227,7 +4444,7 @@
               <a:t>o</a:t>
             </a:r>
             <a:r>
-              <a:rPr dirty="0" sz="3500" spc="-114">
+              <a:rPr sz="3500" spc="-114" dirty="0">
                 <a:solidFill>
                   <a:srgbClr val="EFEFEF"/>
                 </a:solidFill>
@@ -4237,7 +4454,7 @@
               <a:t>r</a:t>
             </a:r>
             <a:r>
-              <a:rPr dirty="0" sz="3500" spc="45">
+              <a:rPr sz="3500" spc="45" dirty="0">
                 <a:solidFill>
                   <a:srgbClr val="EFEFEF"/>
                 </a:solidFill>
@@ -4247,7 +4464,7 @@
               <a:t>m</a:t>
             </a:r>
             <a:r>
-              <a:rPr dirty="0" sz="3500" spc="20">
+              <a:rPr sz="3500" spc="20" dirty="0">
                 <a:solidFill>
                   <a:srgbClr val="EFEFEF"/>
                 </a:solidFill>
@@ -4257,17 +4474,17 @@
               <a:t>a</a:t>
             </a:r>
             <a:r>
-              <a:rPr dirty="0" sz="3500" spc="-340">
-                <a:solidFill>
-                  <a:srgbClr val="EFEFEF"/>
-                </a:solidFill>
-                <a:latin typeface="Tahoma"/>
-                <a:cs typeface="Tahoma"/>
-              </a:rPr>
-              <a:t> </a:t>
-            </a:r>
-            <a:r>
-              <a:rPr dirty="0" sz="3500" spc="70">
+              <a:rPr sz="3500" spc="-340" dirty="0">
+                <a:solidFill>
+                  <a:srgbClr val="EFEFEF"/>
+                </a:solidFill>
+                <a:latin typeface="Tahoma"/>
+                <a:cs typeface="Tahoma"/>
+              </a:rPr>
+              <a:t> </a:t>
+            </a:r>
+            <a:r>
+              <a:rPr sz="3500" spc="70" dirty="0">
                 <a:solidFill>
                   <a:srgbClr val="EFEFEF"/>
                 </a:solidFill>
@@ -4277,7 +4494,7 @@
               <a:t>e</a:t>
             </a:r>
             <a:r>
-              <a:rPr dirty="0" sz="3500" spc="50">
+              <a:rPr sz="3500" spc="50" dirty="0">
                 <a:solidFill>
                   <a:srgbClr val="EFEFEF"/>
                 </a:solidFill>
@@ -4287,17 +4504,17 @@
               <a:t>m</a:t>
             </a:r>
             <a:r>
-              <a:rPr dirty="0" sz="3500" spc="-340">
-                <a:solidFill>
-                  <a:srgbClr val="EFEFEF"/>
-                </a:solidFill>
-                <a:latin typeface="Tahoma"/>
-                <a:cs typeface="Tahoma"/>
-              </a:rPr>
-              <a:t> </a:t>
-            </a:r>
-            <a:r>
-              <a:rPr dirty="0" sz="3500" spc="210">
+              <a:rPr sz="3500" spc="-340" dirty="0">
+                <a:solidFill>
+                  <a:srgbClr val="EFEFEF"/>
+                </a:solidFill>
+                <a:latin typeface="Tahoma"/>
+                <a:cs typeface="Tahoma"/>
+              </a:rPr>
+              <a:t> </a:t>
+            </a:r>
+            <a:r>
+              <a:rPr sz="3500" spc="210" dirty="0">
                 <a:solidFill>
                   <a:srgbClr val="EFEFEF"/>
                 </a:solidFill>
@@ -4307,7 +4524,7 @@
               <a:t>q</a:t>
             </a:r>
             <a:r>
-              <a:rPr dirty="0" sz="3500" spc="114">
+              <a:rPr sz="3500" spc="114" dirty="0">
                 <a:solidFill>
                   <a:srgbClr val="EFEFEF"/>
                 </a:solidFill>
@@ -4317,7 +4534,7 @@
               <a:t>u</a:t>
             </a:r>
             <a:r>
-              <a:rPr dirty="0" sz="3500" spc="55">
+              <a:rPr sz="3500" spc="55" dirty="0">
                 <a:solidFill>
                   <a:srgbClr val="EFEFEF"/>
                 </a:solidFill>
@@ -4327,7 +4544,7 @@
               <a:t>e  </a:t>
             </a:r>
             <a:r>
-              <a:rPr dirty="0" sz="3500" spc="135">
+              <a:rPr sz="3500" spc="135" dirty="0">
                 <a:solidFill>
                   <a:srgbClr val="EFEFEF"/>
                 </a:solidFill>
@@ -4337,17 +4554,17 @@
               <a:t>quando</a:t>
             </a:r>
             <a:r>
-              <a:rPr dirty="0" sz="3500" spc="-340">
-                <a:solidFill>
-                  <a:srgbClr val="EFEFEF"/>
-                </a:solidFill>
-                <a:latin typeface="Tahoma"/>
-                <a:cs typeface="Tahoma"/>
-              </a:rPr>
-              <a:t> </a:t>
-            </a:r>
-            <a:r>
-              <a:rPr dirty="0" sz="3500" spc="60">
+              <a:rPr sz="3500" spc="-340" dirty="0">
+                <a:solidFill>
+                  <a:srgbClr val="EFEFEF"/>
+                </a:solidFill>
+                <a:latin typeface="Tahoma"/>
+                <a:cs typeface="Tahoma"/>
+              </a:rPr>
+              <a:t> </a:t>
+            </a:r>
+            <a:r>
+              <a:rPr sz="3500" spc="60" dirty="0">
                 <a:solidFill>
                   <a:srgbClr val="EFEFEF"/>
                 </a:solidFill>
@@ -4357,17 +4574,17 @@
               <a:t>ocorre</a:t>
             </a:r>
             <a:r>
-              <a:rPr dirty="0" sz="3500" spc="-335">
-                <a:solidFill>
-                  <a:srgbClr val="EFEFEF"/>
-                </a:solidFill>
-                <a:latin typeface="Tahoma"/>
-                <a:cs typeface="Tahoma"/>
-              </a:rPr>
-              <a:t> </a:t>
-            </a:r>
-            <a:r>
-              <a:rPr dirty="0" sz="3500" spc="105">
+              <a:rPr sz="3500" spc="-335" dirty="0">
+                <a:solidFill>
+                  <a:srgbClr val="EFEFEF"/>
+                </a:solidFill>
+                <a:latin typeface="Tahoma"/>
+                <a:cs typeface="Tahoma"/>
+              </a:rPr>
+              <a:t> </a:t>
+            </a:r>
+            <a:r>
+              <a:rPr sz="3500" spc="105" dirty="0">
                 <a:solidFill>
                   <a:srgbClr val="EFEFEF"/>
                 </a:solidFill>
@@ -4377,17 +4594,17 @@
               <a:t>mudança</a:t>
             </a:r>
             <a:r>
-              <a:rPr dirty="0" sz="3500" spc="-335">
-                <a:solidFill>
-                  <a:srgbClr val="EFEFEF"/>
-                </a:solidFill>
-                <a:latin typeface="Tahoma"/>
-                <a:cs typeface="Tahoma"/>
-              </a:rPr>
-              <a:t> </a:t>
-            </a:r>
-            <a:r>
-              <a:rPr dirty="0" sz="3500" spc="140">
+              <a:rPr sz="3500" spc="-335" dirty="0">
+                <a:solidFill>
+                  <a:srgbClr val="EFEFEF"/>
+                </a:solidFill>
+                <a:latin typeface="Tahoma"/>
+                <a:cs typeface="Tahoma"/>
+              </a:rPr>
+              <a:t> </a:t>
+            </a:r>
+            <a:r>
+              <a:rPr sz="3500" spc="140" dirty="0">
                 <a:solidFill>
                   <a:srgbClr val="EFEFEF"/>
                 </a:solidFill>
@@ -4397,17 +4614,17 @@
               <a:t>com</a:t>
             </a:r>
             <a:r>
-              <a:rPr dirty="0" sz="3500" spc="-340">
-                <a:solidFill>
-                  <a:srgbClr val="EFEFEF"/>
-                </a:solidFill>
-                <a:latin typeface="Tahoma"/>
-                <a:cs typeface="Tahoma"/>
-              </a:rPr>
-              <a:t> </a:t>
-            </a:r>
-            <a:r>
-              <a:rPr dirty="0" sz="3500" spc="150">
+              <a:rPr sz="3500" spc="-340" dirty="0">
+                <a:solidFill>
+                  <a:srgbClr val="EFEFEF"/>
+                </a:solidFill>
+                <a:latin typeface="Tahoma"/>
+                <a:cs typeface="Tahoma"/>
+              </a:rPr>
+              <a:t> </a:t>
+            </a:r>
+            <a:r>
+              <a:rPr sz="3500" spc="150" dirty="0">
                 <a:solidFill>
                   <a:srgbClr val="EFEFEF"/>
                 </a:solidFill>
@@ -4417,17 +4634,17 @@
               <a:t>o</a:t>
             </a:r>
             <a:r>
-              <a:rPr dirty="0" sz="3500" spc="-335">
-                <a:solidFill>
-                  <a:srgbClr val="EFEFEF"/>
-                </a:solidFill>
-                <a:latin typeface="Tahoma"/>
-                <a:cs typeface="Tahoma"/>
-              </a:rPr>
-              <a:t> </a:t>
-            </a:r>
-            <a:r>
-              <a:rPr dirty="0" sz="3500" spc="50">
+              <a:rPr sz="3500" spc="-335" dirty="0">
+                <a:solidFill>
+                  <a:srgbClr val="EFEFEF"/>
+                </a:solidFill>
+                <a:latin typeface="Tahoma"/>
+                <a:cs typeface="Tahoma"/>
+              </a:rPr>
+              <a:t> </a:t>
+            </a:r>
+            <a:r>
+              <a:rPr sz="3500" spc="50" dirty="0">
                 <a:solidFill>
                   <a:srgbClr val="EFEFEF"/>
                 </a:solidFill>
@@ -4437,17 +4654,17 @@
               <a:t>objeto</a:t>
             </a:r>
             <a:r>
-              <a:rPr dirty="0" sz="3500" spc="-335">
-                <a:solidFill>
-                  <a:srgbClr val="EFEFEF"/>
-                </a:solidFill>
-                <a:latin typeface="Tahoma"/>
-                <a:cs typeface="Tahoma"/>
-              </a:rPr>
-              <a:t> </a:t>
-            </a:r>
-            <a:r>
-              <a:rPr dirty="0" sz="3500" spc="45">
+              <a:rPr sz="3500" spc="-335" dirty="0">
+                <a:solidFill>
+                  <a:srgbClr val="EFEFEF"/>
+                </a:solidFill>
+                <a:latin typeface="Tahoma"/>
+                <a:cs typeface="Tahoma"/>
+              </a:rPr>
+              <a:t> </a:t>
+            </a:r>
+            <a:r>
+              <a:rPr sz="3500" spc="45" dirty="0">
                 <a:solidFill>
                   <a:srgbClr val="EFEFEF"/>
                 </a:solidFill>
@@ -4457,17 +4674,17 @@
               <a:t>observado, </a:t>
             </a:r>
             <a:r>
-              <a:rPr dirty="0" sz="3500" spc="-1080">
-                <a:solidFill>
-                  <a:srgbClr val="EFEFEF"/>
-                </a:solidFill>
-                <a:latin typeface="Tahoma"/>
-                <a:cs typeface="Tahoma"/>
-              </a:rPr>
-              <a:t> </a:t>
-            </a:r>
-            <a:r>
-              <a:rPr dirty="0" sz="3500" spc="210">
+              <a:rPr sz="3500" spc="-1080" dirty="0">
+                <a:solidFill>
+                  <a:srgbClr val="EFEFEF"/>
+                </a:solidFill>
+                <a:latin typeface="Tahoma"/>
+                <a:cs typeface="Tahoma"/>
+              </a:rPr>
+              <a:t> </a:t>
+            </a:r>
+            <a:r>
+              <a:rPr sz="3500" spc="210" dirty="0">
                 <a:solidFill>
                   <a:srgbClr val="EFEFEF"/>
                 </a:solidFill>
@@ -4477,7 +4694,7 @@
               <a:t>q</a:t>
             </a:r>
             <a:r>
-              <a:rPr dirty="0" sz="3500" spc="114">
+              <a:rPr sz="3500" spc="114" dirty="0">
                 <a:solidFill>
                   <a:srgbClr val="EFEFEF"/>
                 </a:solidFill>
@@ -4487,7 +4704,7 @@
               <a:t>u</a:t>
             </a:r>
             <a:r>
-              <a:rPr dirty="0" sz="3500" spc="75">
+              <a:rPr sz="3500" spc="75" dirty="0">
                 <a:solidFill>
                   <a:srgbClr val="EFEFEF"/>
                 </a:solidFill>
@@ -4497,17 +4714,17 @@
               <a:t>e</a:t>
             </a:r>
             <a:r>
-              <a:rPr dirty="0" sz="3500" spc="-340">
-                <a:solidFill>
-                  <a:srgbClr val="EFEFEF"/>
-                </a:solidFill>
-                <a:latin typeface="Tahoma"/>
-                <a:cs typeface="Tahoma"/>
-              </a:rPr>
-              <a:t> </a:t>
-            </a:r>
-            <a:r>
-              <a:rPr dirty="0" sz="3500" spc="75">
+              <a:rPr sz="3500" spc="-340" dirty="0">
+                <a:solidFill>
+                  <a:srgbClr val="EFEFEF"/>
+                </a:solidFill>
+                <a:latin typeface="Tahoma"/>
+                <a:cs typeface="Tahoma"/>
+              </a:rPr>
+              <a:t> </a:t>
+            </a:r>
+            <a:r>
+              <a:rPr sz="3500" spc="75" dirty="0">
                 <a:solidFill>
                   <a:srgbClr val="EFEFEF"/>
                 </a:solidFill>
@@ -4517,17 +4734,17 @@
               <a:t>é</a:t>
             </a:r>
             <a:r>
-              <a:rPr dirty="0" sz="3500" spc="-340">
-                <a:solidFill>
-                  <a:srgbClr val="EFEFEF"/>
-                </a:solidFill>
-                <a:latin typeface="Tahoma"/>
-                <a:cs typeface="Tahoma"/>
-              </a:rPr>
-              <a:t> </a:t>
-            </a:r>
-            <a:r>
-              <a:rPr dirty="0" sz="3500" spc="229">
+              <a:rPr sz="3500" spc="-340" dirty="0">
+                <a:solidFill>
+                  <a:srgbClr val="EFEFEF"/>
+                </a:solidFill>
+                <a:latin typeface="Tahoma"/>
+                <a:cs typeface="Tahoma"/>
+              </a:rPr>
+              <a:t> </a:t>
+            </a:r>
+            <a:r>
+              <a:rPr sz="3500" spc="229" dirty="0">
                 <a:solidFill>
                   <a:srgbClr val="EFEFEF"/>
                 </a:solidFill>
@@ -4537,7 +4754,7 @@
               <a:t>c</a:t>
             </a:r>
             <a:r>
-              <a:rPr dirty="0" sz="3500" spc="114">
+              <a:rPr sz="3500" spc="114" dirty="0">
                 <a:solidFill>
                   <a:srgbClr val="EFEFEF"/>
                 </a:solidFill>
@@ -4547,7 +4764,7 @@
               <a:t>h</a:t>
             </a:r>
             <a:r>
-              <a:rPr dirty="0" sz="3500" spc="15">
+              <a:rPr sz="3500" spc="15" dirty="0">
                 <a:solidFill>
                   <a:srgbClr val="EFEFEF"/>
                 </a:solidFill>
@@ -4557,7 +4774,7 @@
               <a:t>a</a:t>
             </a:r>
             <a:r>
-              <a:rPr dirty="0" sz="3500" spc="45">
+              <a:rPr sz="3500" spc="45" dirty="0">
                 <a:solidFill>
                   <a:srgbClr val="EFEFEF"/>
                 </a:solidFill>
@@ -4567,7 +4784,7 @@
               <a:t>m</a:t>
             </a:r>
             <a:r>
-              <a:rPr dirty="0" sz="3500" spc="15">
+              <a:rPr sz="3500" spc="15" dirty="0">
                 <a:solidFill>
                   <a:srgbClr val="EFEFEF"/>
                 </a:solidFill>
@@ -4577,7 +4794,7 @@
               <a:t>a</a:t>
             </a:r>
             <a:r>
-              <a:rPr dirty="0" sz="3500" spc="210">
+              <a:rPr sz="3500" spc="210" dirty="0">
                 <a:solidFill>
                   <a:srgbClr val="EFEFEF"/>
                 </a:solidFill>
@@ -4587,7 +4804,7 @@
               <a:t>d</a:t>
             </a:r>
             <a:r>
-              <a:rPr dirty="0" sz="3500" spc="150">
+              <a:rPr sz="3500" spc="150" dirty="0">
                 <a:solidFill>
                   <a:srgbClr val="EFEFEF"/>
                 </a:solidFill>
@@ -4597,17 +4814,17 @@
               <a:t>o</a:t>
             </a:r>
             <a:r>
-              <a:rPr dirty="0" sz="3500" spc="-340">
-                <a:solidFill>
-                  <a:srgbClr val="EFEFEF"/>
-                </a:solidFill>
-                <a:latin typeface="Tahoma"/>
-                <a:cs typeface="Tahoma"/>
-              </a:rPr>
-              <a:t> </a:t>
-            </a:r>
-            <a:r>
-              <a:rPr dirty="0" sz="3500" spc="210">
+              <a:rPr sz="3500" spc="-340" dirty="0">
+                <a:solidFill>
+                  <a:srgbClr val="EFEFEF"/>
+                </a:solidFill>
+                <a:latin typeface="Tahoma"/>
+                <a:cs typeface="Tahoma"/>
+              </a:rPr>
+              <a:t> </a:t>
+            </a:r>
+            <a:r>
+              <a:rPr sz="3500" spc="210" dirty="0">
                 <a:solidFill>
                   <a:srgbClr val="EFEFEF"/>
                 </a:solidFill>
@@ -4617,7 +4834,7 @@
               <a:t>d</a:t>
             </a:r>
             <a:r>
-              <a:rPr dirty="0" sz="3500" spc="75">
+              <a:rPr sz="3500" spc="75" dirty="0">
                 <a:solidFill>
                   <a:srgbClr val="EFEFEF"/>
                 </a:solidFill>
@@ -4627,17 +4844,17 @@
               <a:t>e</a:t>
             </a:r>
             <a:r>
-              <a:rPr dirty="0" sz="3500" spc="-340">
-                <a:solidFill>
-                  <a:srgbClr val="EFEFEF"/>
-                </a:solidFill>
-                <a:latin typeface="Tahoma"/>
-                <a:cs typeface="Tahoma"/>
-              </a:rPr>
-              <a:t> </a:t>
-            </a:r>
-            <a:r>
-              <a:rPr dirty="0" sz="3500" spc="45">
+              <a:rPr sz="3500" spc="-340" dirty="0">
+                <a:solidFill>
+                  <a:srgbClr val="EFEFEF"/>
+                </a:solidFill>
+                <a:latin typeface="Tahoma"/>
+                <a:cs typeface="Tahoma"/>
+              </a:rPr>
+              <a:t> </a:t>
+            </a:r>
+            <a:r>
+              <a:rPr sz="3500" spc="45" dirty="0">
                 <a:solidFill>
                   <a:srgbClr val="EFEFEF"/>
                 </a:solidFill>
@@ -4647,7 +4864,7 @@
               <a:t>“</a:t>
             </a:r>
             <a:r>
-              <a:rPr dirty="0" sz="3500" spc="90">
+              <a:rPr sz="3500" spc="90" dirty="0">
                 <a:solidFill>
                   <a:srgbClr val="EFEFEF"/>
                 </a:solidFill>
@@ -4657,7 +4874,7 @@
               <a:t>S</a:t>
             </a:r>
             <a:r>
-              <a:rPr dirty="0" sz="3500" spc="114">
+              <a:rPr sz="3500" spc="114" dirty="0">
                 <a:solidFill>
                   <a:srgbClr val="EFEFEF"/>
                 </a:solidFill>
@@ -4667,7 +4884,7 @@
               <a:t>u</a:t>
             </a:r>
             <a:r>
-              <a:rPr dirty="0" sz="3500" spc="195">
+              <a:rPr sz="3500" spc="195" dirty="0">
                 <a:solidFill>
                   <a:srgbClr val="EFEFEF"/>
                 </a:solidFill>
@@ -4677,7 +4894,7 @@
               <a:t>b</a:t>
             </a:r>
             <a:r>
-              <a:rPr dirty="0" sz="3500" spc="-180">
+              <a:rPr sz="3500" spc="-180" dirty="0">
                 <a:solidFill>
                   <a:srgbClr val="EFEFEF"/>
                 </a:solidFill>
@@ -4687,7 +4904,7 @@
               <a:t>j</a:t>
             </a:r>
             <a:r>
-              <a:rPr dirty="0" sz="3500" spc="70">
+              <a:rPr sz="3500" spc="70" dirty="0">
                 <a:solidFill>
                   <a:srgbClr val="EFEFEF"/>
                 </a:solidFill>
@@ -4697,7 +4914,7 @@
               <a:t>e</a:t>
             </a:r>
             <a:r>
-              <a:rPr dirty="0" sz="3500" spc="229">
+              <a:rPr sz="3500" spc="229" dirty="0">
                 <a:solidFill>
                   <a:srgbClr val="EFEFEF"/>
                 </a:solidFill>
@@ -4707,7 +4924,7 @@
               <a:t>c</a:t>
             </a:r>
             <a:r>
-              <a:rPr dirty="0" sz="3500" spc="-85">
+              <a:rPr sz="3500" spc="-85" dirty="0">
                 <a:solidFill>
                   <a:srgbClr val="EFEFEF"/>
                 </a:solidFill>
@@ -4717,7 +4934,7 @@
               <a:t>t</a:t>
             </a:r>
             <a:r>
-              <a:rPr dirty="0" sz="3500" spc="45">
+              <a:rPr sz="3500" spc="45" dirty="0">
                 <a:solidFill>
                   <a:srgbClr val="EFEFEF"/>
                 </a:solidFill>
@@ -4727,7 +4944,7 @@
               <a:t>”</a:t>
             </a:r>
             <a:r>
-              <a:rPr dirty="0" sz="3500" spc="-290">
+              <a:rPr sz="3500" spc="-290" dirty="0">
                 <a:solidFill>
                   <a:srgbClr val="EFEFEF"/>
                 </a:solidFill>
@@ -4737,17 +4954,17 @@
               <a:t>,</a:t>
             </a:r>
             <a:r>
-              <a:rPr dirty="0" sz="3500" spc="-340">
-                <a:solidFill>
-                  <a:srgbClr val="EFEFEF"/>
-                </a:solidFill>
-                <a:latin typeface="Tahoma"/>
-                <a:cs typeface="Tahoma"/>
-              </a:rPr>
-              <a:t> </a:t>
-            </a:r>
-            <a:r>
-              <a:rPr dirty="0" sz="3500" spc="145">
+              <a:rPr sz="3500" spc="-340" dirty="0">
+                <a:solidFill>
+                  <a:srgbClr val="EFEFEF"/>
+                </a:solidFill>
+                <a:latin typeface="Tahoma"/>
+                <a:cs typeface="Tahoma"/>
+              </a:rPr>
+              <a:t> </a:t>
+            </a:r>
+            <a:r>
+              <a:rPr sz="3500" spc="145" dirty="0">
                 <a:solidFill>
                   <a:srgbClr val="EFEFEF"/>
                 </a:solidFill>
@@ -4757,7 +4974,7 @@
               <a:t>o</a:t>
             </a:r>
             <a:r>
-              <a:rPr dirty="0" sz="3500" spc="40">
+              <a:rPr sz="3500" spc="40" dirty="0">
                 <a:solidFill>
                   <a:srgbClr val="EFEFEF"/>
                 </a:solidFill>
@@ -4767,17 +4984,17 @@
               <a:t>s</a:t>
             </a:r>
             <a:r>
-              <a:rPr dirty="0" sz="3500" spc="-340">
-                <a:solidFill>
-                  <a:srgbClr val="EFEFEF"/>
-                </a:solidFill>
-                <a:latin typeface="Tahoma"/>
-                <a:cs typeface="Tahoma"/>
-              </a:rPr>
-              <a:t> </a:t>
-            </a:r>
-            <a:r>
-              <a:rPr dirty="0" sz="3500" spc="145">
+              <a:rPr sz="3500" spc="-340" dirty="0">
+                <a:solidFill>
+                  <a:srgbClr val="EFEFEF"/>
+                </a:solidFill>
+                <a:latin typeface="Tahoma"/>
+                <a:cs typeface="Tahoma"/>
+              </a:rPr>
+              <a:t> </a:t>
+            </a:r>
+            <a:r>
+              <a:rPr sz="3500" spc="145" dirty="0">
                 <a:solidFill>
                   <a:srgbClr val="EFEFEF"/>
                 </a:solidFill>
@@ -4787,7 +5004,7 @@
               <a:t>o</a:t>
             </a:r>
             <a:r>
-              <a:rPr dirty="0" sz="3500" spc="195">
+              <a:rPr sz="3500" spc="195" dirty="0">
                 <a:solidFill>
                   <a:srgbClr val="EFEFEF"/>
                 </a:solidFill>
@@ -4797,7 +5014,7 @@
               <a:t>b</a:t>
             </a:r>
             <a:r>
-              <a:rPr dirty="0" sz="3500" spc="-180">
+              <a:rPr sz="3500" spc="-180" dirty="0">
                 <a:solidFill>
                   <a:srgbClr val="EFEFEF"/>
                 </a:solidFill>
@@ -4807,7 +5024,7 @@
               <a:t>j</a:t>
             </a:r>
             <a:r>
-              <a:rPr dirty="0" sz="3500" spc="70">
+              <a:rPr sz="3500" spc="70" dirty="0">
                 <a:solidFill>
                   <a:srgbClr val="EFEFEF"/>
                 </a:solidFill>
@@ -4817,7 +5034,7 @@
               <a:t>e</a:t>
             </a:r>
             <a:r>
-              <a:rPr dirty="0" sz="3500" spc="-85">
+              <a:rPr sz="3500" spc="-85" dirty="0">
                 <a:solidFill>
                   <a:srgbClr val="EFEFEF"/>
                 </a:solidFill>
@@ -4827,7 +5044,7 @@
               <a:t>t</a:t>
             </a:r>
             <a:r>
-              <a:rPr dirty="0" sz="3500" spc="145">
+              <a:rPr sz="3500" spc="145" dirty="0">
                 <a:solidFill>
                   <a:srgbClr val="EFEFEF"/>
                 </a:solidFill>
@@ -4837,7 +5054,7 @@
               <a:t>o</a:t>
             </a:r>
             <a:r>
-              <a:rPr dirty="0" sz="3500" spc="35">
+              <a:rPr sz="3500" spc="35" dirty="0">
                 <a:solidFill>
                   <a:srgbClr val="EFEFEF"/>
                 </a:solidFill>
@@ -4847,7 +5064,7 @@
               <a:t>s  </a:t>
             </a:r>
             <a:r>
-              <a:rPr dirty="0" sz="3500" spc="210">
+              <a:rPr sz="3500" spc="210" dirty="0">
                 <a:solidFill>
                   <a:srgbClr val="EFEFEF"/>
                 </a:solidFill>
@@ -4857,7 +5074,7 @@
               <a:t>d</a:t>
             </a:r>
             <a:r>
-              <a:rPr dirty="0" sz="3500" spc="70">
+              <a:rPr sz="3500" spc="70" dirty="0">
                 <a:solidFill>
                   <a:srgbClr val="EFEFEF"/>
                 </a:solidFill>
@@ -4867,7 +5084,7 @@
               <a:t>e</a:t>
             </a:r>
             <a:r>
-              <a:rPr dirty="0" sz="3500" spc="195">
+              <a:rPr sz="3500" spc="195" dirty="0">
                 <a:solidFill>
                   <a:srgbClr val="EFEFEF"/>
                 </a:solidFill>
@@ -4877,7 +5094,7 @@
               <a:t>p</a:t>
             </a:r>
             <a:r>
-              <a:rPr dirty="0" sz="3500" spc="70">
+              <a:rPr sz="3500" spc="70" dirty="0">
                 <a:solidFill>
                   <a:srgbClr val="EFEFEF"/>
                 </a:solidFill>
@@ -4887,7 +5104,7 @@
               <a:t>e</a:t>
             </a:r>
             <a:r>
-              <a:rPr dirty="0" sz="3500" spc="114">
+              <a:rPr sz="3500" spc="114" dirty="0">
                 <a:solidFill>
                   <a:srgbClr val="EFEFEF"/>
                 </a:solidFill>
@@ -4897,7 +5114,7 @@
               <a:t>n</a:t>
             </a:r>
             <a:r>
-              <a:rPr dirty="0" sz="3500" spc="210">
+              <a:rPr sz="3500" spc="210" dirty="0">
                 <a:solidFill>
                   <a:srgbClr val="EFEFEF"/>
                 </a:solidFill>
@@ -4907,7 +5124,7 @@
               <a:t>d</a:t>
             </a:r>
             <a:r>
-              <a:rPr dirty="0" sz="3500" spc="70">
+              <a:rPr sz="3500" spc="70" dirty="0">
                 <a:solidFill>
                   <a:srgbClr val="EFEFEF"/>
                 </a:solidFill>
@@ -4917,7 +5134,7 @@
               <a:t>e</a:t>
             </a:r>
             <a:r>
-              <a:rPr dirty="0" sz="3500" spc="114">
+              <a:rPr sz="3500" spc="114" dirty="0">
                 <a:solidFill>
                   <a:srgbClr val="EFEFEF"/>
                 </a:solidFill>
@@ -4927,7 +5144,7 @@
               <a:t>n</a:t>
             </a:r>
             <a:r>
-              <a:rPr dirty="0" sz="3500" spc="-85">
+              <a:rPr sz="3500" spc="-85" dirty="0">
                 <a:solidFill>
                   <a:srgbClr val="EFEFEF"/>
                 </a:solidFill>
@@ -4937,7 +5154,7 @@
               <a:t>t</a:t>
             </a:r>
             <a:r>
-              <a:rPr dirty="0" sz="3500" spc="70">
+              <a:rPr sz="3500" spc="70" dirty="0">
                 <a:solidFill>
                   <a:srgbClr val="EFEFEF"/>
                 </a:solidFill>
@@ -4947,7 +5164,7 @@
               <a:t>e</a:t>
             </a:r>
             <a:r>
-              <a:rPr dirty="0" sz="3500" spc="40">
+              <a:rPr sz="3500" spc="40" dirty="0">
                 <a:solidFill>
                   <a:srgbClr val="EFEFEF"/>
                 </a:solidFill>
@@ -4957,17 +5174,17 @@
               <a:t>s</a:t>
             </a:r>
             <a:r>
-              <a:rPr dirty="0" sz="3500" spc="-340">
-                <a:solidFill>
-                  <a:srgbClr val="EFEFEF"/>
-                </a:solidFill>
-                <a:latin typeface="Tahoma"/>
-                <a:cs typeface="Tahoma"/>
-              </a:rPr>
-              <a:t> </a:t>
-            </a:r>
-            <a:r>
-              <a:rPr dirty="0" sz="3500" spc="35">
+              <a:rPr sz="3500" spc="-340" dirty="0">
+                <a:solidFill>
+                  <a:srgbClr val="EFEFEF"/>
+                </a:solidFill>
+                <a:latin typeface="Tahoma"/>
+                <a:cs typeface="Tahoma"/>
+              </a:rPr>
+              <a:t> </a:t>
+            </a:r>
+            <a:r>
+              <a:rPr sz="3500" spc="35" dirty="0">
                 <a:solidFill>
                   <a:srgbClr val="EFEFEF"/>
                 </a:solidFill>
@@ -4977,7 +5194,7 @@
               <a:t>s</a:t>
             </a:r>
             <a:r>
-              <a:rPr dirty="0" sz="3500" spc="15">
+              <a:rPr sz="3500" spc="15" dirty="0">
                 <a:solidFill>
                   <a:srgbClr val="EFEFEF"/>
                 </a:solidFill>
@@ -4987,7 +5204,7 @@
               <a:t>ã</a:t>
             </a:r>
             <a:r>
-              <a:rPr dirty="0" sz="3500" spc="150">
+              <a:rPr sz="3500" spc="150" dirty="0">
                 <a:solidFill>
                   <a:srgbClr val="EFEFEF"/>
                 </a:solidFill>
@@ -4997,17 +5214,17 @@
               <a:t>o</a:t>
             </a:r>
             <a:r>
-              <a:rPr dirty="0" sz="3500" spc="-340">
-                <a:solidFill>
-                  <a:srgbClr val="EFEFEF"/>
-                </a:solidFill>
-                <a:latin typeface="Tahoma"/>
-                <a:cs typeface="Tahoma"/>
-              </a:rPr>
-              <a:t> </a:t>
-            </a:r>
-            <a:r>
-              <a:rPr dirty="0" sz="3500" spc="114">
+              <a:rPr sz="3500" spc="-340" dirty="0">
+                <a:solidFill>
+                  <a:srgbClr val="EFEFEF"/>
+                </a:solidFill>
+                <a:latin typeface="Tahoma"/>
+                <a:cs typeface="Tahoma"/>
+              </a:rPr>
+              <a:t> </a:t>
+            </a:r>
+            <a:r>
+              <a:rPr sz="3500" spc="114" dirty="0">
                 <a:solidFill>
                   <a:srgbClr val="EFEFEF"/>
                 </a:solidFill>
@@ -5017,7 +5234,7 @@
               <a:t>n</a:t>
             </a:r>
             <a:r>
-              <a:rPr dirty="0" sz="3500" spc="145">
+              <a:rPr sz="3500" spc="145" dirty="0">
                 <a:solidFill>
                   <a:srgbClr val="EFEFEF"/>
                 </a:solidFill>
@@ -5027,7 +5244,7 @@
               <a:t>o</a:t>
             </a:r>
             <a:r>
-              <a:rPr dirty="0" sz="3500" spc="-85">
+              <a:rPr sz="3500" spc="-85" dirty="0">
                 <a:solidFill>
                   <a:srgbClr val="EFEFEF"/>
                 </a:solidFill>
@@ -5037,7 +5254,7 @@
               <a:t>t</a:t>
             </a:r>
             <a:r>
-              <a:rPr dirty="0" sz="3500" spc="25">
+              <a:rPr sz="3500" spc="25" dirty="0">
                 <a:solidFill>
                   <a:srgbClr val="EFEFEF"/>
                 </a:solidFill>
@@ -5047,7 +5264,7 @@
               <a:t>i</a:t>
             </a:r>
             <a:r>
-              <a:rPr dirty="0" sz="3500" spc="-105">
+              <a:rPr sz="3500" spc="-105" dirty="0">
                 <a:solidFill>
                   <a:srgbClr val="EFEFEF"/>
                 </a:solidFill>
@@ -5057,7 +5274,7 @@
               <a:t>f</a:t>
             </a:r>
             <a:r>
-              <a:rPr dirty="0" sz="3500" spc="25">
+              <a:rPr sz="3500" spc="25" dirty="0">
                 <a:solidFill>
                   <a:srgbClr val="EFEFEF"/>
                 </a:solidFill>
@@ -5067,7 +5284,7 @@
               <a:t>i</a:t>
             </a:r>
             <a:r>
-              <a:rPr dirty="0" sz="3500" spc="229">
+              <a:rPr sz="3500" spc="229" dirty="0">
                 <a:solidFill>
                   <a:srgbClr val="EFEFEF"/>
                 </a:solidFill>
@@ -5077,7 +5294,7 @@
               <a:t>c</a:t>
             </a:r>
             <a:r>
-              <a:rPr dirty="0" sz="3500" spc="15">
+              <a:rPr sz="3500" spc="15" dirty="0">
                 <a:solidFill>
                   <a:srgbClr val="EFEFEF"/>
                 </a:solidFill>
@@ -5087,7 +5304,7 @@
               <a:t>a</a:t>
             </a:r>
             <a:r>
-              <a:rPr dirty="0" sz="3500" spc="210">
+              <a:rPr sz="3500" spc="210" dirty="0">
                 <a:solidFill>
                   <a:srgbClr val="EFEFEF"/>
                 </a:solidFill>
@@ -5097,7 +5314,7 @@
               <a:t>d</a:t>
             </a:r>
             <a:r>
-              <a:rPr dirty="0" sz="3500" spc="145">
+              <a:rPr sz="3500" spc="145" dirty="0">
                 <a:solidFill>
                   <a:srgbClr val="EFEFEF"/>
                 </a:solidFill>
@@ -5107,7 +5324,7 @@
               <a:t>o</a:t>
             </a:r>
             <a:r>
-              <a:rPr dirty="0" sz="3500" spc="35">
+              <a:rPr sz="3500" spc="35" dirty="0">
                 <a:solidFill>
                   <a:srgbClr val="EFEFEF"/>
                 </a:solidFill>
@@ -5117,7 +5334,7 @@
               <a:t>s</a:t>
             </a:r>
             <a:r>
-              <a:rPr dirty="0" sz="3500" spc="-290">
+              <a:rPr sz="3500" spc="-290" dirty="0">
                 <a:solidFill>
                   <a:srgbClr val="EFEFEF"/>
                 </a:solidFill>
@@ -5127,17 +5344,17 @@
               <a:t>,</a:t>
             </a:r>
             <a:r>
-              <a:rPr dirty="0" sz="3500" spc="-340">
-                <a:solidFill>
-                  <a:srgbClr val="EFEFEF"/>
-                </a:solidFill>
-                <a:latin typeface="Tahoma"/>
-                <a:cs typeface="Tahoma"/>
-              </a:rPr>
-              <a:t> </a:t>
-            </a:r>
-            <a:r>
-              <a:rPr dirty="0" sz="3500" spc="70">
+              <a:rPr sz="3500" spc="-340" dirty="0">
+                <a:solidFill>
+                  <a:srgbClr val="EFEFEF"/>
+                </a:solidFill>
+                <a:latin typeface="Tahoma"/>
+                <a:cs typeface="Tahoma"/>
+              </a:rPr>
+              <a:t> </a:t>
+            </a:r>
+            <a:r>
+              <a:rPr sz="3500" spc="70" dirty="0">
                 <a:solidFill>
                   <a:srgbClr val="EFEFEF"/>
                 </a:solidFill>
@@ -5147,7 +5364,7 @@
               <a:t>e</a:t>
             </a:r>
             <a:r>
-              <a:rPr dirty="0" sz="3500" spc="35">
+              <a:rPr sz="3500" spc="35" dirty="0">
                 <a:solidFill>
                   <a:srgbClr val="EFEFEF"/>
                 </a:solidFill>
@@ -5157,7 +5374,7 @@
               <a:t>s</a:t>
             </a:r>
             <a:r>
-              <a:rPr dirty="0" sz="3500" spc="-85">
+              <a:rPr sz="3500" spc="-85" dirty="0">
                 <a:solidFill>
                   <a:srgbClr val="EFEFEF"/>
                 </a:solidFill>
@@ -5167,7 +5384,7 @@
               <a:t>t</a:t>
             </a:r>
             <a:r>
-              <a:rPr dirty="0" sz="3500" spc="70">
+              <a:rPr sz="3500" spc="70" dirty="0">
                 <a:solidFill>
                   <a:srgbClr val="EFEFEF"/>
                 </a:solidFill>
@@ -5177,7 +5394,7 @@
               <a:t>e</a:t>
             </a:r>
             <a:r>
-              <a:rPr dirty="0" sz="3500" spc="40">
+              <a:rPr sz="3500" spc="40" dirty="0">
                 <a:solidFill>
                   <a:srgbClr val="EFEFEF"/>
                 </a:solidFill>
@@ -5187,17 +5404,17 @@
               <a:t>s</a:t>
             </a:r>
             <a:r>
-              <a:rPr dirty="0" sz="3500" spc="-340">
-                <a:solidFill>
-                  <a:srgbClr val="EFEFEF"/>
-                </a:solidFill>
-                <a:latin typeface="Tahoma"/>
-                <a:cs typeface="Tahoma"/>
-              </a:rPr>
-              <a:t> </a:t>
-            </a:r>
-            <a:r>
-              <a:rPr dirty="0" sz="3500" spc="35">
+              <a:rPr sz="3500" spc="-340" dirty="0">
+                <a:solidFill>
+                  <a:srgbClr val="EFEFEF"/>
+                </a:solidFill>
+                <a:latin typeface="Tahoma"/>
+                <a:cs typeface="Tahoma"/>
+              </a:rPr>
+              <a:t> </a:t>
+            </a:r>
+            <a:r>
+              <a:rPr sz="3500" spc="35" dirty="0">
                 <a:solidFill>
                   <a:srgbClr val="EFEFEF"/>
                 </a:solidFill>
@@ -5207,7 +5424,7 @@
               <a:t>s</a:t>
             </a:r>
             <a:r>
-              <a:rPr dirty="0" sz="3500" spc="15">
+              <a:rPr sz="3500" spc="15" dirty="0">
                 <a:solidFill>
                   <a:srgbClr val="EFEFEF"/>
                 </a:solidFill>
@@ -5217,7 +5434,7 @@
               <a:t>ã</a:t>
             </a:r>
             <a:r>
-              <a:rPr dirty="0" sz="3500" spc="150">
+              <a:rPr sz="3500" spc="150" dirty="0">
                 <a:solidFill>
                   <a:srgbClr val="EFEFEF"/>
                 </a:solidFill>
@@ -5227,17 +5444,17 @@
               <a:t>o</a:t>
             </a:r>
             <a:r>
-              <a:rPr dirty="0" sz="3500" spc="-340">
-                <a:solidFill>
-                  <a:srgbClr val="EFEFEF"/>
-                </a:solidFill>
-                <a:latin typeface="Tahoma"/>
-                <a:cs typeface="Tahoma"/>
-              </a:rPr>
-              <a:t> </a:t>
-            </a:r>
-            <a:r>
-              <a:rPr dirty="0" sz="3500" spc="229">
+              <a:rPr sz="3500" spc="-340" dirty="0">
+                <a:solidFill>
+                  <a:srgbClr val="EFEFEF"/>
+                </a:solidFill>
+                <a:latin typeface="Tahoma"/>
+                <a:cs typeface="Tahoma"/>
+              </a:rPr>
+              <a:t> </a:t>
+            </a:r>
+            <a:r>
+              <a:rPr sz="3500" spc="229" dirty="0">
                 <a:solidFill>
                   <a:srgbClr val="EFEFEF"/>
                 </a:solidFill>
@@ -5247,7 +5464,7 @@
               <a:t>c</a:t>
             </a:r>
             <a:r>
-              <a:rPr dirty="0" sz="3500" spc="114">
+              <a:rPr sz="3500" spc="114" dirty="0">
                 <a:solidFill>
                   <a:srgbClr val="EFEFEF"/>
                 </a:solidFill>
@@ -5257,7 +5474,7 @@
               <a:t>h</a:t>
             </a:r>
             <a:r>
-              <a:rPr dirty="0" sz="3500" spc="15">
+              <a:rPr sz="3500" spc="15" dirty="0">
                 <a:solidFill>
                   <a:srgbClr val="EFEFEF"/>
                 </a:solidFill>
@@ -5267,7 +5484,7 @@
               <a:t>a</a:t>
             </a:r>
             <a:r>
-              <a:rPr dirty="0" sz="3500" spc="45">
+              <a:rPr sz="3500" spc="45" dirty="0">
                 <a:solidFill>
                   <a:srgbClr val="EFEFEF"/>
                 </a:solidFill>
@@ -5277,7 +5494,7 @@
               <a:t>m</a:t>
             </a:r>
             <a:r>
-              <a:rPr dirty="0" sz="3500" spc="15">
+              <a:rPr sz="3500" spc="15" dirty="0">
                 <a:solidFill>
                   <a:srgbClr val="EFEFEF"/>
                 </a:solidFill>
@@ -5287,7 +5504,7 @@
               <a:t>a</a:t>
             </a:r>
             <a:r>
-              <a:rPr dirty="0" sz="3500" spc="210">
+              <a:rPr sz="3500" spc="210" dirty="0">
                 <a:solidFill>
                   <a:srgbClr val="EFEFEF"/>
                 </a:solidFill>
@@ -5297,7 +5514,7 @@
               <a:t>d</a:t>
             </a:r>
             <a:r>
-              <a:rPr dirty="0" sz="3500" spc="145">
+              <a:rPr sz="3500" spc="145" dirty="0">
                 <a:solidFill>
                   <a:srgbClr val="EFEFEF"/>
                 </a:solidFill>
@@ -5307,7 +5524,7 @@
               <a:t>o</a:t>
             </a:r>
             <a:r>
-              <a:rPr dirty="0" sz="3500" spc="35">
+              <a:rPr sz="3500" spc="35" dirty="0">
                 <a:solidFill>
                   <a:srgbClr val="EFEFEF"/>
                 </a:solidFill>
@@ -5317,7 +5534,7 @@
               <a:t>s  </a:t>
             </a:r>
             <a:r>
-              <a:rPr dirty="0" sz="3500" spc="210">
+              <a:rPr sz="3500" spc="210" dirty="0">
                 <a:solidFill>
                   <a:srgbClr val="EFEFEF"/>
                 </a:solidFill>
@@ -5327,7 +5544,7 @@
               <a:t>d</a:t>
             </a:r>
             <a:r>
-              <a:rPr dirty="0" sz="3500" spc="75">
+              <a:rPr sz="3500" spc="75" dirty="0">
                 <a:solidFill>
                   <a:srgbClr val="EFEFEF"/>
                 </a:solidFill>
@@ -5337,17 +5554,17 @@
               <a:t>e</a:t>
             </a:r>
             <a:r>
-              <a:rPr dirty="0" sz="3500" spc="-340">
-                <a:solidFill>
-                  <a:srgbClr val="EFEFEF"/>
-                </a:solidFill>
-                <a:latin typeface="Tahoma"/>
-                <a:cs typeface="Tahoma"/>
-              </a:rPr>
-              <a:t> </a:t>
-            </a:r>
-            <a:r>
-              <a:rPr dirty="0" sz="3500" spc="45">
+              <a:rPr sz="3500" spc="-340" dirty="0">
+                <a:solidFill>
+                  <a:srgbClr val="EFEFEF"/>
+                </a:solidFill>
+                <a:latin typeface="Tahoma"/>
+                <a:cs typeface="Tahoma"/>
+              </a:rPr>
+              <a:t> </a:t>
+            </a:r>
+            <a:r>
+              <a:rPr sz="3500" spc="45" dirty="0">
                 <a:solidFill>
                   <a:srgbClr val="EFEFEF"/>
                 </a:solidFill>
@@ -5357,7 +5574,7 @@
               <a:t>“</a:t>
             </a:r>
             <a:r>
-              <a:rPr dirty="0" sz="3500" spc="95">
+              <a:rPr sz="3500" spc="95" dirty="0">
                 <a:solidFill>
                   <a:srgbClr val="EFEFEF"/>
                 </a:solidFill>
@@ -5367,7 +5584,7 @@
               <a:t>O</a:t>
             </a:r>
             <a:r>
-              <a:rPr dirty="0" sz="3500" spc="195">
+              <a:rPr sz="3500" spc="195" dirty="0">
                 <a:solidFill>
                   <a:srgbClr val="EFEFEF"/>
                 </a:solidFill>
@@ -5377,7 +5594,7 @@
               <a:t>b</a:t>
             </a:r>
             <a:r>
-              <a:rPr dirty="0" sz="3500" spc="35">
+              <a:rPr sz="3500" spc="35" dirty="0">
                 <a:solidFill>
                   <a:srgbClr val="EFEFEF"/>
                 </a:solidFill>
@@ -5387,7 +5604,7 @@
               <a:t>s</a:t>
             </a:r>
             <a:r>
-              <a:rPr dirty="0" sz="3500" spc="70">
+              <a:rPr sz="3500" spc="70" dirty="0">
                 <a:solidFill>
                   <a:srgbClr val="EFEFEF"/>
                 </a:solidFill>
@@ -5397,7 +5614,7 @@
               <a:t>e</a:t>
             </a:r>
             <a:r>
-              <a:rPr dirty="0" sz="3500" spc="-114">
+              <a:rPr sz="3500" spc="-114" dirty="0">
                 <a:solidFill>
                   <a:srgbClr val="EFEFEF"/>
                 </a:solidFill>
@@ -5407,7 +5624,7 @@
               <a:t>r</a:t>
             </a:r>
             <a:r>
-              <a:rPr dirty="0" sz="3500" spc="50">
+              <a:rPr sz="3500" spc="50" dirty="0">
                 <a:solidFill>
                   <a:srgbClr val="EFEFEF"/>
                 </a:solidFill>
@@ -5417,7 +5634,7 @@
               <a:t>v</a:t>
             </a:r>
             <a:r>
-              <a:rPr dirty="0" sz="3500" spc="70">
+              <a:rPr sz="3500" spc="70" dirty="0">
                 <a:solidFill>
                   <a:srgbClr val="EFEFEF"/>
                 </a:solidFill>
@@ -5427,7 +5644,7 @@
               <a:t>e</a:t>
             </a:r>
             <a:r>
-              <a:rPr dirty="0" sz="3500" spc="-114">
+              <a:rPr sz="3500" spc="-114" dirty="0">
                 <a:solidFill>
                   <a:srgbClr val="EFEFEF"/>
                 </a:solidFill>
@@ -5437,7 +5654,7 @@
               <a:t>r</a:t>
             </a:r>
             <a:r>
-              <a:rPr dirty="0" sz="3500" spc="35">
+              <a:rPr sz="3500" spc="35" dirty="0">
                 <a:solidFill>
                   <a:srgbClr val="EFEFEF"/>
                 </a:solidFill>
@@ -5447,7 +5664,7 @@
               <a:t>s</a:t>
             </a:r>
             <a:r>
-              <a:rPr dirty="0" sz="3500" spc="45">
+              <a:rPr sz="3500" spc="45" dirty="0">
                 <a:solidFill>
                   <a:srgbClr val="EFEFEF"/>
                 </a:solidFill>
@@ -5457,7 +5674,7 @@
               <a:t>”</a:t>
             </a:r>
             <a:r>
-              <a:rPr dirty="0" sz="3500" spc="-290">
+              <a:rPr sz="3500" spc="-290" dirty="0">
                 <a:solidFill>
                   <a:srgbClr val="EFEFEF"/>
                 </a:solidFill>
@@ -5495,7 +5712,7 @@
               </a:spcBef>
             </a:pPr>
             <a:r>
-              <a:rPr dirty="0" sz="3500" spc="100">
+              <a:rPr sz="3500" spc="100" dirty="0">
                 <a:solidFill>
                   <a:srgbClr val="EFEFEF"/>
                 </a:solidFill>
@@ -5505,17 +5722,17 @@
               <a:t>O</a:t>
             </a:r>
             <a:r>
-              <a:rPr dirty="0" sz="3500" spc="-340">
-                <a:solidFill>
-                  <a:srgbClr val="EFEFEF"/>
-                </a:solidFill>
-                <a:latin typeface="Tahoma"/>
-                <a:cs typeface="Tahoma"/>
-              </a:rPr>
-              <a:t> </a:t>
-            </a:r>
-            <a:r>
-              <a:rPr dirty="0" sz="3500" spc="45">
+              <a:rPr sz="3500" spc="-340" dirty="0">
+                <a:solidFill>
+                  <a:srgbClr val="EFEFEF"/>
+                </a:solidFill>
+                <a:latin typeface="Tahoma"/>
+                <a:cs typeface="Tahoma"/>
+              </a:rPr>
+              <a:t> </a:t>
+            </a:r>
+            <a:r>
+              <a:rPr sz="3500" spc="45" dirty="0">
                 <a:solidFill>
                   <a:srgbClr val="EFEFEF"/>
                 </a:solidFill>
@@ -5525,7 +5742,7 @@
               <a:t>“</a:t>
             </a:r>
             <a:r>
-              <a:rPr dirty="0" sz="3500" spc="90">
+              <a:rPr sz="3500" spc="90" dirty="0">
                 <a:solidFill>
                   <a:srgbClr val="EFEFEF"/>
                 </a:solidFill>
@@ -5535,7 +5752,7 @@
               <a:t>S</a:t>
             </a:r>
             <a:r>
-              <a:rPr dirty="0" sz="3500" spc="114">
+              <a:rPr sz="3500" spc="114" dirty="0">
                 <a:solidFill>
                   <a:srgbClr val="EFEFEF"/>
                 </a:solidFill>
@@ -5545,7 +5762,7 @@
               <a:t>u</a:t>
             </a:r>
             <a:r>
-              <a:rPr dirty="0" sz="3500" spc="195">
+              <a:rPr sz="3500" spc="195" dirty="0">
                 <a:solidFill>
                   <a:srgbClr val="EFEFEF"/>
                 </a:solidFill>
@@ -5555,7 +5772,7 @@
               <a:t>b</a:t>
             </a:r>
             <a:r>
-              <a:rPr dirty="0" sz="3500" spc="-180">
+              <a:rPr sz="3500" spc="-180" dirty="0">
                 <a:solidFill>
                   <a:srgbClr val="EFEFEF"/>
                 </a:solidFill>
@@ -5565,7 +5782,7 @@
               <a:t>j</a:t>
             </a:r>
             <a:r>
-              <a:rPr dirty="0" sz="3500" spc="70">
+              <a:rPr sz="3500" spc="70" dirty="0">
                 <a:solidFill>
                   <a:srgbClr val="EFEFEF"/>
                 </a:solidFill>
@@ -5575,7 +5792,7 @@
               <a:t>e</a:t>
             </a:r>
             <a:r>
-              <a:rPr dirty="0" sz="3500" spc="229">
+              <a:rPr sz="3500" spc="229" dirty="0">
                 <a:solidFill>
                   <a:srgbClr val="EFEFEF"/>
                 </a:solidFill>
@@ -5585,7 +5802,7 @@
               <a:t>c</a:t>
             </a:r>
             <a:r>
-              <a:rPr dirty="0" sz="3500" spc="-85">
+              <a:rPr sz="3500" spc="-85" dirty="0">
                 <a:solidFill>
                   <a:srgbClr val="EFEFEF"/>
                 </a:solidFill>
@@ -5595,7 +5812,7 @@
               <a:t>t</a:t>
             </a:r>
             <a:r>
-              <a:rPr dirty="0" sz="3500" spc="50">
+              <a:rPr sz="3500" spc="50" dirty="0">
                 <a:solidFill>
                   <a:srgbClr val="EFEFEF"/>
                 </a:solidFill>
@@ -5605,17 +5822,17 @@
               <a:t>”</a:t>
             </a:r>
             <a:r>
-              <a:rPr dirty="0" sz="3500" spc="-340">
-                <a:solidFill>
-                  <a:srgbClr val="EFEFEF"/>
-                </a:solidFill>
-                <a:latin typeface="Tahoma"/>
-                <a:cs typeface="Tahoma"/>
-              </a:rPr>
-              <a:t> </a:t>
-            </a:r>
-            <a:r>
-              <a:rPr dirty="0" sz="3500" spc="114">
+              <a:rPr sz="3500" spc="-340" dirty="0">
+                <a:solidFill>
+                  <a:srgbClr val="EFEFEF"/>
+                </a:solidFill>
+                <a:latin typeface="Tahoma"/>
+                <a:cs typeface="Tahoma"/>
+              </a:rPr>
+              <a:t> </a:t>
+            </a:r>
+            <a:r>
+              <a:rPr sz="3500" spc="114" dirty="0">
                 <a:solidFill>
                   <a:srgbClr val="EFEFEF"/>
                 </a:solidFill>
@@ -5625,7 +5842,7 @@
               <a:t>n</a:t>
             </a:r>
             <a:r>
-              <a:rPr dirty="0" sz="3500" spc="145">
+              <a:rPr sz="3500" spc="145" dirty="0">
                 <a:solidFill>
                   <a:srgbClr val="EFEFEF"/>
                 </a:solidFill>
@@ -5635,7 +5852,7 @@
               <a:t>o</a:t>
             </a:r>
             <a:r>
-              <a:rPr dirty="0" sz="3500" spc="-85">
+              <a:rPr sz="3500" spc="-85" dirty="0">
                 <a:solidFill>
                   <a:srgbClr val="EFEFEF"/>
                 </a:solidFill>
@@ -5645,7 +5862,7 @@
               <a:t>t</a:t>
             </a:r>
             <a:r>
-              <a:rPr dirty="0" sz="3500" spc="25">
+              <a:rPr sz="3500" spc="25" dirty="0">
                 <a:solidFill>
                   <a:srgbClr val="EFEFEF"/>
                 </a:solidFill>
@@ -5655,7 +5872,7 @@
               <a:t>i</a:t>
             </a:r>
             <a:r>
-              <a:rPr dirty="0" sz="3500" spc="-105">
+              <a:rPr sz="3500" spc="-105" dirty="0">
                 <a:solidFill>
                   <a:srgbClr val="EFEFEF"/>
                 </a:solidFill>
@@ -5665,7 +5882,7 @@
               <a:t>f</a:t>
             </a:r>
             <a:r>
-              <a:rPr dirty="0" sz="3500" spc="25">
+              <a:rPr sz="3500" spc="25" dirty="0">
                 <a:solidFill>
                   <a:srgbClr val="EFEFEF"/>
                 </a:solidFill>
@@ -5675,7 +5892,7 @@
               <a:t>i</a:t>
             </a:r>
             <a:r>
-              <a:rPr dirty="0" sz="3500" spc="229">
+              <a:rPr sz="3500" spc="229" dirty="0">
                 <a:solidFill>
                   <a:srgbClr val="EFEFEF"/>
                 </a:solidFill>
@@ -5685,7 +5902,7 @@
               <a:t>c</a:t>
             </a:r>
             <a:r>
-              <a:rPr dirty="0" sz="3500" spc="20">
+              <a:rPr sz="3500" spc="20" dirty="0">
                 <a:solidFill>
                   <a:srgbClr val="EFEFEF"/>
                 </a:solidFill>
@@ -5695,17 +5912,17 @@
               <a:t>a</a:t>
             </a:r>
             <a:r>
-              <a:rPr dirty="0" sz="3500" spc="-340">
-                <a:solidFill>
-                  <a:srgbClr val="EFEFEF"/>
-                </a:solidFill>
-                <a:latin typeface="Tahoma"/>
-                <a:cs typeface="Tahoma"/>
-              </a:rPr>
-              <a:t> </a:t>
-            </a:r>
-            <a:r>
-              <a:rPr dirty="0" sz="3500" spc="35">
+              <a:rPr sz="3500" spc="-340" dirty="0">
+                <a:solidFill>
+                  <a:srgbClr val="EFEFEF"/>
+                </a:solidFill>
+                <a:latin typeface="Tahoma"/>
+                <a:cs typeface="Tahoma"/>
+              </a:rPr>
+              <a:t> </a:t>
+            </a:r>
+            <a:r>
+              <a:rPr sz="3500" spc="35" dirty="0">
                 <a:solidFill>
                   <a:srgbClr val="EFEFEF"/>
                 </a:solidFill>
@@ -5715,7 +5932,7 @@
               <a:t>s</a:t>
             </a:r>
             <a:r>
-              <a:rPr dirty="0" sz="3500" spc="70">
+              <a:rPr sz="3500" spc="70" dirty="0">
                 <a:solidFill>
                   <a:srgbClr val="EFEFEF"/>
                 </a:solidFill>
@@ -5725,7 +5942,7 @@
               <a:t>e</a:t>
             </a:r>
             <a:r>
-              <a:rPr dirty="0" sz="3500" spc="114">
+              <a:rPr sz="3500" spc="114" dirty="0">
                 <a:solidFill>
                   <a:srgbClr val="EFEFEF"/>
                 </a:solidFill>
@@ -5735,7 +5952,7 @@
               <a:t>u</a:t>
             </a:r>
             <a:r>
-              <a:rPr dirty="0" sz="3500" spc="40">
+              <a:rPr sz="3500" spc="40" dirty="0">
                 <a:solidFill>
                   <a:srgbClr val="EFEFEF"/>
                 </a:solidFill>
@@ -5745,17 +5962,17 @@
               <a:t>s</a:t>
             </a:r>
             <a:r>
-              <a:rPr dirty="0" sz="3500" spc="-340">
-                <a:solidFill>
-                  <a:srgbClr val="EFEFEF"/>
-                </a:solidFill>
-                <a:latin typeface="Tahoma"/>
-                <a:cs typeface="Tahoma"/>
-              </a:rPr>
-              <a:t> </a:t>
-            </a:r>
-            <a:r>
-              <a:rPr dirty="0" sz="3500" spc="210">
+              <a:rPr sz="3500" spc="-340" dirty="0">
+                <a:solidFill>
+                  <a:srgbClr val="EFEFEF"/>
+                </a:solidFill>
+                <a:latin typeface="Tahoma"/>
+                <a:cs typeface="Tahoma"/>
+              </a:rPr>
+              <a:t> </a:t>
+            </a:r>
+            <a:r>
+              <a:rPr sz="3500" spc="210" dirty="0">
                 <a:solidFill>
                   <a:srgbClr val="EFEFEF"/>
                 </a:solidFill>
@@ -5765,7 +5982,7 @@
               <a:t>d</a:t>
             </a:r>
             <a:r>
-              <a:rPr dirty="0" sz="3500" spc="70">
+              <a:rPr sz="3500" spc="70" dirty="0">
                 <a:solidFill>
                   <a:srgbClr val="EFEFEF"/>
                 </a:solidFill>
@@ -5775,7 +5992,7 @@
               <a:t>e</a:t>
             </a:r>
             <a:r>
-              <a:rPr dirty="0" sz="3500" spc="195">
+              <a:rPr sz="3500" spc="195" dirty="0">
                 <a:solidFill>
                   <a:srgbClr val="EFEFEF"/>
                 </a:solidFill>
@@ -5785,7 +6002,7 @@
               <a:t>p</a:t>
             </a:r>
             <a:r>
-              <a:rPr dirty="0" sz="3500" spc="70">
+              <a:rPr sz="3500" spc="70" dirty="0">
                 <a:solidFill>
                   <a:srgbClr val="EFEFEF"/>
                 </a:solidFill>
@@ -5795,7 +6012,7 @@
               <a:t>e</a:t>
             </a:r>
             <a:r>
-              <a:rPr dirty="0" sz="3500" spc="114">
+              <a:rPr sz="3500" spc="114" dirty="0">
                 <a:solidFill>
                   <a:srgbClr val="EFEFEF"/>
                 </a:solidFill>
@@ -5805,7 +6022,7 @@
               <a:t>n</a:t>
             </a:r>
             <a:r>
-              <a:rPr dirty="0" sz="3500" spc="210">
+              <a:rPr sz="3500" spc="210" dirty="0">
                 <a:solidFill>
                   <a:srgbClr val="EFEFEF"/>
                 </a:solidFill>
@@ -5815,7 +6032,7 @@
               <a:t>d</a:t>
             </a:r>
             <a:r>
-              <a:rPr dirty="0" sz="3500" spc="70">
+              <a:rPr sz="3500" spc="70" dirty="0">
                 <a:solidFill>
                   <a:srgbClr val="EFEFEF"/>
                 </a:solidFill>
@@ -5825,7 +6042,7 @@
               <a:t>e</a:t>
             </a:r>
             <a:r>
-              <a:rPr dirty="0" sz="3500" spc="114">
+              <a:rPr sz="3500" spc="114" dirty="0">
                 <a:solidFill>
                   <a:srgbClr val="EFEFEF"/>
                 </a:solidFill>
@@ -5835,7 +6052,7 @@
               <a:t>n</a:t>
             </a:r>
             <a:r>
-              <a:rPr dirty="0" sz="3500" spc="-85">
+              <a:rPr sz="3500" spc="-85" dirty="0">
                 <a:solidFill>
                   <a:srgbClr val="EFEFEF"/>
                 </a:solidFill>
@@ -5845,7 +6062,7 @@
               <a:t>t</a:t>
             </a:r>
             <a:r>
-              <a:rPr dirty="0" sz="3500" spc="70">
+              <a:rPr sz="3500" spc="70" dirty="0">
                 <a:solidFill>
                   <a:srgbClr val="EFEFEF"/>
                 </a:solidFill>
@@ -5855,7 +6072,7 @@
               <a:t>e</a:t>
             </a:r>
             <a:r>
-              <a:rPr dirty="0" sz="3500" spc="35">
+              <a:rPr sz="3500" spc="35" dirty="0">
                 <a:solidFill>
                   <a:srgbClr val="EFEFEF"/>
                 </a:solidFill>
@@ -5865,7 +6082,7 @@
               <a:t>s  </a:t>
             </a:r>
             <a:r>
-              <a:rPr dirty="0" sz="3500" spc="114">
+              <a:rPr sz="3500" spc="114" dirty="0">
                 <a:solidFill>
                   <a:srgbClr val="EFEFEF"/>
                 </a:solidFill>
@@ -5875,7 +6092,7 @@
               <a:t>n</a:t>
             </a:r>
             <a:r>
-              <a:rPr dirty="0" sz="3500" spc="145">
+              <a:rPr sz="3500" spc="145" dirty="0">
                 <a:solidFill>
                   <a:srgbClr val="EFEFEF"/>
                 </a:solidFill>
@@ -5885,7 +6102,7 @@
               <a:t>o</a:t>
             </a:r>
             <a:r>
-              <a:rPr dirty="0" sz="3500" spc="-114">
+              <a:rPr sz="3500" spc="-114" dirty="0">
                 <a:solidFill>
                   <a:srgbClr val="EFEFEF"/>
                 </a:solidFill>
@@ -5895,7 +6112,7 @@
               <a:t>r</a:t>
             </a:r>
             <a:r>
-              <a:rPr dirty="0" sz="3500" spc="45">
+              <a:rPr sz="3500" spc="45" dirty="0">
                 <a:solidFill>
                   <a:srgbClr val="EFEFEF"/>
                 </a:solidFill>
@@ -5905,7 +6122,7 @@
               <a:t>m</a:t>
             </a:r>
             <a:r>
-              <a:rPr dirty="0" sz="3500" spc="15">
+              <a:rPr sz="3500" spc="15" dirty="0">
                 <a:solidFill>
                   <a:srgbClr val="EFEFEF"/>
                 </a:solidFill>
@@ -5915,7 +6132,7 @@
               <a:t>a</a:t>
             </a:r>
             <a:r>
-              <a:rPr dirty="0" sz="3500" spc="55">
+              <a:rPr sz="3500" spc="55" dirty="0">
                 <a:solidFill>
                   <a:srgbClr val="EFEFEF"/>
                 </a:solidFill>
@@ -5925,7 +6142,7 @@
               <a:t>l</a:t>
             </a:r>
             <a:r>
-              <a:rPr dirty="0" sz="3500" spc="45">
+              <a:rPr sz="3500" spc="45" dirty="0">
                 <a:solidFill>
                   <a:srgbClr val="EFEFEF"/>
                 </a:solidFill>
@@ -5935,7 +6152,7 @@
               <a:t>m</a:t>
             </a:r>
             <a:r>
-              <a:rPr dirty="0" sz="3500" spc="70">
+              <a:rPr sz="3500" spc="70" dirty="0">
                 <a:solidFill>
                   <a:srgbClr val="EFEFEF"/>
                 </a:solidFill>
@@ -5945,7 +6162,7 @@
               <a:t>e</a:t>
             </a:r>
             <a:r>
-              <a:rPr dirty="0" sz="3500" spc="114">
+              <a:rPr sz="3500" spc="114" dirty="0">
                 <a:solidFill>
                   <a:srgbClr val="EFEFEF"/>
                 </a:solidFill>
@@ -5955,7 +6172,7 @@
               <a:t>n</a:t>
             </a:r>
             <a:r>
-              <a:rPr dirty="0" sz="3500" spc="-85">
+              <a:rPr sz="3500" spc="-85" dirty="0">
                 <a:solidFill>
                   <a:srgbClr val="EFEFEF"/>
                 </a:solidFill>
@@ -5965,7 +6182,7 @@
               <a:t>t</a:t>
             </a:r>
             <a:r>
-              <a:rPr dirty="0" sz="3500" spc="75">
+              <a:rPr sz="3500" spc="75" dirty="0">
                 <a:solidFill>
                   <a:srgbClr val="EFEFEF"/>
                 </a:solidFill>
@@ -5975,17 +6192,17 @@
               <a:t>e</a:t>
             </a:r>
             <a:r>
-              <a:rPr dirty="0" sz="3500" spc="-340">
-                <a:solidFill>
-                  <a:srgbClr val="EFEFEF"/>
-                </a:solidFill>
-                <a:latin typeface="Tahoma"/>
-                <a:cs typeface="Tahoma"/>
-              </a:rPr>
-              <a:t> </a:t>
-            </a:r>
-            <a:r>
-              <a:rPr dirty="0" sz="3500" spc="229">
+              <a:rPr sz="3500" spc="-340" dirty="0">
+                <a:solidFill>
+                  <a:srgbClr val="EFEFEF"/>
+                </a:solidFill>
+                <a:latin typeface="Tahoma"/>
+                <a:cs typeface="Tahoma"/>
+              </a:rPr>
+              <a:t> </a:t>
+            </a:r>
+            <a:r>
+              <a:rPr sz="3500" spc="229" dirty="0">
                 <a:solidFill>
                   <a:srgbClr val="EFEFEF"/>
                 </a:solidFill>
@@ -5995,7 +6212,7 @@
               <a:t>c</a:t>
             </a:r>
             <a:r>
-              <a:rPr dirty="0" sz="3500" spc="114">
+              <a:rPr sz="3500" spc="114" dirty="0">
                 <a:solidFill>
                   <a:srgbClr val="EFEFEF"/>
                 </a:solidFill>
@@ -6005,7 +6222,7 @@
               <a:t>h</a:t>
             </a:r>
             <a:r>
-              <a:rPr dirty="0" sz="3500" spc="15">
+              <a:rPr sz="3500" spc="15" dirty="0">
                 <a:solidFill>
                   <a:srgbClr val="EFEFEF"/>
                 </a:solidFill>
@@ -6015,7 +6232,7 @@
               <a:t>a</a:t>
             </a:r>
             <a:r>
-              <a:rPr dirty="0" sz="3500" spc="45">
+              <a:rPr sz="3500" spc="45" dirty="0">
                 <a:solidFill>
                   <a:srgbClr val="EFEFEF"/>
                 </a:solidFill>
@@ -6025,7 +6242,7 @@
               <a:t>m</a:t>
             </a:r>
             <a:r>
-              <a:rPr dirty="0" sz="3500" spc="15">
+              <a:rPr sz="3500" spc="15" dirty="0">
                 <a:solidFill>
                   <a:srgbClr val="EFEFEF"/>
                 </a:solidFill>
@@ -6035,7 +6252,7 @@
               <a:t>a</a:t>
             </a:r>
             <a:r>
-              <a:rPr dirty="0" sz="3500" spc="114">
+              <a:rPr sz="3500" spc="114" dirty="0">
                 <a:solidFill>
                   <a:srgbClr val="EFEFEF"/>
                 </a:solidFill>
@@ -6045,7 +6262,7 @@
               <a:t>n</a:t>
             </a:r>
             <a:r>
-              <a:rPr dirty="0" sz="3500" spc="210">
+              <a:rPr sz="3500" spc="210" dirty="0">
                 <a:solidFill>
                   <a:srgbClr val="EFEFEF"/>
                 </a:solidFill>
@@ -6055,7 +6272,7 @@
               <a:t>d</a:t>
             </a:r>
             <a:r>
-              <a:rPr dirty="0" sz="3500" spc="150">
+              <a:rPr sz="3500" spc="150" dirty="0">
                 <a:solidFill>
                   <a:srgbClr val="EFEFEF"/>
                 </a:solidFill>
@@ -6065,17 +6282,17 @@
               <a:t>o</a:t>
             </a:r>
             <a:r>
-              <a:rPr dirty="0" sz="3500" spc="-340">
-                <a:solidFill>
-                  <a:srgbClr val="EFEFEF"/>
-                </a:solidFill>
-                <a:latin typeface="Tahoma"/>
-                <a:cs typeface="Tahoma"/>
-              </a:rPr>
-              <a:t> </a:t>
-            </a:r>
-            <a:r>
-              <a:rPr dirty="0" sz="3500" spc="114">
+              <a:rPr sz="3500" spc="-340" dirty="0">
+                <a:solidFill>
+                  <a:srgbClr val="EFEFEF"/>
+                </a:solidFill>
+                <a:latin typeface="Tahoma"/>
+                <a:cs typeface="Tahoma"/>
+              </a:rPr>
+              <a:t> </a:t>
+            </a:r>
+            <a:r>
+              <a:rPr sz="3500" spc="114" dirty="0">
                 <a:solidFill>
                   <a:srgbClr val="EFEFEF"/>
                 </a:solidFill>
@@ -6085,7 +6302,7 @@
               <a:t>u</a:t>
             </a:r>
             <a:r>
-              <a:rPr dirty="0" sz="3500" spc="50">
+              <a:rPr sz="3500" spc="50" dirty="0">
                 <a:solidFill>
                   <a:srgbClr val="EFEFEF"/>
                 </a:solidFill>
@@ -6095,17 +6312,17 @@
               <a:t>m</a:t>
             </a:r>
             <a:r>
-              <a:rPr dirty="0" sz="3500" spc="-340">
-                <a:solidFill>
-                  <a:srgbClr val="EFEFEF"/>
-                </a:solidFill>
-                <a:latin typeface="Tahoma"/>
-                <a:cs typeface="Tahoma"/>
-              </a:rPr>
-              <a:t> </a:t>
-            </a:r>
-            <a:r>
-              <a:rPr dirty="0" sz="3500" spc="210">
+              <a:rPr sz="3500" spc="-340" dirty="0">
+                <a:solidFill>
+                  <a:srgbClr val="EFEFEF"/>
+                </a:solidFill>
+                <a:latin typeface="Tahoma"/>
+                <a:cs typeface="Tahoma"/>
+              </a:rPr>
+              <a:t> </a:t>
+            </a:r>
+            <a:r>
+              <a:rPr sz="3500" spc="210" dirty="0">
                 <a:solidFill>
                   <a:srgbClr val="EFEFEF"/>
                 </a:solidFill>
@@ -6115,7 +6332,7 @@
               <a:t>d</a:t>
             </a:r>
             <a:r>
-              <a:rPr dirty="0" sz="3500" spc="75">
+              <a:rPr sz="3500" spc="75" dirty="0">
                 <a:solidFill>
                   <a:srgbClr val="EFEFEF"/>
                 </a:solidFill>
@@ -6125,17 +6342,17 @@
               <a:t>e</a:t>
             </a:r>
             <a:r>
-              <a:rPr dirty="0" sz="3500" spc="-340">
-                <a:solidFill>
-                  <a:srgbClr val="EFEFEF"/>
-                </a:solidFill>
-                <a:latin typeface="Tahoma"/>
-                <a:cs typeface="Tahoma"/>
-              </a:rPr>
-              <a:t> </a:t>
-            </a:r>
-            <a:r>
-              <a:rPr dirty="0" sz="3500" spc="35">
+              <a:rPr sz="3500" spc="-340" dirty="0">
+                <a:solidFill>
+                  <a:srgbClr val="EFEFEF"/>
+                </a:solidFill>
+                <a:latin typeface="Tahoma"/>
+                <a:cs typeface="Tahoma"/>
+              </a:rPr>
+              <a:t> </a:t>
+            </a:r>
+            <a:r>
+              <a:rPr sz="3500" spc="35" dirty="0">
                 <a:solidFill>
                   <a:srgbClr val="EFEFEF"/>
                 </a:solidFill>
@@ -6145,7 +6362,7 @@
               <a:t>s</a:t>
             </a:r>
             <a:r>
-              <a:rPr dirty="0" sz="3500" spc="70">
+              <a:rPr sz="3500" spc="70" dirty="0">
                 <a:solidFill>
                   <a:srgbClr val="EFEFEF"/>
                 </a:solidFill>
@@ -6155,7 +6372,7 @@
               <a:t>e</a:t>
             </a:r>
             <a:r>
-              <a:rPr dirty="0" sz="3500" spc="114">
+              <a:rPr sz="3500" spc="114" dirty="0">
                 <a:solidFill>
                   <a:srgbClr val="EFEFEF"/>
                 </a:solidFill>
@@ -6165,7 +6382,7 @@
               <a:t>u</a:t>
             </a:r>
             <a:r>
-              <a:rPr dirty="0" sz="3500" spc="35">
+              <a:rPr sz="3500" spc="35" dirty="0">
                 <a:solidFill>
                   <a:srgbClr val="EFEFEF"/>
                 </a:solidFill>
@@ -6175,7 +6392,7 @@
               <a:t>s</a:t>
             </a:r>
             <a:r>
-              <a:rPr dirty="0" sz="3500" spc="45">
+              <a:rPr sz="3500" spc="45" dirty="0">
                 <a:solidFill>
                   <a:srgbClr val="EFEFEF"/>
                 </a:solidFill>
@@ -6185,7 +6402,7 @@
               <a:t>m</a:t>
             </a:r>
             <a:r>
-              <a:rPr dirty="0" sz="3500" spc="70">
+              <a:rPr sz="3500" spc="70" dirty="0">
                 <a:solidFill>
                   <a:srgbClr val="EFEFEF"/>
                 </a:solidFill>
@@ -6195,7 +6412,7 @@
               <a:t>é</a:t>
             </a:r>
             <a:r>
-              <a:rPr dirty="0" sz="3500" spc="-85">
+              <a:rPr sz="3500" spc="-85" dirty="0">
                 <a:solidFill>
                   <a:srgbClr val="EFEFEF"/>
                 </a:solidFill>
@@ -6205,7 +6422,7 @@
               <a:t>t</a:t>
             </a:r>
             <a:r>
-              <a:rPr dirty="0" sz="3500" spc="145">
+              <a:rPr sz="3500" spc="145" dirty="0">
                 <a:solidFill>
                   <a:srgbClr val="EFEFEF"/>
                 </a:solidFill>
@@ -6215,7 +6432,7 @@
               <a:t>o</a:t>
             </a:r>
             <a:r>
-              <a:rPr dirty="0" sz="3500" spc="210">
+              <a:rPr sz="3500" spc="210" dirty="0">
                 <a:solidFill>
                   <a:srgbClr val="EFEFEF"/>
                 </a:solidFill>
@@ -6225,7 +6442,7 @@
               <a:t>d</a:t>
             </a:r>
             <a:r>
-              <a:rPr dirty="0" sz="3500" spc="145">
+              <a:rPr sz="3500" spc="145" dirty="0">
                 <a:solidFill>
                   <a:srgbClr val="EFEFEF"/>
                 </a:solidFill>
@@ -6235,7 +6452,7 @@
               <a:t>o</a:t>
             </a:r>
             <a:r>
-              <a:rPr dirty="0" sz="3500" spc="35">
+              <a:rPr sz="3500" spc="35" dirty="0">
                 <a:solidFill>
                   <a:srgbClr val="EFEFEF"/>
                 </a:solidFill>
@@ -6245,7 +6462,7 @@
               <a:t>s</a:t>
             </a:r>
             <a:r>
-              <a:rPr dirty="0" sz="3500" spc="-290">
+              <a:rPr sz="3500" spc="-290" dirty="0">
                 <a:solidFill>
                   <a:srgbClr val="EFEFEF"/>
                 </a:solidFill>
@@ -6276,10 +6493,12 @@
             <a:off x="6844417" y="1017537"/>
             <a:ext cx="4499610" cy="1186180"/>
           </a:xfrm>
-          <a:prstGeom prst="rect"/>
+          <a:prstGeom prst="rect">
+            <a:avLst/>
+          </a:prstGeom>
         </p:spPr>
         <p:txBody>
-          <a:bodyPr wrap="square" lIns="0" tIns="14604" rIns="0" bIns="0" rtlCol="0" vert="horz">
+          <a:bodyPr vert="horz" wrap="square" lIns="0" tIns="14604" rIns="0" bIns="0" rtlCol="0">
             <a:spAutoFit/>
           </a:bodyPr>
           <a:lstStyle/>
@@ -6293,7 +6512,7 @@
               </a:spcBef>
             </a:pPr>
             <a:r>
-              <a:rPr dirty="0" sz="7600" spc="-80">
+              <a:rPr sz="7600" spc="-80" dirty="0">
                 <a:solidFill>
                   <a:srgbClr val="EFEFEF"/>
                 </a:solidFill>
@@ -6360,7 +6579,9 @@
           <p:txBody>
             <a:bodyPr wrap="square" lIns="0" tIns="0" rIns="0" bIns="0" rtlCol="0"/>
             <a:lstStyle/>
-            <a:p/>
+            <a:p>
+              <a:endParaRPr/>
+            </a:p>
           </p:txBody>
         </p:sp>
         <p:sp>
@@ -6477,7 +6698,9 @@
           <p:txBody>
             <a:bodyPr wrap="square" lIns="0" tIns="0" rIns="0" bIns="0" rtlCol="0"/>
             <a:lstStyle/>
-            <a:p/>
+            <a:p>
+              <a:endParaRPr/>
+            </a:p>
           </p:txBody>
         </p:sp>
       </p:grpSp>
@@ -6544,7 +6767,7 @@
           </a:prstGeom>
         </p:spPr>
         <p:txBody>
-          <a:bodyPr wrap="square" lIns="0" tIns="11430" rIns="0" bIns="0" rtlCol="0" vert="horz">
+          <a:bodyPr vert="horz" wrap="square" lIns="0" tIns="11430" rIns="0" bIns="0" rtlCol="0">
             <a:spAutoFit/>
           </a:bodyPr>
           <a:lstStyle/>
@@ -6558,7 +6781,7 @@
               </a:spcBef>
             </a:pPr>
             <a:r>
-              <a:rPr dirty="0" sz="3000" spc="70">
+              <a:rPr sz="3000" spc="70" dirty="0">
                 <a:solidFill>
                   <a:srgbClr val="EFEFEF"/>
                 </a:solidFill>
@@ -6568,17 +6791,17 @@
               <a:t>Subject</a:t>
             </a:r>
             <a:r>
-              <a:rPr dirty="0" sz="3000" spc="-280">
-                <a:solidFill>
-                  <a:srgbClr val="EFEFEF"/>
-                </a:solidFill>
-                <a:latin typeface="Tahoma"/>
-                <a:cs typeface="Tahoma"/>
-              </a:rPr>
-              <a:t> </a:t>
-            </a:r>
-            <a:r>
-              <a:rPr dirty="0" sz="3000" spc="85">
+              <a:rPr sz="3000" spc="-280" dirty="0">
+                <a:solidFill>
+                  <a:srgbClr val="EFEFEF"/>
+                </a:solidFill>
+                <a:latin typeface="Tahoma"/>
+                <a:cs typeface="Tahoma"/>
+              </a:rPr>
+              <a:t> </a:t>
+            </a:r>
+            <a:r>
+              <a:rPr sz="3000" spc="85" dirty="0">
                 <a:solidFill>
                   <a:srgbClr val="EFEFEF"/>
                 </a:solidFill>
@@ -6588,17 +6811,17 @@
               <a:t>é</a:t>
             </a:r>
             <a:r>
-              <a:rPr dirty="0" sz="3000" spc="-275">
-                <a:solidFill>
-                  <a:srgbClr val="EFEFEF"/>
-                </a:solidFill>
-                <a:latin typeface="Tahoma"/>
-                <a:cs typeface="Tahoma"/>
-              </a:rPr>
-              <a:t> </a:t>
-            </a:r>
-            <a:r>
-              <a:rPr dirty="0" sz="3000" spc="150">
+              <a:rPr sz="3000" spc="-275" dirty="0">
+                <a:solidFill>
+                  <a:srgbClr val="EFEFEF"/>
+                </a:solidFill>
+                <a:latin typeface="Tahoma"/>
+                <a:cs typeface="Tahoma"/>
+              </a:rPr>
+              <a:t> </a:t>
+            </a:r>
+            <a:r>
+              <a:rPr sz="3000" spc="150" dirty="0">
                 <a:solidFill>
                   <a:srgbClr val="EFEFEF"/>
                 </a:solidFill>
@@ -6608,17 +6831,17 @@
               <a:t>o</a:t>
             </a:r>
             <a:r>
-              <a:rPr dirty="0" sz="3000" spc="-280">
-                <a:solidFill>
-                  <a:srgbClr val="EFEFEF"/>
-                </a:solidFill>
-                <a:latin typeface="Tahoma"/>
-                <a:cs typeface="Tahoma"/>
-              </a:rPr>
-              <a:t> </a:t>
-            </a:r>
-            <a:r>
-              <a:rPr dirty="0" sz="3000" spc="60">
+              <a:rPr sz="3000" spc="-280" dirty="0">
+                <a:solidFill>
+                  <a:srgbClr val="EFEFEF"/>
+                </a:solidFill>
+                <a:latin typeface="Tahoma"/>
+                <a:cs typeface="Tahoma"/>
+              </a:rPr>
+              <a:t> </a:t>
+            </a:r>
+            <a:r>
+              <a:rPr sz="3000" spc="60" dirty="0">
                 <a:solidFill>
                   <a:srgbClr val="EFEFEF"/>
                 </a:solidFill>
@@ -6628,17 +6851,17 @@
               <a:t>objeto</a:t>
             </a:r>
             <a:r>
-              <a:rPr dirty="0" sz="3000" spc="-275">
-                <a:solidFill>
-                  <a:srgbClr val="EFEFEF"/>
-                </a:solidFill>
-                <a:latin typeface="Tahoma"/>
-                <a:cs typeface="Tahoma"/>
-              </a:rPr>
-              <a:t> </a:t>
-            </a:r>
-            <a:r>
-              <a:rPr dirty="0" sz="3000" spc="55">
+              <a:rPr sz="3000" spc="-275" dirty="0">
+                <a:solidFill>
+                  <a:srgbClr val="EFEFEF"/>
+                </a:solidFill>
+                <a:latin typeface="Tahoma"/>
+                <a:cs typeface="Tahoma"/>
+              </a:rPr>
+              <a:t> </a:t>
+            </a:r>
+            <a:r>
+              <a:rPr sz="3000" spc="55" dirty="0">
                 <a:solidFill>
                   <a:srgbClr val="EFEFEF"/>
                 </a:solidFill>
@@ -6648,17 +6871,17 @@
               <a:t>observado,</a:t>
             </a:r>
             <a:r>
-              <a:rPr dirty="0" sz="3000" spc="-275">
-                <a:solidFill>
-                  <a:srgbClr val="EFEFEF"/>
-                </a:solidFill>
-                <a:latin typeface="Tahoma"/>
-                <a:cs typeface="Tahoma"/>
-              </a:rPr>
-              <a:t> </a:t>
-            </a:r>
-            <a:r>
-              <a:rPr dirty="0" sz="3000" spc="85">
+              <a:rPr sz="3000" spc="-275" dirty="0">
+                <a:solidFill>
+                  <a:srgbClr val="EFEFEF"/>
+                </a:solidFill>
+                <a:latin typeface="Tahoma"/>
+                <a:cs typeface="Tahoma"/>
+              </a:rPr>
+              <a:t> </a:t>
+            </a:r>
+            <a:r>
+              <a:rPr sz="3000" spc="85" dirty="0">
                 <a:solidFill>
                   <a:srgbClr val="EFEFEF"/>
                 </a:solidFill>
@@ -6668,17 +6891,17 @@
               <a:t>por</a:t>
             </a:r>
             <a:r>
-              <a:rPr dirty="0" sz="3000" spc="-280">
-                <a:solidFill>
-                  <a:srgbClr val="EFEFEF"/>
-                </a:solidFill>
-                <a:latin typeface="Tahoma"/>
-                <a:cs typeface="Tahoma"/>
-              </a:rPr>
-              <a:t> </a:t>
-            </a:r>
-            <a:r>
-              <a:rPr dirty="0" sz="3000" spc="85">
+              <a:rPr sz="3000" spc="-280" dirty="0">
+                <a:solidFill>
+                  <a:srgbClr val="EFEFEF"/>
+                </a:solidFill>
+                <a:latin typeface="Tahoma"/>
+                <a:cs typeface="Tahoma"/>
+              </a:rPr>
+              <a:t> </a:t>
+            </a:r>
+            <a:r>
+              <a:rPr sz="3000" spc="85" dirty="0">
                 <a:solidFill>
                   <a:srgbClr val="EFEFEF"/>
                 </a:solidFill>
@@ -6688,17 +6911,17 @@
               <a:t>padrão</a:t>
             </a:r>
             <a:r>
-              <a:rPr dirty="0" sz="3000" spc="-275">
-                <a:solidFill>
-                  <a:srgbClr val="EFEFEF"/>
-                </a:solidFill>
-                <a:latin typeface="Tahoma"/>
-                <a:cs typeface="Tahoma"/>
-              </a:rPr>
-              <a:t> </a:t>
-            </a:r>
-            <a:r>
-              <a:rPr dirty="0" sz="3000" spc="85">
+              <a:rPr sz="3000" spc="-275" dirty="0">
+                <a:solidFill>
+                  <a:srgbClr val="EFEFEF"/>
+                </a:solidFill>
+                <a:latin typeface="Tahoma"/>
+                <a:cs typeface="Tahoma"/>
+              </a:rPr>
+              <a:t> </a:t>
+            </a:r>
+            <a:r>
+              <a:rPr sz="3000" spc="85" dirty="0">
                 <a:solidFill>
                   <a:srgbClr val="EFEFEF"/>
                 </a:solidFill>
@@ -6708,17 +6931,17 @@
               <a:t>é</a:t>
             </a:r>
             <a:r>
-              <a:rPr dirty="0" sz="3000" spc="-280">
-                <a:solidFill>
-                  <a:srgbClr val="EFEFEF"/>
-                </a:solidFill>
-                <a:latin typeface="Tahoma"/>
-                <a:cs typeface="Tahoma"/>
-              </a:rPr>
-              <a:t> </a:t>
-            </a:r>
-            <a:r>
-              <a:rPr dirty="0" sz="3000" spc="70">
+              <a:rPr sz="3000" spc="-280" dirty="0">
+                <a:solidFill>
+                  <a:srgbClr val="EFEFEF"/>
+                </a:solidFill>
+                <a:latin typeface="Tahoma"/>
+                <a:cs typeface="Tahoma"/>
+              </a:rPr>
+              <a:t> </a:t>
+            </a:r>
+            <a:r>
+              <a:rPr sz="3000" spc="70" dirty="0">
                 <a:solidFill>
                   <a:srgbClr val="EFEFEF"/>
                 </a:solidFill>
@@ -6728,17 +6951,17 @@
               <a:t>responsável</a:t>
             </a:r>
             <a:r>
-              <a:rPr dirty="0" sz="3000" spc="-275">
-                <a:solidFill>
-                  <a:srgbClr val="EFEFEF"/>
-                </a:solidFill>
-                <a:latin typeface="Tahoma"/>
-                <a:cs typeface="Tahoma"/>
-              </a:rPr>
-              <a:t> </a:t>
-            </a:r>
-            <a:r>
-              <a:rPr dirty="0" sz="3000" spc="85">
+              <a:rPr sz="3000" spc="-275" dirty="0">
+                <a:solidFill>
+                  <a:srgbClr val="EFEFEF"/>
+                </a:solidFill>
+                <a:latin typeface="Tahoma"/>
+                <a:cs typeface="Tahoma"/>
+              </a:rPr>
+              <a:t> </a:t>
+            </a:r>
+            <a:r>
+              <a:rPr sz="3000" spc="85" dirty="0">
                 <a:solidFill>
                   <a:srgbClr val="EFEFEF"/>
                 </a:solidFill>
@@ -6748,17 +6971,17 @@
               <a:t>por</a:t>
             </a:r>
             <a:r>
-              <a:rPr dirty="0" sz="3000" spc="-275">
-                <a:solidFill>
-                  <a:srgbClr val="EFEFEF"/>
-                </a:solidFill>
-                <a:latin typeface="Tahoma"/>
-                <a:cs typeface="Tahoma"/>
-              </a:rPr>
-              <a:t> </a:t>
-            </a:r>
-            <a:r>
-              <a:rPr dirty="0" sz="3000" spc="25">
+              <a:rPr sz="3000" spc="-275" dirty="0">
+                <a:solidFill>
+                  <a:srgbClr val="EFEFEF"/>
+                </a:solidFill>
+                <a:latin typeface="Tahoma"/>
+                <a:cs typeface="Tahoma"/>
+              </a:rPr>
+              <a:t> </a:t>
+            </a:r>
+            <a:r>
+              <a:rPr sz="3000" spc="25" dirty="0">
                 <a:solidFill>
                   <a:srgbClr val="EFEFEF"/>
                 </a:solidFill>
@@ -6768,17 +6991,17 @@
               <a:t>manter</a:t>
             </a:r>
             <a:r>
-              <a:rPr dirty="0" sz="3000" spc="-280">
-                <a:solidFill>
-                  <a:srgbClr val="EFEFEF"/>
-                </a:solidFill>
-                <a:latin typeface="Tahoma"/>
-                <a:cs typeface="Tahoma"/>
-              </a:rPr>
-              <a:t> </a:t>
-            </a:r>
-            <a:r>
-              <a:rPr dirty="0" sz="3000" spc="75">
+              <a:rPr sz="3000" spc="-280" dirty="0">
+                <a:solidFill>
+                  <a:srgbClr val="EFEFEF"/>
+                </a:solidFill>
+                <a:latin typeface="Tahoma"/>
+                <a:cs typeface="Tahoma"/>
+              </a:rPr>
+              <a:t> </a:t>
+            </a:r>
+            <a:r>
+              <a:rPr sz="3000" spc="75" dirty="0">
                 <a:solidFill>
                   <a:srgbClr val="EFEFEF"/>
                 </a:solidFill>
@@ -6788,17 +7011,17 @@
               <a:t>uma</a:t>
             </a:r>
             <a:r>
-              <a:rPr dirty="0" sz="3000" spc="-275">
-                <a:solidFill>
-                  <a:srgbClr val="EFEFEF"/>
-                </a:solidFill>
-                <a:latin typeface="Tahoma"/>
-                <a:cs typeface="Tahoma"/>
-              </a:rPr>
-              <a:t> </a:t>
-            </a:r>
-            <a:r>
-              <a:rPr dirty="0" sz="3000" spc="20">
+              <a:rPr sz="3000" spc="-275" dirty="0">
+                <a:solidFill>
+                  <a:srgbClr val="EFEFEF"/>
+                </a:solidFill>
+                <a:latin typeface="Tahoma"/>
+                <a:cs typeface="Tahoma"/>
+              </a:rPr>
+              <a:t> </a:t>
+            </a:r>
+            <a:r>
+              <a:rPr sz="3000" spc="20" dirty="0">
                 <a:solidFill>
                   <a:srgbClr val="EFEFEF"/>
                 </a:solidFill>
@@ -6808,17 +7031,17 @@
               <a:t>lista </a:t>
             </a:r>
             <a:r>
-              <a:rPr dirty="0" sz="3000" spc="-925">
-                <a:solidFill>
-                  <a:srgbClr val="EFEFEF"/>
-                </a:solidFill>
-                <a:latin typeface="Tahoma"/>
-                <a:cs typeface="Tahoma"/>
-              </a:rPr>
-              <a:t> </a:t>
-            </a:r>
-            <a:r>
-              <a:rPr dirty="0" sz="3000" spc="145">
+              <a:rPr sz="3000" spc="-925" dirty="0">
+                <a:solidFill>
+                  <a:srgbClr val="EFEFEF"/>
+                </a:solidFill>
+                <a:latin typeface="Tahoma"/>
+                <a:cs typeface="Tahoma"/>
+              </a:rPr>
+              <a:t> </a:t>
+            </a:r>
+            <a:r>
+              <a:rPr sz="3000" spc="145" dirty="0">
                 <a:solidFill>
                   <a:srgbClr val="EFEFEF"/>
                 </a:solidFill>
@@ -6828,17 +7051,17 @@
               <a:t>de</a:t>
             </a:r>
             <a:r>
-              <a:rPr dirty="0" sz="3000" spc="-285">
-                <a:solidFill>
-                  <a:srgbClr val="EFEFEF"/>
-                </a:solidFill>
-                <a:latin typeface="Tahoma"/>
-                <a:cs typeface="Tahoma"/>
-              </a:rPr>
-              <a:t> </a:t>
-            </a:r>
-            <a:r>
-              <a:rPr dirty="0" sz="3000" spc="75">
+              <a:rPr sz="3000" spc="-285" dirty="0">
+                <a:solidFill>
+                  <a:srgbClr val="EFEFEF"/>
+                </a:solidFill>
+                <a:latin typeface="Tahoma"/>
+                <a:cs typeface="Tahoma"/>
+              </a:rPr>
+              <a:t> </a:t>
+            </a:r>
+            <a:r>
+              <a:rPr sz="3000" spc="75" dirty="0">
                 <a:solidFill>
                   <a:srgbClr val="EFEFEF"/>
                 </a:solidFill>
@@ -6848,17 +7071,17 @@
               <a:t>seus</a:t>
             </a:r>
             <a:r>
-              <a:rPr dirty="0" sz="3000" spc="-280">
-                <a:solidFill>
-                  <a:srgbClr val="EFEFEF"/>
-                </a:solidFill>
-                <a:latin typeface="Tahoma"/>
-                <a:cs typeface="Tahoma"/>
-              </a:rPr>
-              <a:t> </a:t>
-            </a:r>
-            <a:r>
-              <a:rPr dirty="0" sz="3000" spc="105">
+              <a:rPr sz="3000" spc="-280" dirty="0">
+                <a:solidFill>
+                  <a:srgbClr val="EFEFEF"/>
+                </a:solidFill>
+                <a:latin typeface="Tahoma"/>
+                <a:cs typeface="Tahoma"/>
+              </a:rPr>
+              <a:t> </a:t>
+            </a:r>
+            <a:r>
+              <a:rPr sz="3000" spc="105" dirty="0">
                 <a:solidFill>
                   <a:srgbClr val="EFEFEF"/>
                 </a:solidFill>
@@ -6868,17 +7091,17 @@
               <a:t>dependentes</a:t>
             </a:r>
             <a:r>
-              <a:rPr dirty="0" sz="3000" spc="-280">
-                <a:solidFill>
-                  <a:srgbClr val="EFEFEF"/>
-                </a:solidFill>
-                <a:latin typeface="Tahoma"/>
-                <a:cs typeface="Tahoma"/>
-              </a:rPr>
-              <a:t> </a:t>
-            </a:r>
-            <a:r>
-              <a:rPr dirty="0" sz="3000" spc="85">
+              <a:rPr sz="3000" spc="-280" dirty="0">
+                <a:solidFill>
+                  <a:srgbClr val="EFEFEF"/>
+                </a:solidFill>
+                <a:latin typeface="Tahoma"/>
+                <a:cs typeface="Tahoma"/>
+              </a:rPr>
+              <a:t> </a:t>
+            </a:r>
+            <a:r>
+              <a:rPr sz="3000" spc="85" dirty="0">
                 <a:solidFill>
                   <a:srgbClr val="EFEFEF"/>
                 </a:solidFill>
@@ -6888,17 +7111,17 @@
               <a:t>e</a:t>
             </a:r>
             <a:r>
-              <a:rPr dirty="0" sz="3000" spc="-280">
-                <a:solidFill>
-                  <a:srgbClr val="EFEFEF"/>
-                </a:solidFill>
-                <a:latin typeface="Tahoma"/>
-                <a:cs typeface="Tahoma"/>
-              </a:rPr>
-              <a:t> </a:t>
-            </a:r>
-            <a:r>
-              <a:rPr dirty="0" sz="3000" spc="35">
+              <a:rPr sz="3000" spc="-280" dirty="0">
+                <a:solidFill>
+                  <a:srgbClr val="EFEFEF"/>
+                </a:solidFill>
+                <a:latin typeface="Tahoma"/>
+                <a:cs typeface="Tahoma"/>
+              </a:rPr>
+              <a:t> </a:t>
+            </a:r>
+            <a:r>
+              <a:rPr sz="3000" spc="35" dirty="0">
                 <a:solidFill>
                   <a:srgbClr val="EFEFEF"/>
                 </a:solidFill>
@@ -6908,17 +7131,17 @@
               <a:t>notifica-los</a:t>
             </a:r>
             <a:r>
-              <a:rPr dirty="0" sz="3000" spc="-280">
-                <a:solidFill>
-                  <a:srgbClr val="EFEFEF"/>
-                </a:solidFill>
-                <a:latin typeface="Tahoma"/>
-                <a:cs typeface="Tahoma"/>
-              </a:rPr>
-              <a:t> </a:t>
-            </a:r>
-            <a:r>
-              <a:rPr dirty="0" sz="3000" spc="60">
+              <a:rPr sz="3000" spc="-280" dirty="0">
+                <a:solidFill>
+                  <a:srgbClr val="EFEFEF"/>
+                </a:solidFill>
+                <a:latin typeface="Tahoma"/>
+                <a:cs typeface="Tahoma"/>
+              </a:rPr>
+              <a:t> </a:t>
+            </a:r>
+            <a:r>
+              <a:rPr sz="3000" spc="60" dirty="0">
                 <a:solidFill>
                   <a:srgbClr val="EFEFEF"/>
                 </a:solidFill>
@@ -6928,17 +7151,17 @@
               <a:t>eventualmente</a:t>
             </a:r>
             <a:r>
-              <a:rPr dirty="0" sz="3000" spc="-280">
-                <a:solidFill>
-                  <a:srgbClr val="EFEFEF"/>
-                </a:solidFill>
-                <a:latin typeface="Tahoma"/>
-                <a:cs typeface="Tahoma"/>
-              </a:rPr>
-              <a:t> </a:t>
-            </a:r>
-            <a:r>
-              <a:rPr dirty="0" sz="3000" spc="75">
+              <a:rPr sz="3000" spc="-280" dirty="0">
+                <a:solidFill>
+                  <a:srgbClr val="EFEFEF"/>
+                </a:solidFill>
+                <a:latin typeface="Tahoma"/>
+                <a:cs typeface="Tahoma"/>
+              </a:rPr>
+              <a:t> </a:t>
+            </a:r>
+            <a:r>
+              <a:rPr sz="3000" spc="75" dirty="0">
                 <a:solidFill>
                   <a:srgbClr val="EFEFEF"/>
                 </a:solidFill>
@@ -6948,17 +7171,17 @@
               <a:t>sobre</a:t>
             </a:r>
             <a:r>
-              <a:rPr dirty="0" sz="3000" spc="-280">
-                <a:solidFill>
-                  <a:srgbClr val="EFEFEF"/>
-                </a:solidFill>
-                <a:latin typeface="Tahoma"/>
-                <a:cs typeface="Tahoma"/>
-              </a:rPr>
-              <a:t> </a:t>
-            </a:r>
-            <a:r>
-              <a:rPr dirty="0" sz="3000" spc="60">
+              <a:rPr sz="3000" spc="-280" dirty="0">
+                <a:solidFill>
+                  <a:srgbClr val="EFEFEF"/>
+                </a:solidFill>
+                <a:latin typeface="Tahoma"/>
+                <a:cs typeface="Tahoma"/>
+              </a:rPr>
+              <a:t> </a:t>
+            </a:r>
+            <a:r>
+              <a:rPr sz="3000" spc="60" dirty="0">
                 <a:solidFill>
                   <a:srgbClr val="EFEFEF"/>
                 </a:solidFill>
@@ -6968,17 +7191,17 @@
               <a:t>suas</a:t>
             </a:r>
             <a:r>
-              <a:rPr dirty="0" sz="3000" spc="-280">
-                <a:solidFill>
-                  <a:srgbClr val="EFEFEF"/>
-                </a:solidFill>
-                <a:latin typeface="Tahoma"/>
-                <a:cs typeface="Tahoma"/>
-              </a:rPr>
-              <a:t> </a:t>
-            </a:r>
-            <a:r>
-              <a:rPr dirty="0" sz="3000" spc="105">
+              <a:rPr sz="3000" spc="-280" dirty="0">
+                <a:solidFill>
+                  <a:srgbClr val="EFEFEF"/>
+                </a:solidFill>
+                <a:latin typeface="Tahoma"/>
+                <a:cs typeface="Tahoma"/>
+              </a:rPr>
+              <a:t> </a:t>
+            </a:r>
+            <a:r>
+              <a:rPr sz="3000" spc="105" dirty="0">
                 <a:solidFill>
                   <a:srgbClr val="EFEFEF"/>
                 </a:solidFill>
@@ -6988,17 +7211,17 @@
               <a:t>mudanças</a:t>
             </a:r>
             <a:r>
-              <a:rPr dirty="0" sz="3000" spc="-285">
-                <a:solidFill>
-                  <a:srgbClr val="EFEFEF"/>
-                </a:solidFill>
-                <a:latin typeface="Tahoma"/>
-                <a:cs typeface="Tahoma"/>
-              </a:rPr>
-              <a:t> </a:t>
-            </a:r>
-            <a:r>
-              <a:rPr dirty="0" sz="3000" spc="145">
+              <a:rPr sz="3000" spc="-285" dirty="0">
+                <a:solidFill>
+                  <a:srgbClr val="EFEFEF"/>
+                </a:solidFill>
+                <a:latin typeface="Tahoma"/>
+                <a:cs typeface="Tahoma"/>
+              </a:rPr>
+              <a:t> </a:t>
+            </a:r>
+            <a:r>
+              <a:rPr sz="3000" spc="145" dirty="0">
                 <a:solidFill>
                   <a:srgbClr val="EFEFEF"/>
                 </a:solidFill>
@@ -7008,17 +7231,17 @@
               <a:t>de </a:t>
             </a:r>
             <a:r>
-              <a:rPr dirty="0" sz="3000" spc="150">
-                <a:solidFill>
-                  <a:srgbClr val="EFEFEF"/>
-                </a:solidFill>
-                <a:latin typeface="Tahoma"/>
-                <a:cs typeface="Tahoma"/>
-              </a:rPr>
-              <a:t> </a:t>
-            </a:r>
-            <a:r>
-              <a:rPr dirty="0" sz="3000" spc="30">
+              <a:rPr sz="3000" spc="150" dirty="0">
+                <a:solidFill>
+                  <a:srgbClr val="EFEFEF"/>
+                </a:solidFill>
+                <a:latin typeface="Tahoma"/>
+                <a:cs typeface="Tahoma"/>
+              </a:rPr>
+              <a:t> </a:t>
+            </a:r>
+            <a:r>
+              <a:rPr sz="3000" spc="30" dirty="0">
                 <a:solidFill>
                   <a:srgbClr val="EFEFEF"/>
                 </a:solidFill>
@@ -7050,7 +7273,7 @@
           </a:prstGeom>
         </p:spPr>
         <p:txBody>
-          <a:bodyPr wrap="square" lIns="0" tIns="12700" rIns="0" bIns="0" rtlCol="0" vert="horz">
+          <a:bodyPr vert="horz" wrap="square" lIns="0" tIns="12700" rIns="0" bIns="0" rtlCol="0">
             <a:spAutoFit/>
           </a:bodyPr>
           <a:lstStyle/>
@@ -7064,7 +7287,7 @@
               </a:spcBef>
             </a:pPr>
             <a:r>
-              <a:rPr dirty="0" sz="9000" spc="-160" b="1">
+              <a:rPr sz="9000" b="1" spc="-160" dirty="0">
                 <a:solidFill>
                   <a:srgbClr val="EFEFEF"/>
                 </a:solidFill>
@@ -7074,7 +7297,7 @@
               <a:t>S</a:t>
             </a:r>
             <a:r>
-              <a:rPr dirty="0" sz="9000" spc="-110" b="1">
+              <a:rPr sz="9000" b="1" spc="-110" dirty="0">
                 <a:solidFill>
                   <a:srgbClr val="EFEFEF"/>
                 </a:solidFill>
@@ -7084,7 +7307,7 @@
               <a:t>u</a:t>
             </a:r>
             <a:r>
-              <a:rPr dirty="0" sz="9000" spc="204" b="1">
+              <a:rPr sz="9000" b="1" spc="204" dirty="0">
                 <a:solidFill>
                   <a:srgbClr val="EFEFEF"/>
                 </a:solidFill>
@@ -7094,7 +7317,7 @@
               <a:t>b</a:t>
             </a:r>
             <a:r>
-              <a:rPr dirty="0" sz="9000" spc="-840" b="1">
+              <a:rPr sz="9000" b="1" spc="-840" dirty="0">
                 <a:solidFill>
                   <a:srgbClr val="EFEFEF"/>
                 </a:solidFill>
@@ -7104,7 +7327,7 @@
               <a:t>j</a:t>
             </a:r>
             <a:r>
-              <a:rPr dirty="0" sz="9000" spc="-55" b="1">
+              <a:rPr sz="9000" b="1" spc="-55" dirty="0">
                 <a:solidFill>
                   <a:srgbClr val="EFEFEF"/>
                 </a:solidFill>
@@ -7114,7 +7337,7 @@
               <a:t>e</a:t>
             </a:r>
             <a:r>
-              <a:rPr dirty="0" sz="9000" spc="409" b="1">
+              <a:rPr sz="9000" b="1" spc="409" dirty="0">
                 <a:solidFill>
                   <a:srgbClr val="EFEFEF"/>
                 </a:solidFill>
@@ -7124,7 +7347,7 @@
               <a:t>c</a:t>
             </a:r>
             <a:r>
-              <a:rPr dirty="0" sz="9000" spc="-340" b="1">
+              <a:rPr sz="9000" b="1" spc="-340" dirty="0">
                 <a:solidFill>
                   <a:srgbClr val="EFEFEF"/>
                 </a:solidFill>
@@ -7182,7 +7405,9 @@
         <p:txBody>
           <a:bodyPr wrap="square" lIns="0" tIns="0" rIns="0" bIns="0" rtlCol="0"/>
           <a:lstStyle/>
-          <a:p/>
+          <a:p>
+            <a:endParaRPr/>
+          </a:p>
         </p:txBody>
       </p:sp>
       <p:sp>
@@ -7299,7 +7524,9 @@
         <p:txBody>
           <a:bodyPr wrap="square" lIns="0" tIns="0" rIns="0" bIns="0" rtlCol="0"/>
           <a:lstStyle/>
-          <a:p/>
+          <a:p>
+            <a:endParaRPr/>
+          </a:p>
         </p:txBody>
       </p:sp>
     </p:spTree>
@@ -7365,7 +7592,7 @@
           </a:prstGeom>
         </p:spPr>
         <p:txBody>
-          <a:bodyPr wrap="square" lIns="0" tIns="12700" rIns="0" bIns="0" rtlCol="0" vert="horz">
+          <a:bodyPr vert="horz" wrap="square" lIns="0" tIns="12700" rIns="0" bIns="0" rtlCol="0">
             <a:spAutoFit/>
           </a:bodyPr>
           <a:lstStyle/>
@@ -7379,7 +7606,7 @@
               </a:spcBef>
             </a:pPr>
             <a:r>
-              <a:rPr dirty="0" sz="3000" spc="60">
+              <a:rPr sz="3000" spc="60" dirty="0">
                 <a:solidFill>
                   <a:srgbClr val="EFEFEF"/>
                 </a:solidFill>
@@ -7389,17 +7616,17 @@
               <a:t>Os</a:t>
             </a:r>
             <a:r>
-              <a:rPr dirty="0" sz="3000" spc="-290">
-                <a:solidFill>
-                  <a:srgbClr val="EFEFEF"/>
-                </a:solidFill>
-                <a:latin typeface="Tahoma"/>
-                <a:cs typeface="Tahoma"/>
-              </a:rPr>
-              <a:t> </a:t>
-            </a:r>
-            <a:r>
-              <a:rPr dirty="0" sz="3000" spc="30">
+              <a:rPr sz="3000" spc="-290" dirty="0">
+                <a:solidFill>
+                  <a:srgbClr val="EFEFEF"/>
+                </a:solidFill>
+                <a:latin typeface="Tahoma"/>
+                <a:cs typeface="Tahoma"/>
+              </a:rPr>
+              <a:t> </a:t>
+            </a:r>
+            <a:r>
+              <a:rPr sz="3000" spc="30" dirty="0">
                 <a:solidFill>
                   <a:srgbClr val="EFEFEF"/>
                 </a:solidFill>
@@ -7409,17 +7636,17 @@
               <a:t>Observers</a:t>
             </a:r>
             <a:r>
-              <a:rPr dirty="0" sz="3000" spc="-290">
-                <a:solidFill>
-                  <a:srgbClr val="EFEFEF"/>
-                </a:solidFill>
-                <a:latin typeface="Tahoma"/>
-                <a:cs typeface="Tahoma"/>
-              </a:rPr>
-              <a:t> </a:t>
-            </a:r>
-            <a:r>
-              <a:rPr dirty="0" sz="3000" spc="55">
+              <a:rPr sz="3000" spc="-290" dirty="0">
+                <a:solidFill>
+                  <a:srgbClr val="EFEFEF"/>
+                </a:solidFill>
+                <a:latin typeface="Tahoma"/>
+                <a:cs typeface="Tahoma"/>
+              </a:rPr>
+              <a:t> </a:t>
+            </a:r>
+            <a:r>
+              <a:rPr sz="3000" spc="55" dirty="0">
                 <a:solidFill>
                   <a:srgbClr val="EFEFEF"/>
                 </a:solidFill>
@@ -7429,17 +7656,17 @@
               <a:t>são</a:t>
             </a:r>
             <a:r>
-              <a:rPr dirty="0" sz="3000" spc="-285">
-                <a:solidFill>
-                  <a:srgbClr val="EFEFEF"/>
-                </a:solidFill>
-                <a:latin typeface="Tahoma"/>
-                <a:cs typeface="Tahoma"/>
-              </a:rPr>
-              <a:t> </a:t>
-            </a:r>
-            <a:r>
-              <a:rPr dirty="0" sz="3000" spc="80">
+              <a:rPr sz="3000" spc="-285" dirty="0">
+                <a:solidFill>
+                  <a:srgbClr val="EFEFEF"/>
+                </a:solidFill>
+                <a:latin typeface="Tahoma"/>
+                <a:cs typeface="Tahoma"/>
+              </a:rPr>
+              <a:t> </a:t>
+            </a:r>
+            <a:r>
+              <a:rPr sz="3000" spc="80" dirty="0">
                 <a:solidFill>
                   <a:srgbClr val="EFEFEF"/>
                 </a:solidFill>
@@ -7449,17 +7676,17 @@
               <a:t>os</a:t>
             </a:r>
             <a:r>
-              <a:rPr dirty="0" sz="3000" spc="-290">
-                <a:solidFill>
-                  <a:srgbClr val="EFEFEF"/>
-                </a:solidFill>
-                <a:latin typeface="Tahoma"/>
-                <a:cs typeface="Tahoma"/>
-              </a:rPr>
-              <a:t> </a:t>
-            </a:r>
-            <a:r>
-              <a:rPr dirty="0" sz="3000" spc="40">
+              <a:rPr sz="3000" spc="-290" dirty="0">
+                <a:solidFill>
+                  <a:srgbClr val="EFEFEF"/>
+                </a:solidFill>
+                <a:latin typeface="Tahoma"/>
+                <a:cs typeface="Tahoma"/>
+              </a:rPr>
+              <a:t> </a:t>
+            </a:r>
+            <a:r>
+              <a:rPr sz="3000" spc="40" dirty="0">
                 <a:solidFill>
                   <a:srgbClr val="EFEFEF"/>
                 </a:solidFill>
@@ -7469,17 +7696,17 @@
               <a:t>objetos</a:t>
             </a:r>
             <a:r>
-              <a:rPr dirty="0" sz="3000" spc="-290">
-                <a:solidFill>
-                  <a:srgbClr val="EFEFEF"/>
-                </a:solidFill>
-                <a:latin typeface="Tahoma"/>
-                <a:cs typeface="Tahoma"/>
-              </a:rPr>
-              <a:t> </a:t>
-            </a:r>
-            <a:r>
-              <a:rPr dirty="0" sz="3000" spc="114">
+              <a:rPr sz="3000" spc="-290" dirty="0">
+                <a:solidFill>
+                  <a:srgbClr val="EFEFEF"/>
+                </a:solidFill>
+                <a:latin typeface="Tahoma"/>
+                <a:cs typeface="Tahoma"/>
+              </a:rPr>
+              <a:t> </a:t>
+            </a:r>
+            <a:r>
+              <a:rPr sz="3000" spc="114" dirty="0">
                 <a:solidFill>
                   <a:srgbClr val="EFEFEF"/>
                 </a:solidFill>
@@ -7489,17 +7716,17 @@
               <a:t>que</a:t>
             </a:r>
             <a:r>
-              <a:rPr dirty="0" sz="3000" spc="-285">
-                <a:solidFill>
-                  <a:srgbClr val="EFEFEF"/>
-                </a:solidFill>
-                <a:latin typeface="Tahoma"/>
-                <a:cs typeface="Tahoma"/>
-              </a:rPr>
-              <a:t> </a:t>
-            </a:r>
-            <a:r>
-              <a:rPr dirty="0" sz="3000" spc="70">
+              <a:rPr sz="3000" spc="-285" dirty="0">
+                <a:solidFill>
+                  <a:srgbClr val="EFEFEF"/>
+                </a:solidFill>
+                <a:latin typeface="Tahoma"/>
+                <a:cs typeface="Tahoma"/>
+              </a:rPr>
+              <a:t> </a:t>
+            </a:r>
+            <a:r>
+              <a:rPr sz="3000" spc="70" dirty="0">
                 <a:solidFill>
                   <a:srgbClr val="EFEFEF"/>
                 </a:solidFill>
@@ -7509,17 +7736,17 @@
               <a:t>recebem</a:t>
             </a:r>
             <a:r>
-              <a:rPr dirty="0" sz="3000" spc="-295">
-                <a:solidFill>
-                  <a:srgbClr val="EFEFEF"/>
-                </a:solidFill>
-                <a:latin typeface="Tahoma"/>
-                <a:cs typeface="Tahoma"/>
-              </a:rPr>
-              <a:t> </a:t>
-            </a:r>
-            <a:r>
-              <a:rPr dirty="0" sz="3000" spc="50">
+              <a:rPr sz="3000" spc="-295" dirty="0">
+                <a:solidFill>
+                  <a:srgbClr val="EFEFEF"/>
+                </a:solidFill>
+                <a:latin typeface="Tahoma"/>
+                <a:cs typeface="Tahoma"/>
+              </a:rPr>
+              <a:t> </a:t>
+            </a:r>
+            <a:r>
+              <a:rPr sz="3000" spc="50" dirty="0">
                 <a:solidFill>
                   <a:srgbClr val="EFEFEF"/>
                 </a:solidFill>
@@ -7529,17 +7756,17 @@
               <a:t>atualizações</a:t>
             </a:r>
             <a:r>
-              <a:rPr dirty="0" sz="3000" spc="-285">
-                <a:solidFill>
-                  <a:srgbClr val="EFEFEF"/>
-                </a:solidFill>
-                <a:latin typeface="Tahoma"/>
-                <a:cs typeface="Tahoma"/>
-              </a:rPr>
-              <a:t> </a:t>
-            </a:r>
-            <a:r>
-              <a:rPr dirty="0" sz="3000" spc="155">
+              <a:rPr sz="3000" spc="-285" dirty="0">
+                <a:solidFill>
+                  <a:srgbClr val="EFEFEF"/>
+                </a:solidFill>
+                <a:latin typeface="Tahoma"/>
+                <a:cs typeface="Tahoma"/>
+              </a:rPr>
+              <a:t> </a:t>
+            </a:r>
+            <a:r>
+              <a:rPr sz="3000" spc="155" dirty="0">
                 <a:solidFill>
                   <a:srgbClr val="EFEFEF"/>
                 </a:solidFill>
@@ -7549,17 +7776,17 @@
               <a:t>do</a:t>
             </a:r>
             <a:r>
-              <a:rPr dirty="0" sz="3000" spc="-290">
-                <a:solidFill>
-                  <a:srgbClr val="EFEFEF"/>
-                </a:solidFill>
-                <a:latin typeface="Tahoma"/>
-                <a:cs typeface="Tahoma"/>
-              </a:rPr>
-              <a:t> </a:t>
-            </a:r>
-            <a:r>
-              <a:rPr dirty="0" sz="3000" spc="15">
+              <a:rPr sz="3000" spc="-290" dirty="0">
+                <a:solidFill>
+                  <a:srgbClr val="EFEFEF"/>
+                </a:solidFill>
+                <a:latin typeface="Tahoma"/>
+                <a:cs typeface="Tahoma"/>
+              </a:rPr>
+              <a:t> </a:t>
+            </a:r>
+            <a:r>
+              <a:rPr sz="3000" spc="15" dirty="0">
                 <a:solidFill>
                   <a:srgbClr val="EFEFEF"/>
                 </a:solidFill>
@@ -7569,17 +7796,17 @@
               <a:t>Subject,</a:t>
             </a:r>
             <a:r>
-              <a:rPr dirty="0" sz="3000" spc="-290">
-                <a:solidFill>
-                  <a:srgbClr val="EFEFEF"/>
-                </a:solidFill>
-                <a:latin typeface="Tahoma"/>
-                <a:cs typeface="Tahoma"/>
-              </a:rPr>
-              <a:t> </a:t>
-            </a:r>
-            <a:r>
-              <a:rPr dirty="0" sz="3000" spc="135">
+              <a:rPr sz="3000" spc="-290" dirty="0">
+                <a:solidFill>
+                  <a:srgbClr val="EFEFEF"/>
+                </a:solidFill>
+                <a:latin typeface="Tahoma"/>
+                <a:cs typeface="Tahoma"/>
+              </a:rPr>
+              <a:t> </a:t>
+            </a:r>
+            <a:r>
+              <a:rPr sz="3000" spc="135" dirty="0">
                 <a:solidFill>
                   <a:srgbClr val="EFEFEF"/>
                 </a:solidFill>
@@ -7589,17 +7816,17 @@
               <a:t>podendo </a:t>
             </a:r>
             <a:r>
-              <a:rPr dirty="0" sz="3000" spc="-919">
-                <a:solidFill>
-                  <a:srgbClr val="EFEFEF"/>
-                </a:solidFill>
-                <a:latin typeface="Tahoma"/>
-                <a:cs typeface="Tahoma"/>
-              </a:rPr>
-              <a:t> </a:t>
-            </a:r>
-            <a:r>
-              <a:rPr dirty="0" sz="3000" spc="25">
+              <a:rPr sz="3000" spc="-919" dirty="0">
+                <a:solidFill>
+                  <a:srgbClr val="EFEFEF"/>
+                </a:solidFill>
+                <a:latin typeface="Tahoma"/>
+                <a:cs typeface="Tahoma"/>
+              </a:rPr>
+              <a:t> </a:t>
+            </a:r>
+            <a:r>
+              <a:rPr sz="3000" spc="25" dirty="0">
                 <a:solidFill>
                   <a:srgbClr val="EFEFEF"/>
                 </a:solidFill>
@@ -7609,7 +7836,7 @@
               <a:t>assim </a:t>
             </a:r>
             <a:r>
-              <a:rPr dirty="0" sz="3000" spc="-20">
+              <a:rPr sz="3000" spc="-20" dirty="0">
                 <a:solidFill>
                   <a:srgbClr val="EFEFEF"/>
                 </a:solidFill>
@@ -7619,7 +7846,7 @@
               <a:t>registrar-se </a:t>
             </a:r>
             <a:r>
-              <a:rPr dirty="0" sz="3000" spc="114">
+              <a:rPr sz="3000" spc="114" dirty="0">
                 <a:solidFill>
                   <a:srgbClr val="EFEFEF"/>
                 </a:solidFill>
@@ -7629,7 +7856,7 @@
               <a:t>no </a:t>
             </a:r>
             <a:r>
-              <a:rPr dirty="0" sz="3000" spc="55">
+              <a:rPr sz="3000" spc="55" dirty="0">
                 <a:solidFill>
                   <a:srgbClr val="EFEFEF"/>
                 </a:solidFill>
@@ -7639,7 +7866,7 @@
               <a:t>Subject </a:t>
             </a:r>
             <a:r>
-              <a:rPr dirty="0" sz="3000" spc="25">
+              <a:rPr sz="3000" spc="25" dirty="0">
                 <a:solidFill>
                   <a:srgbClr val="EFEFEF"/>
                 </a:solidFill>
@@ -7649,7 +7876,7 @@
               <a:t>para </a:t>
             </a:r>
             <a:r>
-              <a:rPr dirty="0" sz="3000" spc="50">
+              <a:rPr sz="3000" spc="50" dirty="0">
                 <a:solidFill>
                   <a:srgbClr val="EFEFEF"/>
                 </a:solidFill>
@@ -7659,7 +7886,7 @@
               <a:t>receber </a:t>
             </a:r>
             <a:r>
-              <a:rPr dirty="0" sz="3000" spc="45">
+              <a:rPr sz="3000" spc="45" dirty="0">
                 <a:solidFill>
                   <a:srgbClr val="EFEFEF"/>
                 </a:solidFill>
@@ -7669,7 +7896,7 @@
               <a:t>suas </a:t>
             </a:r>
             <a:r>
-              <a:rPr dirty="0" sz="3000" spc="50">
+              <a:rPr sz="3000" spc="50" dirty="0">
                 <a:solidFill>
                   <a:srgbClr val="EFEFEF"/>
                 </a:solidFill>
@@ -7679,7 +7906,7 @@
               <a:t>atualizações </a:t>
             </a:r>
             <a:r>
-              <a:rPr dirty="0" sz="3000" spc="110">
+              <a:rPr sz="3000" spc="110" dirty="0">
                 <a:solidFill>
                   <a:srgbClr val="EFEFEF"/>
                 </a:solidFill>
@@ -7689,7 +7916,7 @@
               <a:t>ou </a:t>
             </a:r>
             <a:r>
-              <a:rPr dirty="0" sz="3000" spc="65">
+              <a:rPr sz="3000" spc="65" dirty="0">
                 <a:solidFill>
                   <a:srgbClr val="EFEFEF"/>
                 </a:solidFill>
@@ -7699,7 +7926,7 @@
               <a:t>cancelar </a:t>
             </a:r>
             <a:r>
-              <a:rPr dirty="0" sz="3000" spc="125">
+              <a:rPr sz="3000" spc="125" dirty="0">
                 <a:solidFill>
                   <a:srgbClr val="EFEFEF"/>
                 </a:solidFill>
@@ -7709,17 +7936,17 @@
               <a:t>o </a:t>
             </a:r>
             <a:r>
-              <a:rPr dirty="0" sz="3000" spc="-925">
-                <a:solidFill>
-                  <a:srgbClr val="EFEFEF"/>
-                </a:solidFill>
-                <a:latin typeface="Tahoma"/>
-                <a:cs typeface="Tahoma"/>
-              </a:rPr>
-              <a:t> </a:t>
-            </a:r>
-            <a:r>
-              <a:rPr dirty="0" sz="3000" spc="20">
+              <a:rPr sz="3000" spc="-925" dirty="0">
+                <a:solidFill>
+                  <a:srgbClr val="EFEFEF"/>
+                </a:solidFill>
+                <a:latin typeface="Tahoma"/>
+                <a:cs typeface="Tahoma"/>
+              </a:rPr>
+              <a:t> </a:t>
+            </a:r>
+            <a:r>
+              <a:rPr sz="3000" spc="20" dirty="0">
                 <a:solidFill>
                   <a:srgbClr val="EFEFEF"/>
                 </a:solidFill>
@@ -7729,17 +7956,17 @@
               <a:t>registro</a:t>
             </a:r>
             <a:r>
-              <a:rPr dirty="0" sz="3000" spc="-290">
-                <a:solidFill>
-                  <a:srgbClr val="EFEFEF"/>
-                </a:solidFill>
-                <a:latin typeface="Tahoma"/>
-                <a:cs typeface="Tahoma"/>
-              </a:rPr>
-              <a:t> </a:t>
-            </a:r>
-            <a:r>
-              <a:rPr dirty="0" sz="3000" spc="25">
+              <a:rPr sz="3000" spc="-290" dirty="0">
+                <a:solidFill>
+                  <a:srgbClr val="EFEFEF"/>
+                </a:solidFill>
+                <a:latin typeface="Tahoma"/>
+                <a:cs typeface="Tahoma"/>
+              </a:rPr>
+              <a:t> </a:t>
+            </a:r>
+            <a:r>
+              <a:rPr sz="3000" spc="25" dirty="0">
                 <a:solidFill>
                   <a:srgbClr val="EFEFEF"/>
                 </a:solidFill>
@@ -7749,17 +7976,17 @@
               <a:t>assim</a:t>
             </a:r>
             <a:r>
-              <a:rPr dirty="0" sz="3000" spc="-295">
-                <a:solidFill>
-                  <a:srgbClr val="EFEFEF"/>
-                </a:solidFill>
-                <a:latin typeface="Tahoma"/>
-                <a:cs typeface="Tahoma"/>
-              </a:rPr>
-              <a:t> </a:t>
-            </a:r>
-            <a:r>
-              <a:rPr dirty="0" sz="3000" spc="80">
+              <a:rPr sz="3000" spc="-295" dirty="0">
+                <a:solidFill>
+                  <a:srgbClr val="EFEFEF"/>
+                </a:solidFill>
+                <a:latin typeface="Tahoma"/>
+                <a:cs typeface="Tahoma"/>
+              </a:rPr>
+              <a:t> </a:t>
+            </a:r>
+            <a:r>
+              <a:rPr sz="3000" spc="80" dirty="0">
                 <a:solidFill>
                   <a:srgbClr val="EFEFEF"/>
                 </a:solidFill>
@@ -7769,17 +7996,17 @@
               <a:t>deixando</a:t>
             </a:r>
             <a:r>
-              <a:rPr dirty="0" sz="3000" spc="-290">
-                <a:solidFill>
-                  <a:srgbClr val="EFEFEF"/>
-                </a:solidFill>
-                <a:latin typeface="Tahoma"/>
-                <a:cs typeface="Tahoma"/>
-              </a:rPr>
-              <a:t> </a:t>
-            </a:r>
-            <a:r>
-              <a:rPr dirty="0" sz="3000" spc="120">
+              <a:rPr sz="3000" spc="-290" dirty="0">
+                <a:solidFill>
+                  <a:srgbClr val="EFEFEF"/>
+                </a:solidFill>
+                <a:latin typeface="Tahoma"/>
+                <a:cs typeface="Tahoma"/>
+              </a:rPr>
+              <a:t> </a:t>
+            </a:r>
+            <a:r>
+              <a:rPr sz="3000" spc="120" dirty="0">
                 <a:solidFill>
                   <a:srgbClr val="EFEFEF"/>
                 </a:solidFill>
@@ -7789,17 +8016,17 @@
               <a:t>de</a:t>
             </a:r>
             <a:r>
-              <a:rPr dirty="0" sz="3000" spc="-290">
-                <a:solidFill>
-                  <a:srgbClr val="EFEFEF"/>
-                </a:solidFill>
-                <a:latin typeface="Tahoma"/>
-                <a:cs typeface="Tahoma"/>
-              </a:rPr>
-              <a:t> </a:t>
-            </a:r>
-            <a:r>
-              <a:rPr dirty="0" sz="3000" spc="50">
+              <a:rPr sz="3000" spc="-290" dirty="0">
+                <a:solidFill>
+                  <a:srgbClr val="EFEFEF"/>
+                </a:solidFill>
+                <a:latin typeface="Tahoma"/>
+                <a:cs typeface="Tahoma"/>
+              </a:rPr>
+              <a:t> </a:t>
+            </a:r>
+            <a:r>
+              <a:rPr sz="3000" spc="50" dirty="0">
                 <a:solidFill>
                   <a:srgbClr val="EFEFEF"/>
                 </a:solidFill>
@@ -7809,17 +8036,17 @@
               <a:t>receber</a:t>
             </a:r>
             <a:r>
-              <a:rPr dirty="0" sz="3000" spc="-290">
-                <a:solidFill>
-                  <a:srgbClr val="EFEFEF"/>
-                </a:solidFill>
-                <a:latin typeface="Tahoma"/>
-                <a:cs typeface="Tahoma"/>
-              </a:rPr>
-              <a:t> </a:t>
-            </a:r>
-            <a:r>
-              <a:rPr dirty="0" sz="3000" spc="25">
+              <a:rPr sz="3000" spc="-290" dirty="0">
+                <a:solidFill>
+                  <a:srgbClr val="EFEFEF"/>
+                </a:solidFill>
+                <a:latin typeface="Tahoma"/>
+                <a:cs typeface="Tahoma"/>
+              </a:rPr>
+              <a:t> </a:t>
+            </a:r>
+            <a:r>
+              <a:rPr sz="3000" spc="25" dirty="0">
                 <a:solidFill>
                   <a:srgbClr val="EFEFEF"/>
                 </a:solidFill>
@@ -7851,7 +8078,7 @@
           </a:prstGeom>
         </p:spPr>
         <p:txBody>
-          <a:bodyPr wrap="square" lIns="0" tIns="12700" rIns="0" bIns="0" rtlCol="0" vert="horz">
+          <a:bodyPr vert="horz" wrap="square" lIns="0" tIns="12700" rIns="0" bIns="0" rtlCol="0">
             <a:spAutoFit/>
           </a:bodyPr>
           <a:lstStyle/>
@@ -7865,7 +8092,7 @@
               </a:spcBef>
             </a:pPr>
             <a:r>
-              <a:rPr dirty="0" sz="9000" spc="40" b="1">
+              <a:rPr sz="9000" b="1" spc="40" dirty="0">
                 <a:solidFill>
                   <a:srgbClr val="EFEFEF"/>
                 </a:solidFill>
@@ -7875,7 +8102,7 @@
               <a:t>O</a:t>
             </a:r>
             <a:r>
-              <a:rPr dirty="0" sz="9000" spc="204" b="1">
+              <a:rPr sz="9000" b="1" spc="204" dirty="0">
                 <a:solidFill>
                   <a:srgbClr val="EFEFEF"/>
                 </a:solidFill>
@@ -7885,7 +8112,7 @@
               <a:t>b</a:t>
             </a:r>
             <a:r>
-              <a:rPr dirty="0" sz="9000" spc="-35" b="1">
+              <a:rPr sz="9000" b="1" spc="-35" dirty="0">
                 <a:solidFill>
                   <a:srgbClr val="EFEFEF"/>
                 </a:solidFill>
@@ -7895,7 +8122,7 @@
               <a:t>s</a:t>
             </a:r>
             <a:r>
-              <a:rPr dirty="0" sz="9000" spc="-55" b="1">
+              <a:rPr sz="9000" b="1" spc="-55" dirty="0">
                 <a:solidFill>
                   <a:srgbClr val="EFEFEF"/>
                 </a:solidFill>
@@ -7905,7 +8132,7 @@
               <a:t>e</a:t>
             </a:r>
             <a:r>
-              <a:rPr dirty="0" sz="9000" spc="-325" b="1">
+              <a:rPr sz="9000" b="1" spc="-325" dirty="0">
                 <a:solidFill>
                   <a:srgbClr val="EFEFEF"/>
                 </a:solidFill>
@@ -7915,7 +8142,7 @@
               <a:t>r</a:t>
             </a:r>
             <a:r>
-              <a:rPr dirty="0" sz="9000" spc="55" b="1">
+              <a:rPr sz="9000" b="1" spc="55" dirty="0">
                 <a:solidFill>
                   <a:srgbClr val="EFEFEF"/>
                 </a:solidFill>
@@ -7925,7 +8152,7 @@
               <a:t>v</a:t>
             </a:r>
             <a:r>
-              <a:rPr dirty="0" sz="9000" spc="-55" b="1">
+              <a:rPr sz="9000" b="1" spc="-55" dirty="0">
                 <a:solidFill>
                   <a:srgbClr val="EFEFEF"/>
                 </a:solidFill>
@@ -7935,7 +8162,7 @@
               <a:t>e</a:t>
             </a:r>
             <a:r>
-              <a:rPr dirty="0" sz="9000" spc="-325" b="1">
+              <a:rPr sz="9000" b="1" spc="-325" dirty="0">
                 <a:solidFill>
                   <a:srgbClr val="EFEFEF"/>
                 </a:solidFill>
@@ -7993,7 +8220,9 @@
         <p:txBody>
           <a:bodyPr wrap="square" lIns="0" tIns="0" rIns="0" bIns="0" rtlCol="0"/>
           <a:lstStyle/>
-          <a:p/>
+          <a:p>
+            <a:endParaRPr/>
+          </a:p>
         </p:txBody>
       </p:sp>
       <p:sp>
@@ -8110,7 +8339,9 @@
         <p:txBody>
           <a:bodyPr wrap="square" lIns="0" tIns="0" rIns="0" bIns="0" rtlCol="0"/>
           <a:lstStyle/>
-          <a:p/>
+          <a:p>
+            <a:endParaRPr/>
+          </a:p>
         </p:txBody>
       </p:sp>
     </p:spTree>
@@ -8153,10 +8384,12 @@
             <a:off x="110742" y="982665"/>
             <a:ext cx="12804775" cy="1385570"/>
           </a:xfrm>
-          <a:prstGeom prst="rect"/>
+          <a:prstGeom prst="rect">
+            <a:avLst/>
+          </a:prstGeom>
         </p:spPr>
         <p:txBody>
-          <a:bodyPr wrap="square" lIns="0" tIns="15875" rIns="0" bIns="0" rtlCol="0" vert="horz">
+          <a:bodyPr vert="horz" wrap="square" lIns="0" tIns="15875" rIns="0" bIns="0" rtlCol="0">
             <a:spAutoFit/>
           </a:bodyPr>
           <a:lstStyle/>
@@ -8170,83 +8403,83 @@
               </a:spcBef>
             </a:pPr>
             <a:r>
-              <a:rPr dirty="0" sz="8900" spc="160"/>
+              <a:rPr sz="8900" spc="160" dirty="0"/>
               <a:t>M</a:t>
             </a:r>
             <a:r>
-              <a:rPr dirty="0" sz="8900" spc="-25"/>
+              <a:rPr sz="8900" spc="-25" dirty="0"/>
               <a:t>o</a:t>
             </a:r>
             <a:r>
-              <a:rPr dirty="0" sz="8900" spc="250"/>
+              <a:rPr sz="8900" spc="250" dirty="0"/>
               <a:t>d</a:t>
             </a:r>
             <a:r>
-              <a:rPr dirty="0" sz="8900" spc="-40"/>
+              <a:rPr sz="8900" spc="-40" dirty="0"/>
               <a:t>e</a:t>
             </a:r>
             <a:r>
-              <a:rPr dirty="0" sz="8900" spc="-90"/>
+              <a:rPr sz="8900" spc="-90" dirty="0"/>
               <a:t>l</a:t>
             </a:r>
             <a:r>
-              <a:rPr dirty="0" sz="8900" spc="-215"/>
+              <a:rPr sz="8900" spc="-215" dirty="0"/>
               <a:t>a</a:t>
             </a:r>
             <a:r>
-              <a:rPr dirty="0" sz="8900" spc="250"/>
+              <a:rPr sz="8900" spc="250" dirty="0"/>
               <a:t>g</a:t>
             </a:r>
             <a:r>
-              <a:rPr dirty="0" sz="8900" spc="-40"/>
+              <a:rPr sz="8900" spc="-40" dirty="0"/>
               <a:t>e</a:t>
             </a:r>
             <a:r>
-              <a:rPr dirty="0" sz="8900" spc="-120"/>
+              <a:rPr sz="8900" spc="-120" dirty="0"/>
               <a:t>m</a:t>
             </a:r>
             <a:r>
-              <a:rPr dirty="0" sz="8900" spc="-950"/>
-              <a:t> </a:t>
-            </a:r>
-            <a:r>
-              <a:rPr dirty="0" sz="8900" spc="530"/>
+              <a:rPr sz="8900" spc="-950" dirty="0"/>
+              <a:t> </a:t>
+            </a:r>
+            <a:r>
+              <a:rPr sz="8900" spc="530" dirty="0"/>
               <a:t>C</a:t>
             </a:r>
             <a:r>
-              <a:rPr dirty="0" sz="8900" spc="-25"/>
+              <a:rPr sz="8900" spc="-25" dirty="0"/>
               <a:t>o</a:t>
             </a:r>
             <a:r>
-              <a:rPr dirty="0" sz="8900" spc="-70"/>
+              <a:rPr sz="8900" spc="-70" dirty="0"/>
               <a:t>n</a:t>
             </a:r>
             <a:r>
-              <a:rPr dirty="0" sz="8900" spc="420"/>
+              <a:rPr sz="8900" spc="420" dirty="0"/>
               <a:t>c</a:t>
             </a:r>
             <a:r>
-              <a:rPr dirty="0" sz="8900" spc="-40"/>
+              <a:rPr sz="8900" spc="-40" dirty="0"/>
               <a:t>e</a:t>
             </a:r>
             <a:r>
-              <a:rPr dirty="0" sz="8900" spc="-225"/>
+              <a:rPr sz="8900" spc="-225" dirty="0"/>
               <a:t>i</a:t>
             </a:r>
             <a:r>
-              <a:rPr dirty="0" sz="8900" spc="-325"/>
+              <a:rPr sz="8900" spc="-325" dirty="0"/>
               <a:t>t</a:t>
             </a:r>
             <a:r>
-              <a:rPr dirty="0" sz="8900" spc="-95"/>
+              <a:rPr sz="8900" spc="-95" dirty="0"/>
               <a:t>u</a:t>
             </a:r>
             <a:r>
-              <a:rPr dirty="0" sz="8900" spc="-215"/>
+              <a:rPr sz="8900" spc="-215" dirty="0"/>
               <a:t>a</a:t>
             </a:r>
             <a:r>
-              <a:rPr dirty="0" sz="8900" spc="-90"/>
+              <a:rPr sz="8900" spc="-90" dirty="0"/>
               <a:t>l</a:t>
             </a:r>
             <a:endParaRPr sz="8900"/>
@@ -8309,7 +8542,9 @@
           <p:txBody>
             <a:bodyPr wrap="square" lIns="0" tIns="0" rIns="0" bIns="0" rtlCol="0"/>
             <a:lstStyle/>
-            <a:p/>
+            <a:p>
+              <a:endParaRPr/>
+            </a:p>
           </p:txBody>
         </p:sp>
         <p:sp>
@@ -8426,7 +8661,9 @@
           <p:txBody>
             <a:bodyPr wrap="square" lIns="0" tIns="0" rIns="0" bIns="0" rtlCol="0"/>
             <a:lstStyle/>
-            <a:p/>
+            <a:p>
+              <a:endParaRPr/>
+            </a:p>
           </p:txBody>
         </p:sp>
         <p:pic>
@@ -8576,10 +8813,12 @@
           </p:nvPr>
         </p:nvSpPr>
         <p:spPr>
-          <a:prstGeom prst="rect"/>
+          <a:prstGeom prst="rect">
+            <a:avLst/>
+          </a:prstGeom>
         </p:spPr>
         <p:txBody>
-          <a:bodyPr wrap="square" lIns="0" tIns="12065" rIns="0" bIns="0" rtlCol="0" vert="horz">
+          <a:bodyPr vert="horz" wrap="square" lIns="0" tIns="12065" rIns="0" bIns="0" rtlCol="0">
             <a:spAutoFit/>
           </a:bodyPr>
           <a:lstStyle/>
@@ -8593,329 +8832,323 @@
               </a:spcBef>
             </a:pPr>
             <a:r>
-              <a:rPr dirty="0" spc="95"/>
+              <a:rPr spc="95" dirty="0"/>
               <a:t>O</a:t>
             </a:r>
             <a:r>
-              <a:rPr dirty="0" spc="-265"/>
-              <a:t> </a:t>
-            </a:r>
-            <a:r>
-              <a:rPr dirty="0" spc="105">
+              <a:rPr spc="-265" dirty="0"/>
+              <a:t> </a:t>
+            </a:r>
+            <a:r>
+              <a:rPr spc="105" dirty="0">
                 <a:hlinkClick r:id="rId3"/>
               </a:rPr>
-              <a:t>Ch</a:t>
-            </a:r>
-            <a:r>
-              <a:rPr dirty="0" spc="105">
+              <a:t>Chain</a:t>
+            </a:r>
+            <a:r>
+              <a:rPr spc="-260" dirty="0">
                 <a:hlinkClick r:id="rId3"/>
               </a:rPr>
-              <a:t>ain</a:t>
-            </a:r>
-            <a:r>
-              <a:rPr dirty="0" spc="-260">
+              <a:t> </a:t>
+            </a:r>
+            <a:r>
+              <a:rPr spc="25" dirty="0">
                 <a:hlinkClick r:id="rId3"/>
               </a:rPr>
-              <a:t> </a:t>
-            </a:r>
-            <a:r>
-              <a:rPr dirty="0" spc="25">
+              <a:t>of</a:t>
+            </a:r>
+            <a:r>
+              <a:rPr spc="-260" dirty="0">
                 <a:hlinkClick r:id="rId3"/>
               </a:rPr>
-              <a:t>of</a:t>
-            </a:r>
-            <a:r>
-              <a:rPr dirty="0" spc="-260">
+              <a:t> </a:t>
+            </a:r>
+            <a:r>
+              <a:rPr spc="40" dirty="0">
                 <a:hlinkClick r:id="rId3"/>
               </a:rPr>
-              <a:t> </a:t>
-            </a:r>
-            <a:r>
-              <a:rPr dirty="0" spc="40">
-                <a:hlinkClick r:id="rId3"/>
-              </a:rPr>
               <a:t>Responsibility</a:t>
             </a:r>
             <a:r>
-              <a:rPr dirty="0" spc="40"/>
+              <a:rPr spc="40" dirty="0"/>
               <a:t>,</a:t>
             </a:r>
             <a:r>
-              <a:rPr dirty="0" spc="-265"/>
-              <a:t> </a:t>
-            </a:r>
-            <a:r>
-              <a:rPr dirty="0" spc="75">
+              <a:rPr spc="-265" dirty="0"/>
+              <a:t> </a:t>
+            </a:r>
+            <a:r>
+              <a:rPr spc="75" dirty="0">
                 <a:hlinkClick r:id="rId4"/>
               </a:rPr>
               <a:t>Command</a:t>
             </a:r>
             <a:r>
-              <a:rPr dirty="0" spc="75"/>
+              <a:rPr spc="75" dirty="0"/>
               <a:t>,</a:t>
             </a:r>
             <a:r>
-              <a:rPr dirty="0" spc="-260"/>
-              <a:t> </a:t>
-            </a:r>
-            <a:r>
-              <a:rPr dirty="0" spc="70">
+              <a:rPr spc="-260" dirty="0"/>
+              <a:t> </a:t>
+            </a:r>
+            <a:r>
+              <a:rPr spc="70" dirty="0">
                 <a:hlinkClick r:id="rId5"/>
               </a:rPr>
               <a:t>Mediator</a:t>
             </a:r>
             <a:r>
-              <a:rPr dirty="0" spc="-260">
+              <a:rPr spc="-260" dirty="0">
                 <a:hlinkClick r:id="rId5"/>
               </a:rPr>
               <a:t> </a:t>
             </a:r>
             <a:r>
-              <a:rPr dirty="0" spc="70"/>
+              <a:rPr spc="70" dirty="0"/>
               <a:t>e</a:t>
             </a:r>
             <a:r>
-              <a:rPr dirty="0" spc="-265"/>
-              <a:t> </a:t>
-            </a:r>
-            <a:r>
-              <a:rPr dirty="0" spc="40">
+              <a:rPr spc="-265" dirty="0"/>
+              <a:t> </a:t>
+            </a:r>
+            <a:r>
+              <a:rPr spc="40" dirty="0">
                 <a:hlinkClick r:id="rId6"/>
               </a:rPr>
               <a:t>Observer</a:t>
             </a:r>
             <a:r>
-              <a:rPr dirty="0" spc="-260">
+              <a:rPr spc="-260" dirty="0">
                 <a:hlinkClick r:id="rId6"/>
               </a:rPr>
               <a:t> </a:t>
             </a:r>
             <a:r>
-              <a:rPr dirty="0" spc="65"/>
+              <a:rPr spc="65" dirty="0"/>
               <a:t>abrangem</a:t>
             </a:r>
             <a:r>
-              <a:rPr dirty="0" spc="-265"/>
-              <a:t> </a:t>
-            </a:r>
-            <a:r>
-              <a:rPr dirty="0" spc="10"/>
+              <a:rPr spc="-265" dirty="0"/>
+              <a:t> </a:t>
+            </a:r>
+            <a:r>
+              <a:rPr spc="10" dirty="0"/>
               <a:t>várias</a:t>
             </a:r>
             <a:r>
-              <a:rPr dirty="0" spc="-260"/>
-              <a:t> </a:t>
-            </a:r>
-            <a:r>
-              <a:rPr dirty="0" spc="30"/>
+              <a:rPr spc="-260" dirty="0"/>
+              <a:t> </a:t>
+            </a:r>
+            <a:r>
+              <a:rPr spc="30" dirty="0"/>
               <a:t>maneiras</a:t>
             </a:r>
             <a:r>
-              <a:rPr dirty="0" spc="-260"/>
-              <a:t> </a:t>
-            </a:r>
-            <a:r>
-              <a:rPr dirty="0" spc="125"/>
+              <a:rPr spc="-260" dirty="0"/>
+              <a:t> </a:t>
+            </a:r>
+            <a:r>
+              <a:rPr spc="125" dirty="0"/>
               <a:t>de</a:t>
             </a:r>
             <a:r>
-              <a:rPr dirty="0" spc="-265"/>
-              <a:t> </a:t>
-            </a:r>
-            <a:r>
-              <a:rPr dirty="0" spc="55"/>
+              <a:rPr spc="-265" dirty="0"/>
+              <a:t> </a:t>
+            </a:r>
+            <a:r>
+              <a:rPr spc="55" dirty="0"/>
               <a:t>se </a:t>
             </a:r>
             <a:r>
-              <a:rPr dirty="0" spc="-840"/>
-              <a:t> </a:t>
-            </a:r>
-            <a:r>
-              <a:rPr dirty="0" spc="190"/>
+              <a:rPr spc="-840" dirty="0"/>
+              <a:t> </a:t>
+            </a:r>
+            <a:r>
+              <a:rPr spc="190" dirty="0"/>
               <a:t>c</a:t>
             </a:r>
             <a:r>
-              <a:rPr dirty="0" spc="125"/>
+              <a:rPr spc="125" dirty="0"/>
               <a:t>o</a:t>
             </a:r>
             <a:r>
-              <a:rPr dirty="0" spc="100"/>
+              <a:rPr spc="100" dirty="0"/>
               <a:t>n</a:t>
             </a:r>
             <a:r>
-              <a:rPr dirty="0" spc="65"/>
+              <a:rPr spc="65" dirty="0"/>
               <a:t>e</a:t>
             </a:r>
             <a:r>
-              <a:rPr dirty="0" spc="190"/>
+              <a:rPr spc="190" dirty="0"/>
               <a:t>c</a:t>
             </a:r>
             <a:r>
-              <a:rPr dirty="0" spc="-60"/>
+              <a:rPr spc="-60" dirty="0"/>
               <a:t>t</a:t>
             </a:r>
             <a:r>
-              <a:rPr dirty="0" spc="20"/>
+              <a:rPr spc="20" dirty="0"/>
               <a:t>a</a:t>
             </a:r>
             <a:r>
-              <a:rPr dirty="0" spc="-80"/>
+              <a:rPr spc="-80" dirty="0"/>
               <a:t>r</a:t>
             </a:r>
             <a:r>
-              <a:rPr dirty="0" spc="-265"/>
-              <a:t> </a:t>
-            </a:r>
-            <a:r>
-              <a:rPr dirty="0" spc="-85"/>
+              <a:rPr spc="-265" dirty="0"/>
+              <a:t> </a:t>
+            </a:r>
+            <a:r>
+              <a:rPr spc="-85" dirty="0"/>
               <a:t>r</a:t>
             </a:r>
             <a:r>
-              <a:rPr dirty="0" spc="65"/>
+              <a:rPr spc="65" dirty="0"/>
               <a:t>e</a:t>
             </a:r>
             <a:r>
-              <a:rPr dirty="0" spc="50"/>
+              <a:rPr spc="50" dirty="0"/>
               <a:t>m</a:t>
             </a:r>
             <a:r>
-              <a:rPr dirty="0" spc="65"/>
+              <a:rPr spc="65" dirty="0"/>
               <a:t>e</a:t>
             </a:r>
             <a:r>
-              <a:rPr dirty="0" spc="-60"/>
+              <a:rPr spc="-60" dirty="0"/>
               <a:t>t</a:t>
             </a:r>
             <a:r>
-              <a:rPr dirty="0" spc="65"/>
+              <a:rPr spc="65" dirty="0"/>
               <a:t>e</a:t>
             </a:r>
             <a:r>
-              <a:rPr dirty="0" spc="100"/>
+              <a:rPr spc="100" dirty="0"/>
               <a:t>n</a:t>
             </a:r>
             <a:r>
-              <a:rPr dirty="0" spc="-60"/>
+              <a:rPr spc="-60" dirty="0"/>
               <a:t>t</a:t>
             </a:r>
             <a:r>
-              <a:rPr dirty="0" spc="65"/>
+              <a:rPr spc="65" dirty="0"/>
               <a:t>e</a:t>
             </a:r>
             <a:r>
-              <a:rPr dirty="0" spc="40"/>
+              <a:rPr spc="40" dirty="0"/>
               <a:t>s</a:t>
             </a:r>
             <a:r>
-              <a:rPr dirty="0" spc="-265"/>
-              <a:t> </a:t>
-            </a:r>
-            <a:r>
-              <a:rPr dirty="0" spc="70"/>
+              <a:rPr spc="-265" dirty="0"/>
+              <a:t> </a:t>
+            </a:r>
+            <a:r>
+              <a:rPr spc="70" dirty="0"/>
               <a:t>e</a:t>
             </a:r>
             <a:r>
-              <a:rPr dirty="0" spc="-265"/>
-              <a:t> </a:t>
-            </a:r>
-            <a:r>
-              <a:rPr dirty="0" spc="175"/>
+              <a:rPr spc="-265" dirty="0"/>
+              <a:t> </a:t>
+            </a:r>
+            <a:r>
+              <a:rPr spc="175" dirty="0"/>
               <a:t>d</a:t>
             </a:r>
             <a:r>
-              <a:rPr dirty="0" spc="65"/>
+              <a:rPr spc="65" dirty="0"/>
               <a:t>e</a:t>
             </a:r>
             <a:r>
-              <a:rPr dirty="0" spc="35"/>
+              <a:rPr spc="35" dirty="0"/>
               <a:t>s</a:t>
             </a:r>
             <a:r>
-              <a:rPr dirty="0" spc="-60"/>
+              <a:rPr spc="-60" dirty="0"/>
               <a:t>t</a:t>
             </a:r>
             <a:r>
-              <a:rPr dirty="0" spc="25"/>
+              <a:rPr spc="25" dirty="0"/>
               <a:t>i</a:t>
             </a:r>
             <a:r>
-              <a:rPr dirty="0" spc="100"/>
+              <a:rPr spc="100" dirty="0"/>
               <a:t>n</a:t>
             </a:r>
             <a:r>
-              <a:rPr dirty="0" spc="20"/>
+              <a:rPr spc="20" dirty="0"/>
               <a:t>a</a:t>
             </a:r>
             <a:r>
-              <a:rPr dirty="0" spc="-60"/>
+              <a:rPr spc="-60" dirty="0"/>
               <a:t>t</a:t>
             </a:r>
             <a:r>
-              <a:rPr dirty="0" spc="20"/>
+              <a:rPr spc="20" dirty="0"/>
               <a:t>á</a:t>
             </a:r>
             <a:r>
-              <a:rPr dirty="0" spc="-85"/>
+              <a:rPr spc="-85" dirty="0"/>
               <a:t>r</a:t>
             </a:r>
             <a:r>
-              <a:rPr dirty="0" spc="25"/>
+              <a:rPr spc="25" dirty="0"/>
               <a:t>i</a:t>
             </a:r>
             <a:r>
-              <a:rPr dirty="0" spc="125"/>
+              <a:rPr spc="125" dirty="0"/>
               <a:t>o</a:t>
             </a:r>
             <a:r>
-              <a:rPr dirty="0" spc="40"/>
+              <a:rPr spc="40" dirty="0"/>
               <a:t>s</a:t>
             </a:r>
             <a:r>
-              <a:rPr dirty="0" spc="-265"/>
-              <a:t> </a:t>
-            </a:r>
-            <a:r>
-              <a:rPr dirty="0" spc="175"/>
+              <a:rPr spc="-265" dirty="0"/>
+              <a:t> </a:t>
+            </a:r>
+            <a:r>
+              <a:rPr spc="175" dirty="0"/>
               <a:t>d</a:t>
             </a:r>
             <a:r>
-              <a:rPr dirty="0" spc="70"/>
+              <a:rPr spc="70" dirty="0"/>
               <a:t>e</a:t>
             </a:r>
             <a:r>
-              <a:rPr dirty="0" spc="-265"/>
-              <a:t> </a:t>
-            </a:r>
-            <a:r>
-              <a:rPr dirty="0" spc="165"/>
+              <a:rPr spc="-265" dirty="0"/>
+              <a:t> </a:t>
+            </a:r>
+            <a:r>
+              <a:rPr spc="165" dirty="0"/>
               <a:t>p</a:t>
             </a:r>
             <a:r>
-              <a:rPr dirty="0" spc="65"/>
+              <a:rPr spc="65" dirty="0"/>
               <a:t>e</a:t>
             </a:r>
             <a:r>
-              <a:rPr dirty="0" spc="175"/>
+              <a:rPr spc="175" dirty="0"/>
               <a:t>d</a:t>
             </a:r>
             <a:r>
-              <a:rPr dirty="0" spc="25"/>
+              <a:rPr spc="25" dirty="0"/>
               <a:t>i</a:t>
             </a:r>
             <a:r>
-              <a:rPr dirty="0" spc="175"/>
+              <a:rPr spc="175" dirty="0"/>
               <a:t>d</a:t>
             </a:r>
             <a:r>
-              <a:rPr dirty="0" spc="125"/>
+              <a:rPr spc="125" dirty="0"/>
               <a:t>o</a:t>
             </a:r>
             <a:r>
-              <a:rPr dirty="0" spc="35"/>
+              <a:rPr spc="35" dirty="0"/>
               <a:t>s</a:t>
             </a:r>
             <a:r>
-              <a:rPr dirty="0" spc="-365"/>
+              <a:rPr spc="-365" dirty="0"/>
               <a:t>:</a:t>
             </a:r>
           </a:p>
@@ -8926,191 +9159,191 @@
               </a:lnSpc>
             </a:pPr>
             <a:r>
-              <a:rPr dirty="0" spc="95"/>
+              <a:rPr spc="95" dirty="0"/>
               <a:t>O</a:t>
             </a:r>
             <a:r>
-              <a:rPr dirty="0" spc="-265"/>
-              <a:t> </a:t>
-            </a:r>
-            <a:r>
-              <a:rPr dirty="0" spc="105"/>
+              <a:rPr spc="-265" dirty="0"/>
+              <a:t> </a:t>
+            </a:r>
+            <a:r>
+              <a:rPr spc="105" dirty="0"/>
               <a:t>Chain</a:t>
             </a:r>
             <a:r>
-              <a:rPr dirty="0" spc="-260"/>
-              <a:t> </a:t>
-            </a:r>
-            <a:r>
-              <a:rPr dirty="0" spc="25"/>
+              <a:rPr spc="-260" dirty="0"/>
+              <a:t> </a:t>
+            </a:r>
+            <a:r>
+              <a:rPr spc="25" dirty="0"/>
               <a:t>of</a:t>
             </a:r>
             <a:r>
-              <a:rPr dirty="0" spc="-260"/>
-              <a:t> </a:t>
-            </a:r>
-            <a:r>
-              <a:rPr dirty="0" spc="60"/>
+              <a:rPr spc="-260" dirty="0"/>
+              <a:t> </a:t>
+            </a:r>
+            <a:r>
+              <a:rPr spc="60" dirty="0"/>
               <a:t>Responsibility</a:t>
             </a:r>
             <a:r>
-              <a:rPr dirty="0" spc="-260"/>
-              <a:t> </a:t>
-            </a:r>
-            <a:r>
-              <a:rPr dirty="0" spc="55"/>
+              <a:rPr spc="-260" dirty="0"/>
+              <a:t> </a:t>
+            </a:r>
+            <a:r>
+              <a:rPr spc="55" dirty="0"/>
               <a:t>passa</a:t>
             </a:r>
             <a:r>
-              <a:rPr dirty="0" spc="-260"/>
-              <a:t> </a:t>
-            </a:r>
-            <a:r>
-              <a:rPr dirty="0" spc="80"/>
+              <a:rPr spc="-260" dirty="0"/>
+              <a:t> </a:t>
+            </a:r>
+            <a:r>
+              <a:rPr spc="80" dirty="0"/>
               <a:t>um</a:t>
             </a:r>
             <a:r>
-              <a:rPr dirty="0" spc="-260"/>
-              <a:t> </a:t>
-            </a:r>
-            <a:r>
-              <a:rPr dirty="0" spc="125"/>
+              <a:rPr spc="-260" dirty="0"/>
+              <a:t> </a:t>
+            </a:r>
+            <a:r>
+              <a:rPr spc="125" dirty="0"/>
               <a:t>pedido</a:t>
             </a:r>
             <a:r>
-              <a:rPr dirty="0" spc="-260"/>
-              <a:t> </a:t>
-            </a:r>
-            <a:r>
-              <a:rPr dirty="0" spc="70"/>
+              <a:rPr spc="-260" dirty="0"/>
+              <a:t> </a:t>
+            </a:r>
+            <a:r>
+              <a:rPr spc="70" dirty="0"/>
               <a:t>sequencialmente</a:t>
             </a:r>
             <a:r>
-              <a:rPr dirty="0" spc="-260"/>
-              <a:t> </a:t>
-            </a:r>
-            <a:r>
-              <a:rPr dirty="0" spc="75"/>
+              <a:rPr spc="-260" dirty="0"/>
+              <a:t> </a:t>
+            </a:r>
+            <a:r>
+              <a:rPr spc="75" dirty="0"/>
               <a:t>ao</a:t>
             </a:r>
             <a:r>
-              <a:rPr dirty="0" spc="-260"/>
-              <a:t> </a:t>
-            </a:r>
-            <a:r>
-              <a:rPr dirty="0" spc="114"/>
+              <a:rPr spc="-260" dirty="0"/>
+              <a:t> </a:t>
+            </a:r>
+            <a:r>
+              <a:rPr spc="114" dirty="0"/>
               <a:t>longo</a:t>
             </a:r>
             <a:r>
-              <a:rPr dirty="0" spc="-260"/>
-              <a:t> </a:t>
-            </a:r>
-            <a:r>
-              <a:rPr dirty="0" spc="125"/>
+              <a:rPr spc="-260" dirty="0"/>
+              <a:t> </a:t>
+            </a:r>
+            <a:r>
+              <a:rPr spc="125" dirty="0"/>
               <a:t>de</a:t>
             </a:r>
             <a:r>
-              <a:rPr dirty="0" spc="-260"/>
-              <a:t> </a:t>
-            </a:r>
-            <a:r>
-              <a:rPr dirty="0" spc="80"/>
+              <a:rPr spc="-260" dirty="0"/>
+              <a:t> </a:t>
+            </a:r>
+            <a:r>
+              <a:rPr spc="80" dirty="0"/>
               <a:t>um</a:t>
             </a:r>
             <a:r>
-              <a:rPr dirty="0" spc="-260"/>
-              <a:t> </a:t>
-            </a:r>
-            <a:r>
-              <a:rPr dirty="0" spc="40"/>
+              <a:rPr spc="-260" dirty="0"/>
+              <a:t> </a:t>
+            </a:r>
+            <a:r>
+              <a:rPr spc="40" dirty="0"/>
               <a:t>corrente </a:t>
             </a:r>
             <a:r>
-              <a:rPr dirty="0" spc="-844"/>
-              <a:t> </a:t>
-            </a:r>
-            <a:r>
-              <a:rPr dirty="0" spc="75"/>
+              <a:rPr spc="-844" dirty="0"/>
+              <a:t> </a:t>
+            </a:r>
+            <a:r>
+              <a:rPr spc="75" dirty="0"/>
               <a:t>dinâmica</a:t>
             </a:r>
             <a:r>
-              <a:rPr dirty="0" spc="-265"/>
-              <a:t> </a:t>
-            </a:r>
-            <a:r>
-              <a:rPr dirty="0" spc="125"/>
+              <a:rPr spc="-265" dirty="0"/>
+              <a:t> </a:t>
+            </a:r>
+            <a:r>
+              <a:rPr spc="125" dirty="0"/>
               <a:t>de</a:t>
             </a:r>
             <a:r>
-              <a:rPr dirty="0" spc="-265"/>
-              <a:t> </a:t>
-            </a:r>
-            <a:r>
-              <a:rPr dirty="0" spc="70"/>
+              <a:rPr spc="-265" dirty="0"/>
+              <a:t> </a:t>
+            </a:r>
+            <a:r>
+              <a:rPr spc="70" dirty="0"/>
               <a:t>potenciais</a:t>
             </a:r>
             <a:r>
-              <a:rPr dirty="0" spc="-265"/>
-              <a:t> </a:t>
-            </a:r>
-            <a:r>
-              <a:rPr dirty="0" spc="35"/>
+              <a:rPr spc="-265" dirty="0"/>
+              <a:t> </a:t>
+            </a:r>
+            <a:r>
+              <a:rPr spc="35" dirty="0"/>
               <a:t>destinatários</a:t>
             </a:r>
             <a:r>
-              <a:rPr dirty="0" spc="-265"/>
-              <a:t> </a:t>
-            </a:r>
-            <a:r>
-              <a:rPr dirty="0" spc="10"/>
+              <a:rPr spc="-265" dirty="0"/>
+              <a:t> </a:t>
+            </a:r>
+            <a:r>
+              <a:rPr spc="10" dirty="0"/>
               <a:t>até</a:t>
             </a:r>
             <a:r>
-              <a:rPr dirty="0" spc="-265"/>
-              <a:t> </a:t>
-            </a:r>
-            <a:r>
-              <a:rPr dirty="0" spc="114"/>
+              <a:rPr spc="-265" dirty="0"/>
+              <a:t> </a:t>
+            </a:r>
+            <a:r>
+              <a:rPr spc="114" dirty="0"/>
               <a:t>que</a:t>
             </a:r>
             <a:r>
-              <a:rPr dirty="0" spc="-265"/>
-              <a:t> </a:t>
-            </a:r>
-            <a:r>
-              <a:rPr dirty="0" spc="80"/>
+              <a:rPr spc="-265" dirty="0"/>
+              <a:t> </a:t>
+            </a:r>
+            <a:r>
+              <a:rPr spc="80" dirty="0"/>
               <a:t>um</a:t>
             </a:r>
             <a:r>
-              <a:rPr dirty="0" spc="-265"/>
-              <a:t> </a:t>
-            </a:r>
-            <a:r>
-              <a:rPr dirty="0" spc="80"/>
+              <a:rPr spc="-265" dirty="0"/>
+              <a:t> </a:t>
+            </a:r>
+            <a:r>
+              <a:rPr spc="80" dirty="0"/>
               <a:t>deles</a:t>
             </a:r>
             <a:r>
-              <a:rPr dirty="0" spc="-260"/>
-              <a:t> </a:t>
-            </a:r>
-            <a:r>
-              <a:rPr dirty="0" spc="20"/>
+              <a:rPr spc="-260" dirty="0"/>
+              <a:t> </a:t>
+            </a:r>
+            <a:r>
+              <a:rPr spc="20" dirty="0"/>
               <a:t>atua</a:t>
             </a:r>
             <a:r>
-              <a:rPr dirty="0" spc="-265"/>
-              <a:t> </a:t>
-            </a:r>
-            <a:r>
-              <a:rPr dirty="0" spc="114"/>
+              <a:rPr spc="-265" dirty="0"/>
+              <a:t> </a:t>
+            </a:r>
+            <a:r>
+              <a:rPr spc="114" dirty="0"/>
               <a:t>no</a:t>
             </a:r>
             <a:r>
-              <a:rPr dirty="0" spc="-265"/>
-              <a:t> </a:t>
-            </a:r>
-            <a:r>
-              <a:rPr dirty="0" spc="75"/>
+              <a:rPr spc="-265" dirty="0"/>
+              <a:t> </a:t>
+            </a:r>
+            <a:r>
+              <a:rPr spc="75" dirty="0"/>
               <a:t>pedido.</a:t>
             </a:r>
           </a:p>
@@ -9132,71 +9365,71 @@
               </a:lnSpc>
             </a:pPr>
             <a:r>
-              <a:rPr dirty="0" spc="95"/>
+              <a:rPr spc="95" dirty="0"/>
               <a:t>O</a:t>
             </a:r>
             <a:r>
-              <a:rPr dirty="0" spc="-254"/>
-              <a:t> </a:t>
-            </a:r>
-            <a:r>
-              <a:rPr dirty="0" spc="114"/>
+              <a:rPr spc="-254" dirty="0"/>
+              <a:t> </a:t>
+            </a:r>
+            <a:r>
+              <a:rPr spc="114" dirty="0"/>
               <a:t>Command</a:t>
             </a:r>
             <a:r>
-              <a:rPr dirty="0" spc="-250"/>
-              <a:t> </a:t>
-            </a:r>
-            <a:r>
-              <a:rPr dirty="0" spc="65"/>
+              <a:rPr spc="-250" dirty="0"/>
+              <a:t> </a:t>
+            </a:r>
+            <a:r>
+              <a:rPr spc="65" dirty="0"/>
               <a:t>estabelece</a:t>
             </a:r>
             <a:r>
-              <a:rPr dirty="0" spc="-254"/>
-              <a:t> </a:t>
-            </a:r>
-            <a:r>
-              <a:rPr dirty="0" spc="85"/>
+              <a:rPr spc="-254" dirty="0"/>
+              <a:t> </a:t>
+            </a:r>
+            <a:r>
+              <a:rPr spc="85" dirty="0"/>
               <a:t>conexões</a:t>
             </a:r>
             <a:r>
-              <a:rPr dirty="0" spc="-250"/>
-              <a:t> </a:t>
-            </a:r>
-            <a:r>
-              <a:rPr dirty="0" spc="65"/>
+              <a:rPr spc="-250" dirty="0"/>
+              <a:t> </a:t>
+            </a:r>
+            <a:r>
+              <a:rPr spc="65" dirty="0"/>
               <a:t>unidirecionais</a:t>
             </a:r>
             <a:r>
-              <a:rPr dirty="0" spc="-250"/>
-              <a:t> </a:t>
-            </a:r>
-            <a:r>
-              <a:rPr dirty="0" spc="20"/>
+              <a:rPr spc="-250" dirty="0"/>
+              <a:t> </a:t>
+            </a:r>
+            <a:r>
+              <a:rPr spc="20" dirty="0"/>
               <a:t>entre</a:t>
             </a:r>
             <a:r>
-              <a:rPr dirty="0" spc="-254"/>
-              <a:t> </a:t>
-            </a:r>
-            <a:r>
-              <a:rPr dirty="0" spc="25"/>
+              <a:rPr spc="-254" dirty="0"/>
+              <a:t> </a:t>
+            </a:r>
+            <a:r>
+              <a:rPr spc="25" dirty="0"/>
               <a:t>remetentes</a:t>
             </a:r>
             <a:r>
-              <a:rPr dirty="0" spc="-250"/>
-              <a:t> </a:t>
-            </a:r>
-            <a:r>
-              <a:rPr dirty="0" spc="70"/>
+              <a:rPr spc="-250" dirty="0"/>
+              <a:t> </a:t>
+            </a:r>
+            <a:r>
+              <a:rPr spc="70" dirty="0"/>
               <a:t>e</a:t>
             </a:r>
             <a:r>
-              <a:rPr dirty="0" spc="-250"/>
-              <a:t> </a:t>
-            </a:r>
-            <a:r>
-              <a:rPr dirty="0" spc="15"/>
+              <a:rPr spc="-250" dirty="0"/>
+              <a:t> </a:t>
+            </a:r>
+            <a:r>
+              <a:rPr spc="15" dirty="0"/>
               <a:t>destinatários.</a:t>
             </a:r>
           </a:p>
@@ -9221,323 +9454,319 @@
               </a:spcBef>
             </a:pPr>
             <a:r>
-              <a:rPr dirty="0" spc="95"/>
+              <a:rPr spc="95" dirty="0"/>
               <a:t>O</a:t>
             </a:r>
             <a:r>
-              <a:rPr dirty="0" spc="-260"/>
-              <a:t> </a:t>
-            </a:r>
-            <a:r>
-              <a:rPr dirty="0" spc="70"/>
+              <a:rPr spc="-260" dirty="0"/>
+              <a:t> </a:t>
+            </a:r>
+            <a:r>
+              <a:rPr spc="70" dirty="0"/>
               <a:t>Mediator</a:t>
             </a:r>
             <a:r>
-              <a:rPr dirty="0" spc="-260"/>
-              <a:t> </a:t>
-            </a:r>
-            <a:r>
-              <a:rPr dirty="0" spc="50"/>
+              <a:rPr spc="-260" dirty="0"/>
+              <a:t> </a:t>
+            </a:r>
+            <a:r>
+              <a:rPr spc="50" dirty="0"/>
               <a:t>elimina</a:t>
             </a:r>
             <a:r>
-              <a:rPr dirty="0" spc="-260"/>
-              <a:t> </a:t>
-            </a:r>
-            <a:r>
-              <a:rPr dirty="0" spc="30"/>
+              <a:rPr spc="-260" dirty="0"/>
+              <a:t> </a:t>
+            </a:r>
+            <a:r>
+              <a:rPr spc="30" dirty="0"/>
               <a:t>as</a:t>
             </a:r>
             <a:r>
-              <a:rPr dirty="0" spc="-260"/>
-              <a:t> </a:t>
-            </a:r>
-            <a:r>
-              <a:rPr dirty="0" spc="85"/>
+              <a:rPr spc="-260" dirty="0"/>
+              <a:t> </a:t>
+            </a:r>
+            <a:r>
+              <a:rPr spc="85" dirty="0"/>
               <a:t>conexões</a:t>
             </a:r>
             <a:r>
-              <a:rPr dirty="0" spc="-254"/>
-              <a:t> </a:t>
-            </a:r>
-            <a:r>
-              <a:rPr dirty="0" spc="25"/>
+              <a:rPr spc="-254" dirty="0"/>
+              <a:t> </a:t>
+            </a:r>
+            <a:r>
+              <a:rPr spc="25" dirty="0"/>
               <a:t>diretas</a:t>
             </a:r>
             <a:r>
-              <a:rPr dirty="0" spc="-260"/>
-              <a:t> </a:t>
-            </a:r>
-            <a:r>
-              <a:rPr dirty="0" spc="20"/>
+              <a:rPr spc="-260" dirty="0"/>
+              <a:t> </a:t>
+            </a:r>
+            <a:r>
+              <a:rPr spc="20" dirty="0"/>
               <a:t>entre</a:t>
             </a:r>
             <a:r>
-              <a:rPr dirty="0" spc="-260"/>
-              <a:t> </a:t>
-            </a:r>
-            <a:r>
-              <a:rPr dirty="0" spc="25"/>
+              <a:rPr spc="-260" dirty="0"/>
+              <a:t> </a:t>
+            </a:r>
+            <a:r>
+              <a:rPr spc="25" dirty="0"/>
               <a:t>remetentes</a:t>
             </a:r>
             <a:r>
-              <a:rPr dirty="0" spc="-260"/>
-              <a:t> </a:t>
-            </a:r>
-            <a:r>
-              <a:rPr dirty="0" spc="70"/>
+              <a:rPr spc="-260" dirty="0"/>
+              <a:t> </a:t>
+            </a:r>
+            <a:r>
+              <a:rPr spc="70" dirty="0"/>
               <a:t>e</a:t>
             </a:r>
             <a:r>
-              <a:rPr dirty="0" spc="-254"/>
-              <a:t> </a:t>
-            </a:r>
-            <a:r>
-              <a:rPr dirty="0" spc="15"/>
+              <a:rPr spc="-254" dirty="0"/>
+              <a:t> </a:t>
+            </a:r>
+            <a:r>
+              <a:rPr spc="15" dirty="0"/>
               <a:t>destinatários,</a:t>
             </a:r>
             <a:r>
-              <a:rPr dirty="0" spc="-260"/>
-              <a:t> </a:t>
-            </a:r>
-            <a:r>
-              <a:rPr dirty="0" spc="45"/>
+              <a:rPr spc="-260" dirty="0"/>
+              <a:t> </a:t>
+            </a:r>
+            <a:r>
+              <a:rPr spc="45" dirty="0"/>
               <a:t>forçando-os</a:t>
             </a:r>
             <a:r>
-              <a:rPr dirty="0" spc="-260"/>
-              <a:t> </a:t>
-            </a:r>
-            <a:r>
-              <a:rPr dirty="0" spc="25"/>
+              <a:rPr spc="-260" dirty="0"/>
+              <a:t> </a:t>
+            </a:r>
+            <a:r>
+              <a:rPr spc="25" dirty="0"/>
               <a:t>a</a:t>
             </a:r>
             <a:r>
-              <a:rPr dirty="0" spc="-260"/>
-              <a:t> </a:t>
-            </a:r>
-            <a:r>
-              <a:rPr dirty="0" spc="55"/>
+              <a:rPr spc="-260" dirty="0"/>
+              <a:t> </a:t>
+            </a:r>
+            <a:r>
+              <a:rPr spc="55" dirty="0"/>
               <a:t>se </a:t>
             </a:r>
             <a:r>
-              <a:rPr dirty="0" spc="-844"/>
-              <a:t> </a:t>
-            </a:r>
-            <a:r>
-              <a:rPr dirty="0" spc="190"/>
+              <a:rPr spc="-844" dirty="0"/>
+              <a:t> </a:t>
+            </a:r>
+            <a:r>
+              <a:rPr spc="190" dirty="0"/>
               <a:t>c</a:t>
             </a:r>
             <a:r>
-              <a:rPr dirty="0" spc="125"/>
+              <a:rPr spc="125" dirty="0"/>
               <a:t>o</a:t>
             </a:r>
             <a:r>
-              <a:rPr dirty="0" spc="50"/>
+              <a:rPr spc="50" dirty="0"/>
               <a:t>m</a:t>
             </a:r>
             <a:r>
-              <a:rPr dirty="0" spc="100"/>
+              <a:rPr spc="100" dirty="0"/>
+              <a:t>un</a:t>
+            </a:r>
+            <a:r>
+              <a:rPr spc="25" dirty="0"/>
+              <a:t>i</a:t>
+            </a:r>
+            <a:r>
+              <a:rPr spc="190" dirty="0"/>
+              <a:t>c</a:t>
+            </a:r>
+            <a:r>
+              <a:rPr spc="20" dirty="0"/>
+              <a:t>a</a:t>
+            </a:r>
+            <a:r>
+              <a:rPr spc="-80" dirty="0"/>
+              <a:t>r</a:t>
+            </a:r>
+            <a:r>
+              <a:rPr spc="-265" dirty="0"/>
+              <a:t> </a:t>
+            </a:r>
+            <a:r>
+              <a:rPr spc="25" dirty="0"/>
+              <a:t>i</a:t>
+            </a:r>
+            <a:r>
+              <a:rPr spc="100" dirty="0"/>
+              <a:t>n</a:t>
+            </a:r>
+            <a:r>
+              <a:rPr spc="175" dirty="0"/>
+              <a:t>d</a:t>
+            </a:r>
+            <a:r>
+              <a:rPr spc="25" dirty="0"/>
+              <a:t>i</a:t>
+            </a:r>
+            <a:r>
+              <a:rPr spc="-85" dirty="0"/>
+              <a:t>r</a:t>
+            </a:r>
+            <a:r>
+              <a:rPr spc="65" dirty="0"/>
+              <a:t>e</a:t>
+            </a:r>
+            <a:r>
+              <a:rPr spc="-60" dirty="0"/>
+              <a:t>t</a:t>
+            </a:r>
+            <a:r>
+              <a:rPr spc="20" dirty="0"/>
+              <a:t>a</a:t>
+            </a:r>
+            <a:r>
+              <a:rPr spc="50" dirty="0"/>
+              <a:t>m</a:t>
+            </a:r>
+            <a:r>
+              <a:rPr spc="65" dirty="0"/>
+              <a:t>e</a:t>
+            </a:r>
+            <a:r>
+              <a:rPr spc="100" dirty="0"/>
+              <a:t>n</a:t>
+            </a:r>
+            <a:r>
+              <a:rPr spc="-60" dirty="0"/>
+              <a:t>t</a:t>
+            </a:r>
+            <a:r>
+              <a:rPr spc="70" dirty="0"/>
+              <a:t>e</a:t>
+            </a:r>
+            <a:r>
+              <a:rPr spc="-265" dirty="0"/>
+              <a:t> </a:t>
+            </a:r>
+            <a:r>
+              <a:rPr spc="20" dirty="0"/>
+              <a:t>a</a:t>
+            </a:r>
+            <a:r>
+              <a:rPr spc="-60" dirty="0"/>
+              <a:t>t</a:t>
+            </a:r>
+            <a:r>
+              <a:rPr spc="-85" dirty="0"/>
+              <a:t>r</a:t>
+            </a:r>
+            <a:r>
+              <a:rPr spc="20" dirty="0"/>
+              <a:t>a</a:t>
+            </a:r>
+            <a:r>
+              <a:rPr spc="45" dirty="0"/>
+              <a:t>v</a:t>
+            </a:r>
+            <a:r>
+              <a:rPr spc="65" dirty="0"/>
+              <a:t>é</a:t>
+            </a:r>
+            <a:r>
+              <a:rPr spc="40" dirty="0"/>
+              <a:t>s</a:t>
+            </a:r>
+            <a:r>
+              <a:rPr spc="-265" dirty="0"/>
+              <a:t> </a:t>
+            </a:r>
+            <a:r>
+              <a:rPr spc="175" dirty="0"/>
+              <a:t>d</a:t>
+            </a:r>
+            <a:r>
+              <a:rPr spc="70" dirty="0"/>
+              <a:t>e</a:t>
+            </a:r>
+            <a:r>
+              <a:rPr spc="-265" dirty="0"/>
+              <a:t> </a:t>
+            </a:r>
+            <a:r>
+              <a:rPr spc="100" dirty="0"/>
               <a:t>u</a:t>
             </a:r>
             <a:r>
-              <a:rPr dirty="0" spc="100"/>
-              <a:t>n</a:t>
-            </a:r>
-            <a:r>
-              <a:rPr dirty="0" spc="25"/>
+              <a:rPr spc="55" dirty="0"/>
+              <a:t>m</a:t>
+            </a:r>
+            <a:r>
+              <a:rPr spc="-265" dirty="0"/>
+              <a:t> </a:t>
+            </a:r>
+            <a:r>
+              <a:rPr spc="125" dirty="0"/>
+              <a:t>o</a:t>
+            </a:r>
+            <a:r>
+              <a:rPr spc="165" dirty="0"/>
+              <a:t>b</a:t>
+            </a:r>
+            <a:r>
+              <a:rPr spc="-135" dirty="0"/>
+              <a:t>j</a:t>
+            </a:r>
+            <a:r>
+              <a:rPr spc="65" dirty="0"/>
+              <a:t>e</a:t>
+            </a:r>
+            <a:r>
+              <a:rPr spc="-60" dirty="0"/>
+              <a:t>t</a:t>
+            </a:r>
+            <a:r>
+              <a:rPr spc="130" dirty="0"/>
+              <a:t>o</a:t>
+            </a:r>
+            <a:r>
+              <a:rPr spc="-265" dirty="0"/>
+              <a:t> </a:t>
+            </a:r>
+            <a:r>
+              <a:rPr spc="50" dirty="0"/>
+              <a:t>m</a:t>
+            </a:r>
+            <a:r>
+              <a:rPr spc="65" dirty="0"/>
+              <a:t>e</a:t>
+            </a:r>
+            <a:r>
+              <a:rPr spc="175" dirty="0"/>
+              <a:t>d</a:t>
+            </a:r>
+            <a:r>
+              <a:rPr spc="25" dirty="0"/>
               <a:t>i</a:t>
             </a:r>
             <a:r>
-              <a:rPr dirty="0" spc="190"/>
-              <a:t>c</a:t>
-            </a:r>
-            <a:r>
-              <a:rPr dirty="0" spc="20"/>
+              <a:rPr spc="20" dirty="0"/>
               <a:t>a</a:t>
             </a:r>
             <a:r>
-              <a:rPr dirty="0" spc="-80"/>
+              <a:rPr spc="175" dirty="0"/>
+              <a:t>d</a:t>
+            </a:r>
+            <a:r>
+              <a:rPr spc="125" dirty="0"/>
+              <a:t>o</a:t>
+            </a:r>
+            <a:r>
+              <a:rPr spc="-85" dirty="0"/>
               <a:t>r</a:t>
             </a:r>
             <a:r>
-              <a:rPr dirty="0" spc="-265"/>
-              <a:t> </a:t>
-            </a:r>
-            <a:r>
-              <a:rPr dirty="0" spc="25"/>
-              <a:t>i</a:t>
-            </a:r>
-            <a:r>
-              <a:rPr dirty="0" spc="100"/>
-              <a:t>n</a:t>
-            </a:r>
-            <a:r>
-              <a:rPr dirty="0" spc="175"/>
-              <a:t>d</a:t>
-            </a:r>
-            <a:r>
-              <a:rPr dirty="0" spc="25"/>
-              <a:t>i</a:t>
-            </a:r>
-            <a:r>
-              <a:rPr dirty="0" spc="-85"/>
-              <a:t>r</a:t>
-            </a:r>
-            <a:r>
-              <a:rPr dirty="0" spc="65"/>
-              <a:t>e</a:t>
-            </a:r>
-            <a:r>
-              <a:rPr dirty="0" spc="-60"/>
-              <a:t>t</a:t>
-            </a:r>
-            <a:r>
-              <a:rPr dirty="0" spc="20"/>
-              <a:t>a</a:t>
-            </a:r>
-            <a:r>
-              <a:rPr dirty="0" spc="50"/>
-              <a:t>m</a:t>
-            </a:r>
-            <a:r>
-              <a:rPr dirty="0" spc="65"/>
-              <a:t>e</a:t>
-            </a:r>
-            <a:r>
-              <a:rPr dirty="0" spc="100"/>
-              <a:t>n</a:t>
-            </a:r>
-            <a:r>
-              <a:rPr dirty="0" spc="-60"/>
-              <a:t>t</a:t>
-            </a:r>
-            <a:r>
-              <a:rPr dirty="0" spc="70"/>
-              <a:t>e</a:t>
-            </a:r>
-            <a:r>
-              <a:rPr dirty="0" spc="-265"/>
-              <a:t> </a:t>
-            </a:r>
-            <a:r>
-              <a:rPr dirty="0" spc="20"/>
-              <a:t>a</a:t>
-            </a:r>
-            <a:r>
-              <a:rPr dirty="0" spc="-60"/>
-              <a:t>t</a:t>
-            </a:r>
-            <a:r>
-              <a:rPr dirty="0" spc="-85"/>
-              <a:t>r</a:t>
-            </a:r>
-            <a:r>
-              <a:rPr dirty="0" spc="20"/>
-              <a:t>a</a:t>
-            </a:r>
-            <a:r>
-              <a:rPr dirty="0" spc="45"/>
-              <a:t>v</a:t>
-            </a:r>
-            <a:r>
-              <a:rPr dirty="0" spc="65"/>
-              <a:t>é</a:t>
-            </a:r>
-            <a:r>
-              <a:rPr dirty="0" spc="40"/>
-              <a:t>s</a:t>
-            </a:r>
-            <a:r>
-              <a:rPr dirty="0" spc="-265"/>
-              <a:t> </a:t>
-            </a:r>
-            <a:r>
-              <a:rPr dirty="0" spc="175"/>
-              <a:t>d</a:t>
-            </a:r>
-            <a:r>
-              <a:rPr dirty="0" spc="70"/>
-              <a:t>e</a:t>
-            </a:r>
-            <a:r>
-              <a:rPr dirty="0" spc="-265"/>
-              <a:t> </a:t>
-            </a:r>
-            <a:r>
-              <a:rPr dirty="0" spc="100"/>
-              <a:t>u</a:t>
-            </a:r>
-            <a:r>
-              <a:rPr dirty="0" spc="55"/>
-              <a:t>m</a:t>
-            </a:r>
-            <a:r>
-              <a:rPr dirty="0" spc="-265"/>
-              <a:t> </a:t>
-            </a:r>
-            <a:r>
-              <a:rPr dirty="0" spc="125"/>
-              <a:t>o</a:t>
-            </a:r>
-            <a:r>
-              <a:rPr dirty="0" spc="165"/>
-              <a:t>b</a:t>
-            </a:r>
-            <a:r>
-              <a:rPr dirty="0" spc="-135"/>
-              <a:t>j</a:t>
-            </a:r>
-            <a:r>
-              <a:rPr dirty="0" spc="65"/>
-              <a:t>e</a:t>
-            </a:r>
-            <a:r>
-              <a:rPr dirty="0" spc="-60"/>
-              <a:t>t</a:t>
-            </a:r>
-            <a:r>
-              <a:rPr dirty="0" spc="130"/>
-              <a:t>o</a:t>
-            </a:r>
-            <a:r>
-              <a:rPr dirty="0" spc="-265"/>
-              <a:t> </a:t>
-            </a:r>
-            <a:r>
-              <a:rPr dirty="0" spc="50"/>
-              <a:t>m</a:t>
-            </a:r>
-            <a:r>
-              <a:rPr dirty="0" spc="65"/>
-              <a:t>e</a:t>
-            </a:r>
-            <a:r>
-              <a:rPr dirty="0" spc="175"/>
-              <a:t>d</a:t>
-            </a:r>
-            <a:r>
-              <a:rPr dirty="0" spc="25"/>
-              <a:t>i</a:t>
-            </a:r>
-            <a:r>
-              <a:rPr dirty="0" spc="20"/>
-              <a:t>a</a:t>
-            </a:r>
-            <a:r>
-              <a:rPr dirty="0" spc="175"/>
-              <a:t>d</a:t>
-            </a:r>
-            <a:r>
-              <a:rPr dirty="0" spc="125"/>
-              <a:t>o</a:t>
-            </a:r>
-            <a:r>
-              <a:rPr dirty="0" spc="-85"/>
-              <a:t>r</a:t>
-            </a:r>
-            <a:r>
-              <a:rPr dirty="0" spc="-225"/>
+              <a:rPr spc="-225" dirty="0"/>
               <a:t>.</a:t>
             </a:r>
           </a:p>
@@ -9559,223 +9788,223 @@
               </a:lnSpc>
             </a:pPr>
             <a:r>
-              <a:rPr dirty="0" spc="95"/>
+              <a:rPr spc="95" dirty="0"/>
               <a:t>O</a:t>
             </a:r>
             <a:r>
-              <a:rPr dirty="0" spc="-265"/>
-              <a:t> </a:t>
-            </a:r>
-            <a:r>
-              <a:rPr dirty="0" spc="40"/>
+              <a:rPr spc="-265" dirty="0"/>
+              <a:t> </a:t>
+            </a:r>
+            <a:r>
+              <a:rPr spc="40" dirty="0"/>
               <a:t>Observer</a:t>
             </a:r>
             <a:r>
-              <a:rPr dirty="0" spc="-265"/>
-              <a:t> </a:t>
-            </a:r>
-            <a:r>
-              <a:rPr dirty="0" spc="35"/>
+              <a:rPr spc="-265" dirty="0"/>
+              <a:t> </a:t>
+            </a:r>
+            <a:r>
+              <a:rPr spc="35" dirty="0"/>
               <a:t>permite</a:t>
             </a:r>
             <a:r>
-              <a:rPr dirty="0" spc="-260"/>
-              <a:t> </a:t>
-            </a:r>
-            <a:r>
-              <a:rPr dirty="0" spc="114"/>
+              <a:rPr spc="-260" dirty="0"/>
+              <a:t> </a:t>
+            </a:r>
+            <a:r>
+              <a:rPr spc="114" dirty="0"/>
               <a:t>que</a:t>
             </a:r>
             <a:r>
-              <a:rPr dirty="0" spc="-265"/>
-              <a:t> </a:t>
-            </a:r>
-            <a:r>
-              <a:rPr dirty="0" spc="35"/>
+              <a:rPr spc="-265" dirty="0"/>
+              <a:t> </a:t>
+            </a:r>
+            <a:r>
+              <a:rPr spc="35" dirty="0"/>
               <a:t>destinatários</a:t>
             </a:r>
             <a:r>
-              <a:rPr dirty="0" spc="-260"/>
-              <a:t> </a:t>
-            </a:r>
-            <a:r>
-              <a:rPr dirty="0" spc="25"/>
+              <a:rPr spc="-260" dirty="0"/>
+              <a:t> </a:t>
+            </a:r>
+            <a:r>
+              <a:rPr spc="25" dirty="0"/>
               <a:t>inscrevam-se</a:t>
             </a:r>
             <a:r>
-              <a:rPr dirty="0" spc="-265"/>
-              <a:t> </a:t>
-            </a:r>
-            <a:r>
-              <a:rPr dirty="0" spc="114"/>
+              <a:rPr spc="-265" dirty="0"/>
+              <a:t> </a:t>
+            </a:r>
+            <a:r>
+              <a:rPr spc="114" dirty="0"/>
               <a:t>ou</a:t>
             </a:r>
             <a:r>
-              <a:rPr dirty="0" spc="-265"/>
-              <a:t> </a:t>
-            </a:r>
-            <a:r>
-              <a:rPr dirty="0" spc="95"/>
+              <a:rPr spc="-265" dirty="0"/>
+              <a:t> </a:t>
+            </a:r>
+            <a:r>
+              <a:rPr spc="95" dirty="0"/>
               <a:t>cancelem</a:t>
             </a:r>
             <a:r>
-              <a:rPr dirty="0" spc="-260"/>
-              <a:t> </a:t>
-            </a:r>
-            <a:r>
-              <a:rPr dirty="0" spc="55"/>
+              <a:rPr spc="-260" dirty="0"/>
+              <a:t> </a:t>
+            </a:r>
+            <a:r>
+              <a:rPr spc="55" dirty="0"/>
               <a:t>sua</a:t>
             </a:r>
             <a:r>
-              <a:rPr dirty="0" spc="-265"/>
-              <a:t> </a:t>
-            </a:r>
-            <a:r>
-              <a:rPr dirty="0" spc="70"/>
+              <a:rPr spc="-265" dirty="0"/>
+              <a:t> </a:t>
+            </a:r>
+            <a:r>
+              <a:rPr spc="70" dirty="0"/>
               <a:t>inscrição </a:t>
             </a:r>
             <a:r>
-              <a:rPr dirty="0" spc="-844"/>
-              <a:t> </a:t>
-            </a:r>
-            <a:r>
-              <a:rPr dirty="0" spc="175"/>
+              <a:rPr spc="-844" dirty="0"/>
+              <a:t> </a:t>
+            </a:r>
+            <a:r>
+              <a:rPr spc="175" dirty="0"/>
               <a:t>d</a:t>
             </a:r>
             <a:r>
-              <a:rPr dirty="0" spc="25"/>
+              <a:rPr spc="25" dirty="0"/>
               <a:t>i</a:t>
             </a:r>
             <a:r>
-              <a:rPr dirty="0" spc="100"/>
+              <a:rPr spc="100" dirty="0"/>
               <a:t>n</a:t>
             </a:r>
             <a:r>
-              <a:rPr dirty="0" spc="20"/>
+              <a:rPr spc="20" dirty="0"/>
               <a:t>a</a:t>
             </a:r>
             <a:r>
-              <a:rPr dirty="0" spc="50"/>
+              <a:rPr spc="50" dirty="0"/>
               <a:t>m</a:t>
             </a:r>
             <a:r>
-              <a:rPr dirty="0" spc="25"/>
+              <a:rPr spc="25" dirty="0"/>
               <a:t>i</a:t>
             </a:r>
             <a:r>
-              <a:rPr dirty="0" spc="190"/>
+              <a:rPr spc="190" dirty="0"/>
               <a:t>c</a:t>
             </a:r>
             <a:r>
-              <a:rPr dirty="0" spc="20"/>
+              <a:rPr spc="20" dirty="0"/>
               <a:t>a</a:t>
             </a:r>
             <a:r>
-              <a:rPr dirty="0" spc="50"/>
+              <a:rPr spc="50" dirty="0"/>
               <a:t>m</a:t>
             </a:r>
             <a:r>
-              <a:rPr dirty="0" spc="65"/>
+              <a:rPr spc="65" dirty="0"/>
               <a:t>e</a:t>
             </a:r>
             <a:r>
-              <a:rPr dirty="0" spc="100"/>
+              <a:rPr spc="100" dirty="0"/>
               <a:t>n</a:t>
             </a:r>
             <a:r>
-              <a:rPr dirty="0" spc="-60"/>
+              <a:rPr spc="-60" dirty="0"/>
               <a:t>t</a:t>
             </a:r>
             <a:r>
-              <a:rPr dirty="0" spc="70"/>
+              <a:rPr spc="70" dirty="0"/>
               <a:t>e</a:t>
             </a:r>
             <a:r>
-              <a:rPr dirty="0" spc="-265"/>
-              <a:t> </a:t>
-            </a:r>
-            <a:r>
-              <a:rPr dirty="0" spc="165"/>
+              <a:rPr spc="-265" dirty="0"/>
+              <a:t> </a:t>
+            </a:r>
+            <a:r>
+              <a:rPr spc="165" dirty="0"/>
               <a:t>p</a:t>
             </a:r>
             <a:r>
-              <a:rPr dirty="0" spc="20"/>
+              <a:rPr spc="20" dirty="0"/>
               <a:t>a</a:t>
             </a:r>
             <a:r>
-              <a:rPr dirty="0" spc="-85"/>
+              <a:rPr spc="-85" dirty="0"/>
               <a:t>r</a:t>
             </a:r>
             <a:r>
-              <a:rPr dirty="0" spc="25"/>
+              <a:rPr spc="25" dirty="0"/>
               <a:t>a</a:t>
             </a:r>
             <a:r>
-              <a:rPr dirty="0" spc="-265"/>
-              <a:t> </a:t>
-            </a:r>
-            <a:r>
-              <a:rPr dirty="0" spc="-85"/>
+              <a:rPr spc="-265" dirty="0"/>
+              <a:t> </a:t>
+            </a:r>
+            <a:r>
+              <a:rPr spc="-85" dirty="0"/>
               <a:t>r</a:t>
             </a:r>
             <a:r>
-              <a:rPr dirty="0" spc="65"/>
+              <a:rPr spc="65" dirty="0"/>
               <a:t>e</a:t>
             </a:r>
             <a:r>
-              <a:rPr dirty="0" spc="190"/>
+              <a:rPr spc="190" dirty="0"/>
               <a:t>c</a:t>
             </a:r>
             <a:r>
-              <a:rPr dirty="0" spc="65"/>
+              <a:rPr spc="65" dirty="0"/>
               <a:t>e</a:t>
             </a:r>
             <a:r>
-              <a:rPr dirty="0" spc="165"/>
+              <a:rPr spc="165" dirty="0"/>
               <a:t>b</a:t>
             </a:r>
             <a:r>
-              <a:rPr dirty="0" spc="65"/>
+              <a:rPr spc="65" dirty="0"/>
               <a:t>e</a:t>
             </a:r>
             <a:r>
-              <a:rPr dirty="0" spc="-80"/>
+              <a:rPr spc="-80" dirty="0"/>
               <a:t>r</a:t>
             </a:r>
             <a:r>
-              <a:rPr dirty="0" spc="-265"/>
-              <a:t> </a:t>
-            </a:r>
-            <a:r>
-              <a:rPr dirty="0" spc="165"/>
+              <a:rPr spc="-265" dirty="0"/>
+              <a:t> </a:t>
+            </a:r>
+            <a:r>
+              <a:rPr spc="165" dirty="0"/>
               <a:t>p</a:t>
             </a:r>
             <a:r>
-              <a:rPr dirty="0" spc="65"/>
+              <a:rPr spc="65" dirty="0"/>
               <a:t>e</a:t>
             </a:r>
             <a:r>
-              <a:rPr dirty="0" spc="175"/>
+              <a:rPr spc="175" dirty="0"/>
               <a:t>d</a:t>
             </a:r>
             <a:r>
-              <a:rPr dirty="0" spc="25"/>
+              <a:rPr spc="25" dirty="0"/>
               <a:t>i</a:t>
             </a:r>
             <a:r>
-              <a:rPr dirty="0" spc="175"/>
+              <a:rPr spc="175" dirty="0"/>
               <a:t>d</a:t>
             </a:r>
             <a:r>
-              <a:rPr dirty="0" spc="125"/>
+              <a:rPr spc="125" dirty="0"/>
               <a:t>o</a:t>
             </a:r>
             <a:r>
-              <a:rPr dirty="0" spc="35"/>
+              <a:rPr spc="35" dirty="0"/>
               <a:t>s</a:t>
             </a:r>
             <a:r>
-              <a:rPr dirty="0" spc="-225"/>
+              <a:rPr spc="-225" dirty="0"/>
               <a:t>.</a:t>
             </a:r>
           </a:p>
@@ -9796,10 +10025,12 @@
             <a:off x="1914639" y="153507"/>
             <a:ext cx="8553450" cy="2768600"/>
           </a:xfrm>
-          <a:prstGeom prst="rect"/>
+          <a:prstGeom prst="rect">
+            <a:avLst/>
+          </a:prstGeom>
         </p:spPr>
         <p:txBody>
-          <a:bodyPr wrap="square" lIns="0" tIns="12700" rIns="0" bIns="0" rtlCol="0" vert="horz">
+          <a:bodyPr vert="horz" wrap="square" lIns="0" tIns="12700" rIns="0" bIns="0" rtlCol="0">
             <a:spAutoFit/>
           </a:bodyPr>
           <a:lstStyle/>
@@ -9813,7 +10044,7 @@
               </a:spcBef>
             </a:pPr>
             <a:r>
-              <a:rPr dirty="0" sz="9000" spc="-545">
+              <a:rPr sz="9000" spc="-545" dirty="0">
                 <a:solidFill>
                   <a:srgbClr val="EFEFEF"/>
                 </a:solidFill>
@@ -9821,7 +10052,7 @@
               <a:t>R</a:t>
             </a:r>
             <a:r>
-              <a:rPr dirty="0" sz="9000" spc="-55">
+              <a:rPr sz="9000" spc="-55" dirty="0">
                 <a:solidFill>
                   <a:srgbClr val="EFEFEF"/>
                 </a:solidFill>
@@ -9829,7 +10060,7 @@
               <a:t>e</a:t>
             </a:r>
             <a:r>
-              <a:rPr dirty="0" sz="9000" spc="-100">
+              <a:rPr sz="9000" spc="-100" dirty="0">
                 <a:solidFill>
                   <a:srgbClr val="EFEFEF"/>
                 </a:solidFill>
@@ -9837,7 +10068,7 @@
               <a:t>l</a:t>
             </a:r>
             <a:r>
-              <a:rPr dirty="0" sz="9000" spc="-235">
+              <a:rPr sz="9000" spc="-235" dirty="0">
                 <a:solidFill>
                   <a:srgbClr val="EFEFEF"/>
                 </a:solidFill>
@@ -9845,7 +10076,7 @@
               <a:t>a</a:t>
             </a:r>
             <a:r>
-              <a:rPr dirty="0" sz="9000" spc="409">
+              <a:rPr sz="9000" spc="409" dirty="0">
                 <a:solidFill>
                   <a:srgbClr val="EFEFEF"/>
                 </a:solidFill>
@@ -9853,7 +10084,7 @@
               <a:t>ç</a:t>
             </a:r>
             <a:r>
-              <a:rPr dirty="0" sz="9000" spc="-40">
+              <a:rPr sz="9000" spc="-40" dirty="0">
                 <a:solidFill>
                   <a:srgbClr val="EFEFEF"/>
                 </a:solidFill>
@@ -9861,7 +10092,7 @@
               <a:t>õ</a:t>
             </a:r>
             <a:r>
-              <a:rPr dirty="0" sz="9000" spc="-55">
+              <a:rPr sz="9000" spc="-55" dirty="0">
                 <a:solidFill>
                   <a:srgbClr val="EFEFEF"/>
                 </a:solidFill>
@@ -9869,7 +10100,7 @@
               <a:t>e</a:t>
             </a:r>
             <a:r>
-              <a:rPr dirty="0" sz="9000" spc="-35">
+              <a:rPr sz="9000" spc="-35" dirty="0">
                 <a:solidFill>
                   <a:srgbClr val="EFEFEF"/>
                 </a:solidFill>
@@ -9877,15 +10108,15 @@
               <a:t>s</a:t>
             </a:r>
             <a:r>
-              <a:rPr dirty="0" sz="9000" spc="-965">
-                <a:solidFill>
-                  <a:srgbClr val="EFEFEF"/>
-                </a:solidFill>
-              </a:rPr>
-              <a:t> </a:t>
-            </a:r>
-            <a:r>
-              <a:rPr dirty="0" sz="9000" spc="409">
+              <a:rPr sz="9000" spc="-965" dirty="0">
+                <a:solidFill>
+                  <a:srgbClr val="EFEFEF"/>
+                </a:solidFill>
+              </a:rPr>
+              <a:t> </a:t>
+            </a:r>
+            <a:r>
+              <a:rPr sz="9000" spc="409" dirty="0">
                 <a:solidFill>
                   <a:srgbClr val="EFEFEF"/>
                 </a:solidFill>
@@ -9893,7 +10124,7 @@
               <a:t>c</a:t>
             </a:r>
             <a:r>
-              <a:rPr dirty="0" sz="9000" spc="-40">
+              <a:rPr sz="9000" spc="-40" dirty="0">
                 <a:solidFill>
                   <a:srgbClr val="EFEFEF"/>
                 </a:solidFill>
@@ -9901,7 +10132,7 @@
               <a:t>o</a:t>
             </a:r>
             <a:r>
-              <a:rPr dirty="0" sz="9000" spc="-80">
+              <a:rPr sz="9000" spc="-80" dirty="0">
                 <a:solidFill>
                   <a:srgbClr val="EFEFEF"/>
                 </a:solidFill>
@@ -9909,7 +10140,7 @@
               <a:t>m  </a:t>
             </a:r>
             <a:r>
-              <a:rPr dirty="0" sz="9000" spc="40">
+              <a:rPr sz="9000" spc="40" dirty="0">
                 <a:solidFill>
                   <a:srgbClr val="EFEFEF"/>
                 </a:solidFill>
@@ -9917,7 +10148,7 @@
               <a:t>O</a:t>
             </a:r>
             <a:r>
-              <a:rPr dirty="0" sz="9000" spc="-110">
+              <a:rPr sz="9000" spc="-110" dirty="0">
                 <a:solidFill>
                   <a:srgbClr val="EFEFEF"/>
                 </a:solidFill>
@@ -9925,7 +10156,7 @@
               <a:t>u</a:t>
             </a:r>
             <a:r>
-              <a:rPr dirty="0" sz="9000" spc="-340">
+              <a:rPr sz="9000" spc="-340" dirty="0">
                 <a:solidFill>
                   <a:srgbClr val="EFEFEF"/>
                 </a:solidFill>
@@ -9933,7 +10164,7 @@
               <a:t>t</a:t>
             </a:r>
             <a:r>
-              <a:rPr dirty="0" sz="9000" spc="-325">
+              <a:rPr sz="9000" spc="-325" dirty="0">
                 <a:solidFill>
                   <a:srgbClr val="EFEFEF"/>
                 </a:solidFill>
@@ -9941,7 +10172,7 @@
               <a:t>r</a:t>
             </a:r>
             <a:r>
-              <a:rPr dirty="0" sz="9000" spc="-40">
+              <a:rPr sz="9000" spc="-40" dirty="0">
                 <a:solidFill>
                   <a:srgbClr val="EFEFEF"/>
                 </a:solidFill>
@@ -9949,7 +10180,7 @@
               <a:t>o</a:t>
             </a:r>
             <a:r>
-              <a:rPr dirty="0" sz="9000" spc="-35">
+              <a:rPr sz="9000" spc="-35" dirty="0">
                 <a:solidFill>
                   <a:srgbClr val="EFEFEF"/>
                 </a:solidFill>
@@ -9957,15 +10188,15 @@
               <a:t>s</a:t>
             </a:r>
             <a:r>
-              <a:rPr dirty="0" sz="9000" spc="-965">
-                <a:solidFill>
-                  <a:srgbClr val="EFEFEF"/>
-                </a:solidFill>
-              </a:rPr>
-              <a:t> </a:t>
-            </a:r>
-            <a:r>
-              <a:rPr dirty="0" sz="9000" spc="-220">
+              <a:rPr sz="9000" spc="-965" dirty="0">
+                <a:solidFill>
+                  <a:srgbClr val="EFEFEF"/>
+                </a:solidFill>
+              </a:rPr>
+              <a:t> </a:t>
+            </a:r>
+            <a:r>
+              <a:rPr sz="9000" spc="-220" dirty="0">
                 <a:solidFill>
                   <a:srgbClr val="EFEFEF"/>
                 </a:solidFill>
@@ -9973,7 +10204,7 @@
               <a:t>P</a:t>
             </a:r>
             <a:r>
-              <a:rPr dirty="0" sz="9000" spc="-235">
+              <a:rPr sz="9000" spc="-235" dirty="0">
                 <a:solidFill>
                   <a:srgbClr val="EFEFEF"/>
                 </a:solidFill>
@@ -9981,7 +10212,7 @@
               <a:t>a</a:t>
             </a:r>
             <a:r>
-              <a:rPr dirty="0" sz="9000" spc="235">
+              <a:rPr sz="9000" spc="235" dirty="0">
                 <a:solidFill>
                   <a:srgbClr val="EFEFEF"/>
                 </a:solidFill>
@@ -9989,7 +10220,7 @@
               <a:t>d</a:t>
             </a:r>
             <a:r>
-              <a:rPr dirty="0" sz="9000" spc="-325">
+              <a:rPr sz="9000" spc="-325" dirty="0">
                 <a:solidFill>
                   <a:srgbClr val="EFEFEF"/>
                 </a:solidFill>
@@ -9997,7 +10228,7 @@
               <a:t>r</a:t>
             </a:r>
             <a:r>
-              <a:rPr dirty="0" sz="9000" spc="-40">
+              <a:rPr sz="9000" spc="-40" dirty="0">
                 <a:solidFill>
                   <a:srgbClr val="EFEFEF"/>
                 </a:solidFill>
@@ -10005,7 +10236,7 @@
               <a:t>õ</a:t>
             </a:r>
             <a:r>
-              <a:rPr dirty="0" sz="9000" spc="-55">
+              <a:rPr sz="9000" spc="-55" dirty="0">
                 <a:solidFill>
                   <a:srgbClr val="EFEFEF"/>
                 </a:solidFill>
@@ -10013,7 +10244,7 @@
               <a:t>e</a:t>
             </a:r>
             <a:r>
-              <a:rPr dirty="0" sz="9000" spc="-35">
+              <a:rPr sz="9000" spc="-35" dirty="0">
                 <a:solidFill>
                   <a:srgbClr val="EFEFEF"/>
                 </a:solidFill>
@@ -10066,7 +10297,9 @@
         <p:txBody>
           <a:bodyPr wrap="square" lIns="0" tIns="0" rIns="0" bIns="0" rtlCol="0"/>
           <a:lstStyle/>
-          <a:p/>
+          <a:p>
+            <a:endParaRPr/>
+          </a:p>
         </p:txBody>
       </p:sp>
       <p:sp>
@@ -10147,7 +10380,9 @@
         <p:txBody>
           <a:bodyPr wrap="square" lIns="0" tIns="0" rIns="0" bIns="0" rtlCol="0"/>
           <a:lstStyle/>
-          <a:p/>
+          <a:p>
+            <a:endParaRPr/>
+          </a:p>
         </p:txBody>
       </p:sp>
     </p:spTree>
@@ -10303,7 +10538,9 @@
           <p:txBody>
             <a:bodyPr wrap="square" lIns="0" tIns="0" rIns="0" bIns="0" rtlCol="0"/>
             <a:lstStyle/>
-            <a:p/>
+            <a:p>
+              <a:endParaRPr/>
+            </a:p>
           </p:txBody>
         </p:sp>
         <p:sp>
@@ -10348,7 +10585,9 @@
           <p:txBody>
             <a:bodyPr wrap="square" lIns="0" tIns="0" rIns="0" bIns="0" rtlCol="0"/>
             <a:lstStyle/>
-            <a:p/>
+            <a:p>
+              <a:endParaRPr/>
+            </a:p>
           </p:txBody>
         </p:sp>
       </p:grpSp>
@@ -10411,10 +10650,12 @@
             <a:off x="577903" y="156180"/>
             <a:ext cx="9126855" cy="5720715"/>
           </a:xfrm>
-          <a:prstGeom prst="rect"/>
+          <a:prstGeom prst="rect">
+            <a:avLst/>
+          </a:prstGeom>
         </p:spPr>
         <p:txBody>
-          <a:bodyPr wrap="square" lIns="0" tIns="12700" rIns="0" bIns="0" rtlCol="0" vert="horz">
+          <a:bodyPr vert="horz" wrap="square" lIns="0" tIns="12700" rIns="0" bIns="0" rtlCol="0">
             <a:spAutoFit/>
           </a:bodyPr>
           <a:lstStyle/>
@@ -10428,67 +10669,67 @@
               </a:spcBef>
             </a:pPr>
             <a:r>
-              <a:rPr dirty="0" sz="8000" spc="80"/>
+              <a:rPr sz="8000" spc="80" dirty="0"/>
               <a:t>E</a:t>
             </a:r>
             <a:r>
-              <a:rPr dirty="0" sz="8000" spc="-340"/>
+              <a:rPr sz="8000" spc="-340" dirty="0"/>
               <a:t>x</a:t>
             </a:r>
             <a:r>
-              <a:rPr dirty="0" sz="8000" spc="-55"/>
+              <a:rPr sz="8000" spc="-55" dirty="0"/>
               <a:t>e</a:t>
             </a:r>
             <a:r>
-              <a:rPr dirty="0" sz="8000" spc="-130"/>
+              <a:rPr sz="8000" spc="-130" dirty="0"/>
               <a:t>m</a:t>
             </a:r>
             <a:r>
-              <a:rPr dirty="0" sz="8000" spc="195"/>
+              <a:rPr sz="8000" spc="195" dirty="0"/>
               <a:t>p</a:t>
             </a:r>
             <a:r>
-              <a:rPr dirty="0" sz="8000" spc="-95"/>
+              <a:rPr sz="8000" spc="-95" dirty="0"/>
               <a:t>l</a:t>
             </a:r>
             <a:r>
-              <a:rPr dirty="0" sz="8000" spc="-35"/>
+              <a:rPr sz="8000" spc="-35" dirty="0"/>
               <a:t>o</a:t>
             </a:r>
             <a:r>
-              <a:rPr dirty="0" sz="8000" spc="-860"/>
-              <a:t> </a:t>
-            </a:r>
-            <a:r>
-              <a:rPr dirty="0" sz="8000" spc="30"/>
+              <a:rPr sz="8000" spc="-860" dirty="0"/>
+              <a:t> </a:t>
+            </a:r>
+            <a:r>
+              <a:rPr sz="8000" spc="30" dirty="0"/>
               <a:t>O</a:t>
             </a:r>
             <a:r>
-              <a:rPr dirty="0" sz="8000" spc="180"/>
+              <a:rPr sz="8000" spc="180" dirty="0"/>
               <a:t>b</a:t>
             </a:r>
             <a:r>
-              <a:rPr dirty="0" sz="8000" spc="-35"/>
+              <a:rPr sz="8000" spc="-35" dirty="0"/>
               <a:t>s</a:t>
             </a:r>
             <a:r>
-              <a:rPr dirty="0" sz="8000" spc="-55"/>
+              <a:rPr sz="8000" spc="-55" dirty="0"/>
               <a:t>e</a:t>
             </a:r>
             <a:r>
-              <a:rPr dirty="0" sz="8000" spc="-290"/>
+              <a:rPr sz="8000" spc="-290" dirty="0"/>
               <a:t>r</a:t>
             </a:r>
             <a:r>
-              <a:rPr dirty="0" sz="8000" spc="45"/>
+              <a:rPr sz="8000" spc="45" dirty="0"/>
               <a:t>v</a:t>
             </a:r>
             <a:r>
-              <a:rPr dirty="0" sz="8000" spc="-55"/>
+              <a:rPr sz="8000" spc="-55" dirty="0"/>
               <a:t>e</a:t>
             </a:r>
             <a:r>
-              <a:rPr dirty="0" sz="8000" spc="-285"/>
+              <a:rPr sz="8000" spc="-285" dirty="0"/>
               <a:t>r</a:t>
             </a:r>
             <a:endParaRPr sz="8000"/>
@@ -10519,63 +10760,63 @@
               </a:lnSpc>
             </a:pPr>
             <a:r>
-              <a:rPr dirty="0" sz="8000" spc="80"/>
+              <a:rPr sz="8000" spc="80" dirty="0"/>
               <a:t>E</a:t>
             </a:r>
             <a:r>
-              <a:rPr dirty="0" sz="8000" spc="-340"/>
+              <a:rPr sz="8000" spc="-340" dirty="0"/>
               <a:t>x</a:t>
             </a:r>
             <a:r>
-              <a:rPr dirty="0" sz="8000" spc="-55"/>
+              <a:rPr sz="8000" spc="-55" dirty="0"/>
               <a:t>e</a:t>
             </a:r>
             <a:r>
-              <a:rPr dirty="0" sz="8000" spc="-130"/>
+              <a:rPr sz="8000" spc="-130" dirty="0"/>
               <a:t>m</a:t>
             </a:r>
             <a:r>
-              <a:rPr dirty="0" sz="8000" spc="195"/>
+              <a:rPr sz="8000" spc="195" dirty="0"/>
               <a:t>p</a:t>
             </a:r>
             <a:r>
-              <a:rPr dirty="0" sz="8000" spc="-95"/>
+              <a:rPr sz="8000" spc="-95" dirty="0"/>
               <a:t>l</a:t>
             </a:r>
             <a:r>
-              <a:rPr dirty="0" sz="8000" spc="-35"/>
+              <a:rPr sz="8000" spc="-35" dirty="0"/>
               <a:t>o</a:t>
             </a:r>
             <a:r>
-              <a:rPr dirty="0" sz="8000" spc="-860"/>
-              <a:t> </a:t>
-            </a:r>
-            <a:r>
-              <a:rPr dirty="0" sz="8000" spc="-145"/>
+              <a:rPr sz="8000" spc="-860" dirty="0"/>
+              <a:t> </a:t>
+            </a:r>
+            <a:r>
+              <a:rPr sz="8000" spc="-145" dirty="0"/>
               <a:t>S</a:t>
             </a:r>
             <a:r>
-              <a:rPr dirty="0" sz="8000" spc="-105"/>
+              <a:rPr sz="8000" spc="-105" dirty="0"/>
               <a:t>u</a:t>
             </a:r>
             <a:r>
-              <a:rPr dirty="0" sz="8000" spc="180"/>
+              <a:rPr sz="8000" spc="180" dirty="0"/>
               <a:t>b</a:t>
             </a:r>
             <a:r>
-              <a:rPr dirty="0" sz="8000" spc="-750"/>
+              <a:rPr sz="8000" spc="-750" dirty="0"/>
               <a:t>j</a:t>
             </a:r>
             <a:r>
-              <a:rPr dirty="0" sz="8000" spc="-55"/>
+              <a:rPr sz="8000" spc="-55" dirty="0"/>
               <a:t>e</a:t>
             </a:r>
             <a:r>
-              <a:rPr dirty="0" sz="8000" spc="360"/>
+              <a:rPr sz="8000" spc="360" dirty="0"/>
               <a:t>c</a:t>
             </a:r>
             <a:r>
-              <a:rPr dirty="0" sz="8000" spc="-305"/>
+              <a:rPr sz="8000" spc="-305" dirty="0"/>
               <a:t>t</a:t>
             </a:r>
             <a:endParaRPr sz="8000"/>
@@ -10623,7 +10864,7 @@
           </a:prstGeom>
         </p:spPr>
         <p:txBody>
-          <a:bodyPr wrap="square" lIns="0" tIns="12700" rIns="0" bIns="0" rtlCol="0" vert="horz">
+          <a:bodyPr vert="horz" wrap="square" lIns="0" tIns="12700" rIns="0" bIns="0" rtlCol="0">
             <a:spAutoFit/>
           </a:bodyPr>
           <a:lstStyle/>
@@ -10637,7 +10878,7 @@
               </a:spcBef>
             </a:pPr>
             <a:r>
-              <a:rPr dirty="0" sz="7500" spc="-45" b="1">
+              <a:rPr sz="7500" b="1" spc="-45" dirty="0">
                 <a:solidFill>
                   <a:srgbClr val="3775FF"/>
                 </a:solidFill>
@@ -10647,7 +10888,7 @@
               <a:t>Exemplo </a:t>
             </a:r>
             <a:r>
-              <a:rPr dirty="0" sz="7500" spc="-40" b="1">
+              <a:rPr sz="7500" b="1" spc="-40" dirty="0">
                 <a:solidFill>
                   <a:srgbClr val="3775FF"/>
                 </a:solidFill>
@@ -10657,7 +10898,7 @@
               <a:t> </a:t>
             </a:r>
             <a:r>
-              <a:rPr dirty="0" sz="7500" spc="10" b="1">
+              <a:rPr sz="7500" b="1" spc="10" dirty="0">
                 <a:solidFill>
                   <a:srgbClr val="3775FF"/>
                 </a:solidFill>
@@ -10667,7 +10908,7 @@
               <a:t>Classe </a:t>
             </a:r>
             <a:r>
-              <a:rPr dirty="0" sz="7500" spc="15" b="1">
+              <a:rPr sz="7500" b="1" spc="15" dirty="0">
                 <a:solidFill>
                   <a:srgbClr val="3775FF"/>
                 </a:solidFill>
@@ -10677,7 +10918,7 @@
               <a:t> </a:t>
             </a:r>
             <a:r>
-              <a:rPr dirty="0" sz="7500" spc="430" b="1">
+              <a:rPr sz="7500" b="1" spc="430" dirty="0">
                 <a:solidFill>
                   <a:srgbClr val="3775FF"/>
                 </a:solidFill>
@@ -10687,7 +10928,7 @@
               <a:t>C</a:t>
             </a:r>
             <a:r>
-              <a:rPr dirty="0" sz="7500" spc="-35" b="1">
+              <a:rPr sz="7500" b="1" spc="-35" dirty="0">
                 <a:solidFill>
                   <a:srgbClr val="3775FF"/>
                 </a:solidFill>
@@ -10697,7 +10938,7 @@
               <a:t>o</a:t>
             </a:r>
             <a:r>
-              <a:rPr dirty="0" sz="7500" spc="-70" b="1">
+              <a:rPr sz="7500" b="1" spc="-70" dirty="0">
                 <a:solidFill>
                   <a:srgbClr val="3775FF"/>
                 </a:solidFill>
@@ -10707,7 +10948,7 @@
               <a:t>n</a:t>
             </a:r>
             <a:r>
-              <a:rPr dirty="0" sz="7500" spc="340" b="1">
+              <a:rPr sz="7500" b="1" spc="340" dirty="0">
                 <a:solidFill>
                   <a:srgbClr val="3775FF"/>
                 </a:solidFill>
@@ -10717,7 +10958,7 @@
               <a:t>c</a:t>
             </a:r>
             <a:r>
-              <a:rPr dirty="0" sz="7500" spc="-270" b="1">
+              <a:rPr sz="7500" b="1" spc="-270" dirty="0">
                 <a:solidFill>
                   <a:srgbClr val="3775FF"/>
                 </a:solidFill>
@@ -10727,7 +10968,7 @@
               <a:t>r</a:t>
             </a:r>
             <a:r>
-              <a:rPr dirty="0" sz="7500" spc="-45" b="1">
+              <a:rPr sz="7500" b="1" spc="-45" dirty="0">
                 <a:solidFill>
                   <a:srgbClr val="3775FF"/>
                 </a:solidFill>
@@ -10737,7 +10978,7 @@
               <a:t>e</a:t>
             </a:r>
             <a:r>
-              <a:rPr dirty="0" sz="7500" spc="-285" b="1">
+              <a:rPr sz="7500" b="1" spc="-285" dirty="0">
                 <a:solidFill>
                   <a:srgbClr val="3775FF"/>
                 </a:solidFill>
@@ -10747,7 +10988,7 @@
               <a:t>t</a:t>
             </a:r>
             <a:r>
-              <a:rPr dirty="0" sz="7500" spc="-195" b="1">
+              <a:rPr sz="7500" b="1" spc="-195" dirty="0">
                 <a:solidFill>
                   <a:srgbClr val="3775FF"/>
                 </a:solidFill>
@@ -10757,7 +10998,7 @@
               <a:t>a</a:t>
             </a:r>
             <a:r>
-              <a:rPr dirty="0" sz="7500" spc="-805" b="1">
+              <a:rPr sz="7500" b="1" spc="-805" dirty="0">
                 <a:solidFill>
                   <a:srgbClr val="3775FF"/>
                 </a:solidFill>
@@ -10767,7 +11008,7 @@
               <a:t> </a:t>
             </a:r>
             <a:r>
-              <a:rPr dirty="0" sz="7500" spc="195" b="1">
+              <a:rPr sz="7500" b="1" spc="195" dirty="0">
                 <a:solidFill>
                   <a:srgbClr val="3775FF"/>
                 </a:solidFill>
@@ -10777,7 +11018,7 @@
               <a:t>d</a:t>
             </a:r>
             <a:r>
-              <a:rPr dirty="0" sz="7500" spc="-25" b="1">
+              <a:rPr sz="7500" b="1" spc="-25" dirty="0">
                 <a:solidFill>
                   <a:srgbClr val="3775FF"/>
                 </a:solidFill>
@@ -10787,7 +11028,7 @@
               <a:t>o  </a:t>
             </a:r>
             <a:r>
-              <a:rPr dirty="0" sz="7500" spc="-105" b="1">
+              <a:rPr sz="7500" b="1" spc="-105" dirty="0">
                 <a:solidFill>
                   <a:srgbClr val="3775FF"/>
                 </a:solidFill>
@@ -10956,7 +11197,9 @@
           <p:txBody>
             <a:bodyPr wrap="square" lIns="0" tIns="0" rIns="0" bIns="0" rtlCol="0"/>
             <a:lstStyle/>
-            <a:p/>
+            <a:p>
+              <a:endParaRPr/>
+            </a:p>
           </p:txBody>
         </p:sp>
         <p:sp>
@@ -11001,7 +11244,9 @@
           <p:txBody>
             <a:bodyPr wrap="square" lIns="0" tIns="0" rIns="0" bIns="0" rtlCol="0"/>
             <a:lstStyle/>
-            <a:p/>
+            <a:p>
+              <a:endParaRPr/>
+            </a:p>
           </p:txBody>
         </p:sp>
         <p:pic>
@@ -11042,10 +11287,12 @@
             <a:off x="151892" y="1185196"/>
             <a:ext cx="11748135" cy="788035"/>
           </a:xfrm>
-          <a:prstGeom prst="rect"/>
+          <a:prstGeom prst="rect">
+            <a:avLst/>
+          </a:prstGeom>
         </p:spPr>
         <p:txBody>
-          <a:bodyPr wrap="square" lIns="0" tIns="12700" rIns="0" bIns="0" rtlCol="0" vert="horz">
+          <a:bodyPr vert="horz" wrap="square" lIns="0" tIns="12700" rIns="0" bIns="0" rtlCol="0">
             <a:spAutoFit/>
           </a:bodyPr>
           <a:lstStyle/>
@@ -11059,139 +11306,139 @@
               </a:spcBef>
             </a:pPr>
             <a:r>
-              <a:rPr dirty="0" sz="5000" spc="45"/>
+              <a:rPr sz="5000" spc="45" dirty="0"/>
               <a:t>E</a:t>
             </a:r>
             <a:r>
-              <a:rPr dirty="0" sz="5000" spc="-215"/>
+              <a:rPr sz="5000" spc="-215" dirty="0"/>
               <a:t>x</a:t>
             </a:r>
             <a:r>
-              <a:rPr dirty="0" sz="5000" spc="-35"/>
+              <a:rPr sz="5000" spc="-35" dirty="0"/>
               <a:t>e</a:t>
             </a:r>
             <a:r>
-              <a:rPr dirty="0" sz="5000" spc="-85"/>
+              <a:rPr sz="5000" spc="-85" dirty="0"/>
               <a:t>m</a:t>
             </a:r>
             <a:r>
-              <a:rPr dirty="0" sz="5000" spc="120"/>
+              <a:rPr sz="5000" spc="120" dirty="0"/>
               <a:t>p</a:t>
             </a:r>
             <a:r>
-              <a:rPr dirty="0" sz="5000" spc="-60"/>
+              <a:rPr sz="5000" spc="-60" dirty="0"/>
               <a:t>l</a:t>
             </a:r>
             <a:r>
-              <a:rPr dirty="0" sz="5000" spc="-25"/>
+              <a:rPr sz="5000" spc="-25" dirty="0"/>
               <a:t>o</a:t>
             </a:r>
             <a:r>
-              <a:rPr dirty="0" sz="5000" spc="-540"/>
-              <a:t> </a:t>
-            </a:r>
-            <a:r>
-              <a:rPr dirty="0" sz="5000" spc="280"/>
+              <a:rPr sz="5000" spc="-540" dirty="0"/>
+              <a:t> </a:t>
+            </a:r>
+            <a:r>
+              <a:rPr sz="5000" spc="280" dirty="0"/>
               <a:t>C</a:t>
             </a:r>
             <a:r>
-              <a:rPr dirty="0" sz="5000" spc="-60"/>
+              <a:rPr sz="5000" spc="-60" dirty="0"/>
               <a:t>l</a:t>
             </a:r>
             <a:r>
-              <a:rPr dirty="0" sz="5000" spc="-135"/>
+              <a:rPr sz="5000" spc="-135" dirty="0"/>
               <a:t>a</a:t>
             </a:r>
             <a:r>
-              <a:rPr dirty="0" sz="5000" spc="-25"/>
+              <a:rPr sz="5000" spc="-25" dirty="0"/>
               <a:t>ss</a:t>
             </a:r>
             <a:r>
-              <a:rPr dirty="0" sz="5000" spc="-30"/>
+              <a:rPr sz="5000" spc="-30" dirty="0"/>
               <a:t>e</a:t>
             </a:r>
             <a:r>
-              <a:rPr dirty="0" sz="5000" spc="-540"/>
-              <a:t> </a:t>
-            </a:r>
-            <a:r>
-              <a:rPr dirty="0" sz="5000" spc="280"/>
+              <a:rPr sz="5000" spc="-540" dirty="0"/>
+              <a:t> </a:t>
+            </a:r>
+            <a:r>
+              <a:rPr sz="5000" spc="280" dirty="0"/>
               <a:t>C</a:t>
             </a:r>
             <a:r>
-              <a:rPr dirty="0" sz="5000" spc="-30"/>
+              <a:rPr sz="5000" spc="-30" dirty="0"/>
               <a:t>o</a:t>
             </a:r>
             <a:r>
-              <a:rPr dirty="0" sz="5000" spc="-55"/>
+              <a:rPr sz="5000" spc="-55" dirty="0"/>
               <a:t>n</a:t>
             </a:r>
             <a:r>
-              <a:rPr dirty="0" sz="5000" spc="220"/>
+              <a:rPr sz="5000" spc="220" dirty="0"/>
               <a:t>c</a:t>
             </a:r>
             <a:r>
-              <a:rPr dirty="0" sz="5000" spc="-185"/>
+              <a:rPr sz="5000" spc="-185" dirty="0"/>
               <a:t>r</a:t>
             </a:r>
             <a:r>
-              <a:rPr dirty="0" sz="5000" spc="-35"/>
+              <a:rPr sz="5000" spc="-35" dirty="0"/>
               <a:t>e</a:t>
             </a:r>
             <a:r>
-              <a:rPr dirty="0" sz="5000" spc="-195"/>
+              <a:rPr sz="5000" spc="-195" dirty="0"/>
               <a:t>t</a:t>
             </a:r>
             <a:r>
-              <a:rPr dirty="0" sz="5000" spc="-130"/>
+              <a:rPr sz="5000" spc="-130" dirty="0"/>
               <a:t>a</a:t>
             </a:r>
             <a:r>
-              <a:rPr dirty="0" sz="5000" spc="-540"/>
-              <a:t> </a:t>
-            </a:r>
-            <a:r>
-              <a:rPr dirty="0" sz="5000" spc="125"/>
+              <a:rPr sz="5000" spc="-540" dirty="0"/>
+              <a:t> </a:t>
+            </a:r>
+            <a:r>
+              <a:rPr sz="5000" spc="125" dirty="0"/>
               <a:t>d</a:t>
             </a:r>
             <a:r>
-              <a:rPr dirty="0" sz="5000" spc="-25"/>
+              <a:rPr sz="5000" spc="-25" dirty="0"/>
               <a:t>o</a:t>
             </a:r>
             <a:r>
-              <a:rPr dirty="0" sz="5000" spc="-540"/>
-              <a:t> </a:t>
-            </a:r>
-            <a:r>
-              <a:rPr dirty="0" sz="5000" spc="15"/>
+              <a:rPr sz="5000" spc="-540" dirty="0"/>
+              <a:t> </a:t>
+            </a:r>
+            <a:r>
+              <a:rPr sz="5000" spc="15" dirty="0"/>
               <a:t>O</a:t>
             </a:r>
             <a:r>
-              <a:rPr dirty="0" sz="5000" spc="110"/>
+              <a:rPr sz="5000" spc="110" dirty="0"/>
               <a:t>b</a:t>
             </a:r>
             <a:r>
-              <a:rPr dirty="0" sz="5000" spc="-25"/>
+              <a:rPr sz="5000" spc="-25" dirty="0"/>
               <a:t>s</a:t>
             </a:r>
             <a:r>
-              <a:rPr dirty="0" sz="5000" spc="-35"/>
+              <a:rPr sz="5000" spc="-35" dirty="0"/>
               <a:t>e</a:t>
             </a:r>
             <a:r>
-              <a:rPr dirty="0" sz="5000" spc="-185"/>
+              <a:rPr sz="5000" spc="-185" dirty="0"/>
               <a:t>r</a:t>
             </a:r>
             <a:r>
-              <a:rPr dirty="0" sz="5000" spc="25"/>
+              <a:rPr sz="5000" spc="25" dirty="0"/>
               <a:t>v</a:t>
             </a:r>
             <a:r>
-              <a:rPr dirty="0" sz="5000" spc="-35"/>
+              <a:rPr sz="5000" spc="-35" dirty="0"/>
               <a:t>e</a:t>
             </a:r>
             <a:r>
-              <a:rPr dirty="0" sz="5000" spc="-180"/>
+              <a:rPr sz="5000" spc="-180" dirty="0"/>
               <a:t>r</a:t>
             </a:r>
             <a:endParaRPr sz="5000"/>
